--- a/Sprint 4 – Presentation.pptx
+++ b/Sprint 4 – Presentation.pptx
@@ -10,6 +10,7 @@
     <p:sldId id="258" r:id="rId4"/>
     <p:sldId id="259" r:id="rId5"/>
     <p:sldId id="260" r:id="rId6"/>
+    <p:sldId id="261" r:id="rId7"/>
   </p:sldIdLst>
   <p:sldSz cx="12192000" cy="6858000"/>
   <p:notesSz cx="6858000" cy="9144000"/>
@@ -119,38 +120,19 @@
 <file path=ppt/revisionInfo.xml><?xml version="1.0" encoding="utf-8"?>
 <p1510:revInfo xmlns:a="http://schemas.openxmlformats.org/drawingml/2006/main" xmlns:r="http://schemas.openxmlformats.org/officeDocument/2006/relationships" xmlns:p1510="http://schemas.microsoft.com/office/powerpoint/2015/10/main">
   <p1510:revLst>
+    <p1510:client id="{1444EA08-A831-709C-0225-BA935356A910}" v="38" dt="2023-12-05T15:58:30.279"/>
+    <p1510:client id="{4CA1C4BB-C5B0-6C82-8F7D-E15F290DEB66}" v="5" dt="2023-12-05T16:10:09.118"/>
+    <p1510:client id="{68459BC6-DC69-A82E-946E-CD0318521740}" v="29" dt="2023-12-05T15:55:38.522"/>
     <p1510:client id="{88E8CF80-30F1-46D3-A762-AD9EE49817A7}" v="56" dt="2023-12-04T23:39:18.468"/>
-    <p1510:client id="{C4FBD390-356A-F24B-B1BF-363FAE81F385}" v="425" dt="2023-12-05T04:46:09.243"/>
+    <p1510:client id="{C4FBD390-356A-F24B-B1BF-363FAE81F385}" v="645" dt="2023-12-05T16:14:12.615"/>
+    <p1510:client id="{E58B2984-429C-4B9A-2392-BFC9E6646874}" v="38" dt="2023-12-05T15:39:51.422"/>
+    <p1510:client id="{F49D5CA4-3504-45F6-4B45-C148E406AD63}" v="12" dt="2023-12-05T16:30:07.248"/>
   </p1510:revLst>
 </p1510:revInfo>
 </file>
 
 <file path=ppt/changesInfos/changesInfo1.xml><?xml version="1.0" encoding="utf-8"?>
 <pc:chgInfo xmlns:a="http://schemas.openxmlformats.org/drawingml/2006/main" xmlns:r="http://schemas.openxmlformats.org/officeDocument/2006/relationships" xmlns:ac="http://schemas.microsoft.com/office/drawing/2013/main/command" xmlns:pc="http://schemas.microsoft.com/office/powerpoint/2013/main/command">
-  <pc:docChgLst>
-    <pc:chgData name="Delvis Rodriguez" userId="S::s1364310@monmouth.edu::990e6fd3-52f9-4c82-b66e-2b85ed289a75" providerId="AD" clId="Web-{E83C453B-2343-B629-EE81-07823CD90F4A}"/>
-    <pc:docChg chg="modSld">
-      <pc:chgData name="Delvis Rodriguez" userId="S::s1364310@monmouth.edu::990e6fd3-52f9-4c82-b66e-2b85ed289a75" providerId="AD" clId="Web-{E83C453B-2343-B629-EE81-07823CD90F4A}" dt="2023-12-05T01:38:15.810" v="127" actId="20577"/>
-      <pc:docMkLst>
-        <pc:docMk/>
-      </pc:docMkLst>
-      <pc:sldChg chg="modSp">
-        <pc:chgData name="Delvis Rodriguez" userId="S::s1364310@monmouth.edu::990e6fd3-52f9-4c82-b66e-2b85ed289a75" providerId="AD" clId="Web-{E83C453B-2343-B629-EE81-07823CD90F4A}" dt="2023-12-05T01:38:15.810" v="127" actId="20577"/>
-        <pc:sldMkLst>
-          <pc:docMk/>
-          <pc:sldMk cId="3823569632" sldId="258"/>
-        </pc:sldMkLst>
-        <pc:graphicFrameChg chg="mod modGraphic">
-          <ac:chgData name="Delvis Rodriguez" userId="S::s1364310@monmouth.edu::990e6fd3-52f9-4c82-b66e-2b85ed289a75" providerId="AD" clId="Web-{E83C453B-2343-B629-EE81-07823CD90F4A}" dt="2023-12-05T01:38:15.810" v="127" actId="20577"/>
-          <ac:graphicFrameMkLst>
-            <pc:docMk/>
-            <pc:sldMk cId="3823569632" sldId="258"/>
-            <ac:graphicFrameMk id="8" creationId="{1A5B837F-4066-F3D5-2115-6E9F16CA15D9}"/>
-          </ac:graphicFrameMkLst>
-        </pc:graphicFrameChg>
-      </pc:sldChg>
-    </pc:docChg>
-  </pc:docChgLst>
   <pc:docChgLst>
     <pc:chgData name="Luca C. Bertinelli" userId="S::s1364385@monmouth.edu::7ae7689a-e427-4e85-ac5c-34156895fb06" providerId="AD" clId="Web-{88E8CF80-30F1-46D3-A762-AD9EE49817A7}"/>
     <pc:docChg chg="modSld">
@@ -199,9 +181,214 @@
     </pc:docChg>
   </pc:docChgLst>
   <pc:docChgLst>
+    <pc:chgData name="Luca C. Bertinelli" userId="S::s1364385@monmouth.edu::7ae7689a-e427-4e85-ac5c-34156895fb06" providerId="AD" clId="Web-{4CA1C4BB-C5B0-6C82-8F7D-E15F290DEB66}"/>
+    <pc:docChg chg="modSld">
+      <pc:chgData name="Luca C. Bertinelli" userId="S::s1364385@monmouth.edu::7ae7689a-e427-4e85-ac5c-34156895fb06" providerId="AD" clId="Web-{4CA1C4BB-C5B0-6C82-8F7D-E15F290DEB66}" dt="2023-12-05T16:10:09.118" v="3" actId="1076"/>
+      <pc:docMkLst>
+        <pc:docMk/>
+      </pc:docMkLst>
+      <pc:sldChg chg="addSp modSp">
+        <pc:chgData name="Luca C. Bertinelli" userId="S::s1364385@monmouth.edu::7ae7689a-e427-4e85-ac5c-34156895fb06" providerId="AD" clId="Web-{4CA1C4BB-C5B0-6C82-8F7D-E15F290DEB66}" dt="2023-12-05T16:10:09.118" v="3" actId="1076"/>
+        <pc:sldMkLst>
+          <pc:docMk/>
+          <pc:sldMk cId="813357974" sldId="261"/>
+        </pc:sldMkLst>
+        <pc:picChg chg="add mod">
+          <ac:chgData name="Luca C. Bertinelli" userId="S::s1364385@monmouth.edu::7ae7689a-e427-4e85-ac5c-34156895fb06" providerId="AD" clId="Web-{4CA1C4BB-C5B0-6C82-8F7D-E15F290DEB66}" dt="2023-12-05T16:10:09.118" v="3" actId="1076"/>
+          <ac:picMkLst>
+            <pc:docMk/>
+            <pc:sldMk cId="813357974" sldId="261"/>
+            <ac:picMk id="5" creationId="{7AD04774-EAE6-5B4F-4480-A59250BCB86C}"/>
+          </ac:picMkLst>
+        </pc:picChg>
+      </pc:sldChg>
+    </pc:docChg>
+  </pc:docChgLst>
+  <pc:docChgLst>
+    <pc:chgData name="Delvis Rodriguez" userId="S::s1364310@monmouth.edu::990e6fd3-52f9-4c82-b66e-2b85ed289a75" providerId="AD" clId="Web-{E58B2984-429C-4B9A-2392-BFC9E6646874}"/>
+    <pc:docChg chg="modSld">
+      <pc:chgData name="Delvis Rodriguez" userId="S::s1364310@monmouth.edu::990e6fd3-52f9-4c82-b66e-2b85ed289a75" providerId="AD" clId="Web-{E58B2984-429C-4B9A-2392-BFC9E6646874}" dt="2023-12-05T15:42:57.349" v="61" actId="14100"/>
+      <pc:docMkLst>
+        <pc:docMk/>
+      </pc:docMkLst>
+      <pc:sldChg chg="modSp">
+        <pc:chgData name="Delvis Rodriguez" userId="S::s1364310@monmouth.edu::990e6fd3-52f9-4c82-b66e-2b85ed289a75" providerId="AD" clId="Web-{E58B2984-429C-4B9A-2392-BFC9E6646874}" dt="2023-12-05T15:38:36.560" v="28" actId="20577"/>
+        <pc:sldMkLst>
+          <pc:docMk/>
+          <pc:sldMk cId="2706680078" sldId="257"/>
+        </pc:sldMkLst>
+        <pc:spChg chg="mod">
+          <ac:chgData name="Delvis Rodriguez" userId="S::s1364310@monmouth.edu::990e6fd3-52f9-4c82-b66e-2b85ed289a75" providerId="AD" clId="Web-{E58B2984-429C-4B9A-2392-BFC9E6646874}" dt="2023-12-05T15:38:36.560" v="28" actId="20577"/>
+          <ac:spMkLst>
+            <pc:docMk/>
+            <pc:sldMk cId="2706680078" sldId="257"/>
+            <ac:spMk id="4" creationId="{E13E2762-61CE-B529-6EFF-A63368ED6775}"/>
+          </ac:spMkLst>
+        </pc:spChg>
+      </pc:sldChg>
+      <pc:sldChg chg="modSp">
+        <pc:chgData name="Delvis Rodriguez" userId="S::s1364310@monmouth.edu::990e6fd3-52f9-4c82-b66e-2b85ed289a75" providerId="AD" clId="Web-{E58B2984-429C-4B9A-2392-BFC9E6646874}" dt="2023-12-05T15:42:57.349" v="61" actId="14100"/>
+        <pc:sldMkLst>
+          <pc:docMk/>
+          <pc:sldMk cId="3823569632" sldId="258"/>
+        </pc:sldMkLst>
+        <pc:graphicFrameChg chg="mod modGraphic">
+          <ac:chgData name="Delvis Rodriguez" userId="S::s1364310@monmouth.edu::990e6fd3-52f9-4c82-b66e-2b85ed289a75" providerId="AD" clId="Web-{E58B2984-429C-4B9A-2392-BFC9E6646874}" dt="2023-12-05T15:42:57.349" v="61" actId="14100"/>
+          <ac:graphicFrameMkLst>
+            <pc:docMk/>
+            <pc:sldMk cId="3823569632" sldId="258"/>
+            <ac:graphicFrameMk id="8" creationId="{1A5B837F-4066-F3D5-2115-6E9F16CA15D9}"/>
+          </ac:graphicFrameMkLst>
+        </pc:graphicFrameChg>
+      </pc:sldChg>
+      <pc:sldChg chg="modSp">
+        <pc:chgData name="Delvis Rodriguez" userId="S::s1364310@monmouth.edu::990e6fd3-52f9-4c82-b66e-2b85ed289a75" providerId="AD" clId="Web-{E58B2984-429C-4B9A-2392-BFC9E6646874}" dt="2023-12-05T15:39:46.094" v="35" actId="20577"/>
+        <pc:sldMkLst>
+          <pc:docMk/>
+          <pc:sldMk cId="1501353312" sldId="259"/>
+        </pc:sldMkLst>
+        <pc:spChg chg="mod">
+          <ac:chgData name="Delvis Rodriguez" userId="S::s1364310@monmouth.edu::990e6fd3-52f9-4c82-b66e-2b85ed289a75" providerId="AD" clId="Web-{E58B2984-429C-4B9A-2392-BFC9E6646874}" dt="2023-12-05T15:39:46.094" v="35" actId="20577"/>
+          <ac:spMkLst>
+            <pc:docMk/>
+            <pc:sldMk cId="1501353312" sldId="259"/>
+            <ac:spMk id="3" creationId="{0262EEAB-DCAD-197F-99A6-DABB61AC1673}"/>
+          </ac:spMkLst>
+        </pc:spChg>
+        <pc:spChg chg="mod">
+          <ac:chgData name="Delvis Rodriguez" userId="S::s1364310@monmouth.edu::990e6fd3-52f9-4c82-b66e-2b85ed289a75" providerId="AD" clId="Web-{E58B2984-429C-4B9A-2392-BFC9E6646874}" dt="2023-12-05T15:39:42.125" v="34" actId="20577"/>
+          <ac:spMkLst>
+            <pc:docMk/>
+            <pc:sldMk cId="1501353312" sldId="259"/>
+            <ac:spMk id="5" creationId="{82C819F0-A053-B692-FFF5-395061275481}"/>
+          </ac:spMkLst>
+        </pc:spChg>
+      </pc:sldChg>
+    </pc:docChg>
+  </pc:docChgLst>
+  <pc:docChgLst>
+    <pc:chgData name="Delvis Rodriguez" userId="S::s1364310@monmouth.edu::990e6fd3-52f9-4c82-b66e-2b85ed289a75" providerId="AD" clId="Web-{E83C453B-2343-B629-EE81-07823CD90F4A}"/>
+    <pc:docChg chg="modSld">
+      <pc:chgData name="Delvis Rodriguez" userId="S::s1364310@monmouth.edu::990e6fd3-52f9-4c82-b66e-2b85ed289a75" providerId="AD" clId="Web-{E83C453B-2343-B629-EE81-07823CD90F4A}" dt="2023-12-05T01:38:15.810" v="127" actId="20577"/>
+      <pc:docMkLst>
+        <pc:docMk/>
+      </pc:docMkLst>
+      <pc:sldChg chg="modSp">
+        <pc:chgData name="Delvis Rodriguez" userId="S::s1364310@monmouth.edu::990e6fd3-52f9-4c82-b66e-2b85ed289a75" providerId="AD" clId="Web-{E83C453B-2343-B629-EE81-07823CD90F4A}" dt="2023-12-05T01:38:15.810" v="127" actId="20577"/>
+        <pc:sldMkLst>
+          <pc:docMk/>
+          <pc:sldMk cId="3823569632" sldId="258"/>
+        </pc:sldMkLst>
+        <pc:graphicFrameChg chg="mod modGraphic">
+          <ac:chgData name="Delvis Rodriguez" userId="S::s1364310@monmouth.edu::990e6fd3-52f9-4c82-b66e-2b85ed289a75" providerId="AD" clId="Web-{E83C453B-2343-B629-EE81-07823CD90F4A}" dt="2023-12-05T01:38:15.810" v="127" actId="20577"/>
+          <ac:graphicFrameMkLst>
+            <pc:docMk/>
+            <pc:sldMk cId="3823569632" sldId="258"/>
+            <ac:graphicFrameMk id="8" creationId="{1A5B837F-4066-F3D5-2115-6E9F16CA15D9}"/>
+          </ac:graphicFrameMkLst>
+        </pc:graphicFrameChg>
+      </pc:sldChg>
+    </pc:docChg>
+  </pc:docChgLst>
+  <pc:docChgLst>
+    <pc:chgData name="Delvis Rodriguez" userId="S::s1364310@monmouth.edu::990e6fd3-52f9-4c82-b66e-2b85ed289a75" providerId="AD" clId="Web-{1444EA08-A831-709C-0225-BA935356A910}"/>
+    <pc:docChg chg="modSld">
+      <pc:chgData name="Delvis Rodriguez" userId="S::s1364310@monmouth.edu::990e6fd3-52f9-4c82-b66e-2b85ed289a75" providerId="AD" clId="Web-{1444EA08-A831-709C-0225-BA935356A910}" dt="2023-12-05T15:58:30.279" v="35" actId="1076"/>
+      <pc:docMkLst>
+        <pc:docMk/>
+      </pc:docMkLst>
+      <pc:sldChg chg="modSp">
+        <pc:chgData name="Delvis Rodriguez" userId="S::s1364310@monmouth.edu::990e6fd3-52f9-4c82-b66e-2b85ed289a75" providerId="AD" clId="Web-{1444EA08-A831-709C-0225-BA935356A910}" dt="2023-12-05T15:58:05.137" v="33" actId="20577"/>
+        <pc:sldMkLst>
+          <pc:docMk/>
+          <pc:sldMk cId="2706680078" sldId="257"/>
+        </pc:sldMkLst>
+        <pc:spChg chg="mod">
+          <ac:chgData name="Delvis Rodriguez" userId="S::s1364310@monmouth.edu::990e6fd3-52f9-4c82-b66e-2b85ed289a75" providerId="AD" clId="Web-{1444EA08-A831-709C-0225-BA935356A910}" dt="2023-12-05T15:58:05.137" v="33" actId="20577"/>
+          <ac:spMkLst>
+            <pc:docMk/>
+            <pc:sldMk cId="2706680078" sldId="257"/>
+            <ac:spMk id="4" creationId="{E13E2762-61CE-B529-6EFF-A63368ED6775}"/>
+          </ac:spMkLst>
+        </pc:spChg>
+      </pc:sldChg>
+      <pc:sldChg chg="modSp">
+        <pc:chgData name="Delvis Rodriguez" userId="S::s1364310@monmouth.edu::990e6fd3-52f9-4c82-b66e-2b85ed289a75" providerId="AD" clId="Web-{1444EA08-A831-709C-0225-BA935356A910}" dt="2023-12-05T15:58:30.279" v="35" actId="1076"/>
+        <pc:sldMkLst>
+          <pc:docMk/>
+          <pc:sldMk cId="1130445123" sldId="260"/>
+        </pc:sldMkLst>
+        <pc:picChg chg="mod">
+          <ac:chgData name="Delvis Rodriguez" userId="S::s1364310@monmouth.edu::990e6fd3-52f9-4c82-b66e-2b85ed289a75" providerId="AD" clId="Web-{1444EA08-A831-709C-0225-BA935356A910}" dt="2023-12-05T15:58:30.279" v="35" actId="1076"/>
+          <ac:picMkLst>
+            <pc:docMk/>
+            <pc:sldMk cId="1130445123" sldId="260"/>
+            <ac:picMk id="3" creationId="{157A7E38-4F4A-7546-C6EE-8552DC309976}"/>
+          </ac:picMkLst>
+        </pc:picChg>
+      </pc:sldChg>
+    </pc:docChg>
+  </pc:docChgLst>
+  <pc:docChgLst>
+    <pc:chgData name="Delvis Rodriguez" userId="S::s1364310@monmouth.edu::990e6fd3-52f9-4c82-b66e-2b85ed289a75" providerId="AD" clId="Web-{68459BC6-DC69-A82E-946E-CD0318521740}"/>
+    <pc:docChg chg="modSld">
+      <pc:chgData name="Delvis Rodriguez" userId="S::s1364310@monmouth.edu::990e6fd3-52f9-4c82-b66e-2b85ed289a75" providerId="AD" clId="Web-{68459BC6-DC69-A82E-946E-CD0318521740}" dt="2023-12-05T15:55:38.522" v="25" actId="1076"/>
+      <pc:docMkLst>
+        <pc:docMk/>
+      </pc:docMkLst>
+      <pc:sldChg chg="addSp modSp">
+        <pc:chgData name="Delvis Rodriguez" userId="S::s1364310@monmouth.edu::990e6fd3-52f9-4c82-b66e-2b85ed289a75" providerId="AD" clId="Web-{68459BC6-DC69-A82E-946E-CD0318521740}" dt="2023-12-05T15:55:38.522" v="25" actId="1076"/>
+        <pc:sldMkLst>
+          <pc:docMk/>
+          <pc:sldMk cId="1130445123" sldId="260"/>
+        </pc:sldMkLst>
+        <pc:spChg chg="mod">
+          <ac:chgData name="Delvis Rodriguez" userId="S::s1364310@monmouth.edu::990e6fd3-52f9-4c82-b66e-2b85ed289a75" providerId="AD" clId="Web-{68459BC6-DC69-A82E-946E-CD0318521740}" dt="2023-12-05T15:55:00.131" v="19" actId="1076"/>
+          <ac:spMkLst>
+            <pc:docMk/>
+            <pc:sldMk cId="1130445123" sldId="260"/>
+            <ac:spMk id="2" creationId="{20E25BBD-6AEE-C625-38FD-DB9B840D7C91}"/>
+          </ac:spMkLst>
+        </pc:spChg>
+        <pc:spChg chg="mod">
+          <ac:chgData name="Delvis Rodriguez" userId="S::s1364310@monmouth.edu::990e6fd3-52f9-4c82-b66e-2b85ed289a75" providerId="AD" clId="Web-{68459BC6-DC69-A82E-946E-CD0318521740}" dt="2023-12-05T15:55:14.694" v="21" actId="1076"/>
+          <ac:spMkLst>
+            <pc:docMk/>
+            <pc:sldMk cId="1130445123" sldId="260"/>
+            <ac:spMk id="4" creationId="{33A6D8EA-EFB4-A274-370F-2BE4A69B43F2}"/>
+          </ac:spMkLst>
+        </pc:spChg>
+        <pc:spChg chg="mod">
+          <ac:chgData name="Delvis Rodriguez" userId="S::s1364310@monmouth.edu::990e6fd3-52f9-4c82-b66e-2b85ed289a75" providerId="AD" clId="Web-{68459BC6-DC69-A82E-946E-CD0318521740}" dt="2023-12-05T15:54:52.490" v="18" actId="1076"/>
+          <ac:spMkLst>
+            <pc:docMk/>
+            <pc:sldMk cId="1130445123" sldId="260"/>
+            <ac:spMk id="18" creationId="{F91A4742-5E63-7118-E684-87D7D8A7723E}"/>
+          </ac:spMkLst>
+        </pc:spChg>
+        <pc:picChg chg="add mod">
+          <ac:chgData name="Delvis Rodriguez" userId="S::s1364310@monmouth.edu::990e6fd3-52f9-4c82-b66e-2b85ed289a75" providerId="AD" clId="Web-{68459BC6-DC69-A82E-946E-CD0318521740}" dt="2023-12-05T15:55:29.913" v="24" actId="1076"/>
+          <ac:picMkLst>
+            <pc:docMk/>
+            <pc:sldMk cId="1130445123" sldId="260"/>
+            <ac:picMk id="3" creationId="{157A7E38-4F4A-7546-C6EE-8552DC309976}"/>
+          </ac:picMkLst>
+        </pc:picChg>
+        <pc:picChg chg="mod">
+          <ac:chgData name="Delvis Rodriguez" userId="S::s1364310@monmouth.edu::990e6fd3-52f9-4c82-b66e-2b85ed289a75" providerId="AD" clId="Web-{68459BC6-DC69-A82E-946E-CD0318521740}" dt="2023-12-05T15:55:38.522" v="25" actId="1076"/>
+          <ac:picMkLst>
+            <pc:docMk/>
+            <pc:sldMk cId="1130445123" sldId="260"/>
+            <ac:picMk id="14" creationId="{5A6FE815-9AD8-9FFD-AFEE-389E1C107934}"/>
+          </ac:picMkLst>
+        </pc:picChg>
+      </pc:sldChg>
+    </pc:docChg>
+  </pc:docChgLst>
+  <pc:docChgLst>
     <pc:chgData name="Xochitl R. Martinez" userId="4efca97b-874a-4a71-9434-9f97443d9ffb" providerId="ADAL" clId="{C4FBD390-356A-F24B-B1BF-363FAE81F385}"/>
     <pc:docChg chg="undo custSel addSld delSld modSld">
-      <pc:chgData name="Xochitl R. Martinez" userId="4efca97b-874a-4a71-9434-9f97443d9ffb" providerId="ADAL" clId="{C4FBD390-356A-F24B-B1BF-363FAE81F385}" dt="2023-12-05T04:46:09.242" v="1825" actId="166"/>
+      <pc:chgData name="Xochitl R. Martinez" userId="4efca97b-874a-4a71-9434-9f97443d9ffb" providerId="ADAL" clId="{C4FBD390-356A-F24B-B1BF-363FAE81F385}" dt="2023-12-05T16:14:12.615" v="2044" actId="1076"/>
       <pc:docMkLst>
         <pc:docMk/>
       </pc:docMkLst>
@@ -728,7 +915,7 @@
         </pc:spChg>
       </pc:sldChg>
       <pc:sldChg chg="addSp delSp modSp new mod setBg">
-        <pc:chgData name="Xochitl R. Martinez" userId="4efca97b-874a-4a71-9434-9f97443d9ffb" providerId="ADAL" clId="{C4FBD390-356A-F24B-B1BF-363FAE81F385}" dt="2023-12-04T23:14:14.503" v="1495" actId="1076"/>
+        <pc:chgData name="Xochitl R. Martinez" userId="4efca97b-874a-4a71-9434-9f97443d9ffb" providerId="ADAL" clId="{C4FBD390-356A-F24B-B1BF-363FAE81F385}" dt="2023-12-05T15:48:02.052" v="1829" actId="1076"/>
         <pc:sldMkLst>
           <pc:docMk/>
           <pc:sldMk cId="1130445123" sldId="260"/>
@@ -837,6 +1024,14 @@
             <ac:picMk id="3" creationId="{12D464FB-0FB2-4CEB-0C02-6D4D9A7E96C3}"/>
           </ac:picMkLst>
         </pc:picChg>
+        <pc:picChg chg="mod">
+          <ac:chgData name="Xochitl R. Martinez" userId="4efca97b-874a-4a71-9434-9f97443d9ffb" providerId="ADAL" clId="{C4FBD390-356A-F24B-B1BF-363FAE81F385}" dt="2023-12-05T15:47:54.930" v="1827" actId="14100"/>
+          <ac:picMkLst>
+            <pc:docMk/>
+            <pc:sldMk cId="1130445123" sldId="260"/>
+            <ac:picMk id="3" creationId="{157A7E38-4F4A-7546-C6EE-8552DC309976}"/>
+          </ac:picMkLst>
+        </pc:picChg>
         <pc:picChg chg="add del mod">
           <ac:chgData name="Xochitl R. Martinez" userId="4efca97b-874a-4a71-9434-9f97443d9ffb" providerId="ADAL" clId="{C4FBD390-356A-F24B-B1BF-363FAE81F385}" dt="2023-12-04T22:14:17.172" v="1262"/>
           <ac:picMkLst>
@@ -846,7 +1041,7 @@
           </ac:picMkLst>
         </pc:picChg>
         <pc:picChg chg="add mod modCrop">
-          <ac:chgData name="Xochitl R. Martinez" userId="4efca97b-874a-4a71-9434-9f97443d9ffb" providerId="ADAL" clId="{C4FBD390-356A-F24B-B1BF-363FAE81F385}" dt="2023-12-04T23:13:49.934" v="1491" actId="1076"/>
+          <ac:chgData name="Xochitl R. Martinez" userId="4efca97b-874a-4a71-9434-9f97443d9ffb" providerId="ADAL" clId="{C4FBD390-356A-F24B-B1BF-363FAE81F385}" dt="2023-12-05T15:48:02.052" v="1829" actId="1076"/>
           <ac:picMkLst>
             <pc:docMk/>
             <pc:sldMk cId="1130445123" sldId="260"/>
@@ -859,6 +1054,116 @@
             <pc:docMk/>
             <pc:sldMk cId="1130445123" sldId="260"/>
             <ac:picMk id="17" creationId="{5A64530C-9F17-1EF4-031C-B2DEA6B5A20B}"/>
+          </ac:picMkLst>
+        </pc:picChg>
+      </pc:sldChg>
+      <pc:sldChg chg="addSp delSp modSp new mod">
+        <pc:chgData name="Xochitl R. Martinez" userId="4efca97b-874a-4a71-9434-9f97443d9ffb" providerId="ADAL" clId="{C4FBD390-356A-F24B-B1BF-363FAE81F385}" dt="2023-12-05T16:14:12.615" v="2044" actId="1076"/>
+        <pc:sldMkLst>
+          <pc:docMk/>
+          <pc:sldMk cId="813357974" sldId="261"/>
+        </pc:sldMkLst>
+        <pc:spChg chg="add mod">
+          <ac:chgData name="Xochitl R. Martinez" userId="4efca97b-874a-4a71-9434-9f97443d9ffb" providerId="ADAL" clId="{C4FBD390-356A-F24B-B1BF-363FAE81F385}" dt="2023-12-05T16:06:55.629" v="1911" actId="1076"/>
+          <ac:spMkLst>
+            <pc:docMk/>
+            <pc:sldMk cId="813357974" sldId="261"/>
+            <ac:spMk id="2" creationId="{A1C46EF6-70AD-B6C8-380D-80E99817A174}"/>
+          </ac:spMkLst>
+        </pc:spChg>
+        <pc:spChg chg="add mod">
+          <ac:chgData name="Xochitl R. Martinez" userId="4efca97b-874a-4a71-9434-9f97443d9ffb" providerId="ADAL" clId="{C4FBD390-356A-F24B-B1BF-363FAE81F385}" dt="2023-12-05T16:12:56.027" v="2029" actId="1076"/>
+          <ac:spMkLst>
+            <pc:docMk/>
+            <pc:sldMk cId="813357974" sldId="261"/>
+            <ac:spMk id="3" creationId="{F96FF5EB-A203-CABE-7B81-8A2EA5D5F1F2}"/>
+          </ac:spMkLst>
+        </pc:spChg>
+        <pc:spChg chg="add mod">
+          <ac:chgData name="Xochitl R. Martinez" userId="4efca97b-874a-4a71-9434-9f97443d9ffb" providerId="ADAL" clId="{C4FBD390-356A-F24B-B1BF-363FAE81F385}" dt="2023-12-05T16:14:12.615" v="2044" actId="1076"/>
+          <ac:spMkLst>
+            <pc:docMk/>
+            <pc:sldMk cId="813357974" sldId="261"/>
+            <ac:spMk id="4" creationId="{756DEB57-7CF7-1784-41BE-5B392D98A0C0}"/>
+          </ac:spMkLst>
+        </pc:spChg>
+        <pc:spChg chg="add mod">
+          <ac:chgData name="Xochitl R. Martinez" userId="4efca97b-874a-4a71-9434-9f97443d9ffb" providerId="ADAL" clId="{C4FBD390-356A-F24B-B1BF-363FAE81F385}" dt="2023-12-05T16:12:50.113" v="2028" actId="1076"/>
+          <ac:spMkLst>
+            <pc:docMk/>
+            <pc:sldMk cId="813357974" sldId="261"/>
+            <ac:spMk id="10" creationId="{9C3CE90A-981F-B83E-0898-436865242532}"/>
+          </ac:spMkLst>
+        </pc:spChg>
+        <pc:spChg chg="add mod">
+          <ac:chgData name="Xochitl R. Martinez" userId="4efca97b-874a-4a71-9434-9f97443d9ffb" providerId="ADAL" clId="{C4FBD390-356A-F24B-B1BF-363FAE81F385}" dt="2023-12-05T16:14:08.353" v="2043" actId="1076"/>
+          <ac:spMkLst>
+            <pc:docMk/>
+            <pc:sldMk cId="813357974" sldId="261"/>
+            <ac:spMk id="11" creationId="{0C4CCB83-CF88-310A-0F4F-A38C8FF90949}"/>
+          </ac:spMkLst>
+        </pc:spChg>
+        <pc:picChg chg="del">
+          <ac:chgData name="Xochitl R. Martinez" userId="4efca97b-874a-4a71-9434-9f97443d9ffb" providerId="ADAL" clId="{C4FBD390-356A-F24B-B1BF-363FAE81F385}" dt="2023-12-05T16:10:36.937" v="1986" actId="478"/>
+          <ac:picMkLst>
+            <pc:docMk/>
+            <pc:sldMk cId="813357974" sldId="261"/>
+            <ac:picMk id="5" creationId="{7AD04774-EAE6-5B4F-4480-A59250BCB86C}"/>
+          </ac:picMkLst>
+        </pc:picChg>
+        <pc:picChg chg="add mod">
+          <ac:chgData name="Xochitl R. Martinez" userId="4efca97b-874a-4a71-9434-9f97443d9ffb" providerId="ADAL" clId="{C4FBD390-356A-F24B-B1BF-363FAE81F385}" dt="2023-12-05T16:11:06.983" v="1994" actId="167"/>
+          <ac:picMkLst>
+            <pc:docMk/>
+            <pc:sldMk cId="813357974" sldId="261"/>
+            <ac:picMk id="7" creationId="{C6C438F6-B645-A0F5-546F-62D292BB2295}"/>
+          </ac:picMkLst>
+        </pc:picChg>
+        <pc:picChg chg="add mod">
+          <ac:chgData name="Xochitl R. Martinez" userId="4efca97b-874a-4a71-9434-9f97443d9ffb" providerId="ADAL" clId="{C4FBD390-356A-F24B-B1BF-363FAE81F385}" dt="2023-12-05T16:11:47.920" v="2011" actId="1076"/>
+          <ac:picMkLst>
+            <pc:docMk/>
+            <pc:sldMk cId="813357974" sldId="261"/>
+            <ac:picMk id="9" creationId="{E45B77D9-3D51-F9FC-12F8-9D67096E1AAC}"/>
+          </ac:picMkLst>
+        </pc:picChg>
+      </pc:sldChg>
+    </pc:docChg>
+  </pc:docChgLst>
+  <pc:docChgLst>
+    <pc:chgData name="Delvis Rodriguez" userId="S::s1364310@monmouth.edu::990e6fd3-52f9-4c82-b66e-2b85ed289a75" providerId="AD" clId="Web-{F49D5CA4-3504-45F6-4B45-C148E406AD63}"/>
+    <pc:docChg chg="modSld">
+      <pc:chgData name="Delvis Rodriguez" userId="S::s1364310@monmouth.edu::990e6fd3-52f9-4c82-b66e-2b85ed289a75" providerId="AD" clId="Web-{F49D5CA4-3504-45F6-4B45-C148E406AD63}" dt="2023-12-05T16:30:07.248" v="11" actId="20577"/>
+      <pc:docMkLst>
+        <pc:docMk/>
+      </pc:docMkLst>
+      <pc:sldChg chg="modSp">
+        <pc:chgData name="Delvis Rodriguez" userId="S::s1364310@monmouth.edu::990e6fd3-52f9-4c82-b66e-2b85ed289a75" providerId="AD" clId="Web-{F49D5CA4-3504-45F6-4B45-C148E406AD63}" dt="2023-12-05T16:30:07.248" v="11" actId="20577"/>
+        <pc:sldMkLst>
+          <pc:docMk/>
+          <pc:sldMk cId="2706680078" sldId="257"/>
+        </pc:sldMkLst>
+        <pc:spChg chg="mod">
+          <ac:chgData name="Delvis Rodriguez" userId="S::s1364310@monmouth.edu::990e6fd3-52f9-4c82-b66e-2b85ed289a75" providerId="AD" clId="Web-{F49D5CA4-3504-45F6-4B45-C148E406AD63}" dt="2023-12-05T16:30:07.248" v="11" actId="20577"/>
+          <ac:spMkLst>
+            <pc:docMk/>
+            <pc:sldMk cId="2706680078" sldId="257"/>
+            <ac:spMk id="4" creationId="{E13E2762-61CE-B529-6EFF-A63368ED6775}"/>
+          </ac:spMkLst>
+        </pc:spChg>
+      </pc:sldChg>
+      <pc:sldChg chg="modSp">
+        <pc:chgData name="Delvis Rodriguez" userId="S::s1364310@monmouth.edu::990e6fd3-52f9-4c82-b66e-2b85ed289a75" providerId="AD" clId="Web-{F49D5CA4-3504-45F6-4B45-C148E406AD63}" dt="2023-12-05T15:59:20.237" v="0" actId="1076"/>
+        <pc:sldMkLst>
+          <pc:docMk/>
+          <pc:sldMk cId="1130445123" sldId="260"/>
+        </pc:sldMkLst>
+        <pc:picChg chg="mod">
+          <ac:chgData name="Delvis Rodriguez" userId="S::s1364310@monmouth.edu::990e6fd3-52f9-4c82-b66e-2b85ed289a75" providerId="AD" clId="Web-{F49D5CA4-3504-45F6-4B45-C148E406AD63}" dt="2023-12-05T15:59:20.237" v="0" actId="1076"/>
+          <ac:picMkLst>
+            <pc:docMk/>
+            <pc:sldMk cId="1130445123" sldId="260"/>
+            <ac:picMk id="3" creationId="{157A7E38-4F4A-7546-C6EE-8552DC309976}"/>
           </ac:picMkLst>
         </pc:picChg>
       </pc:sldChg>
@@ -1637,16 +1942,16 @@
         <a:p>
           <a:pPr rtl="0"/>
           <a:r>
-            <a:rPr lang="en-US" sz="1800" dirty="0"/>
+            <a:rPr lang="en-US" sz="1800"/>
             <a:t>Delvis:</a:t>
           </a:r>
           <a:r>
-            <a:rPr lang="en-US" sz="1800" dirty="0">
+            <a:rPr lang="en-US" sz="1800">
               <a:latin typeface="Calibri Light" panose="020F0302020204030204"/>
             </a:rPr>
             <a:t> </a:t>
           </a:r>
-          <a:endParaRPr lang="en-US" sz="1800" dirty="0"/>
+          <a:endParaRPr lang="en-US" sz="1800"/>
         </a:p>
       </dgm:t>
     </dgm:pt>
@@ -1681,7 +1986,7 @@
         <a:p>
           <a:pPr rtl="0"/>
           <a:r>
-            <a:rPr lang="en-US" sz="1600" b="0" dirty="0">
+            <a:rPr lang="en-US" sz="1600" b="0">
               <a:latin typeface="+mn-lt"/>
             </a:rPr>
             <a:t>Block code</a:t>
@@ -1719,7 +2024,7 @@
         <a:lstStyle/>
         <a:p>
           <a:r>
-            <a:rPr lang="en-US" sz="1800" dirty="0"/>
+            <a:rPr lang="en-US" sz="1800"/>
             <a:t>Luca:</a:t>
           </a:r>
         </a:p>
@@ -1756,7 +2061,7 @@
         <a:p>
           <a:pPr rtl="0"/>
           <a:r>
-            <a:rPr lang="en-US" sz="1600" dirty="0">
+            <a:rPr lang="en-US" sz="1600">
               <a:solidFill>
                 <a:schemeClr val="tx1"/>
               </a:solidFill>
@@ -1797,7 +2102,7 @@
         <a:lstStyle/>
         <a:p>
           <a:r>
-            <a:rPr lang="en-US" sz="1800" dirty="0"/>
+            <a:rPr lang="en-US" sz="1800"/>
             <a:t>Xochitl:</a:t>
           </a:r>
         </a:p>
@@ -1832,9 +2137,16 @@
         <a:bodyPr/>
         <a:lstStyle/>
         <a:p>
+          <a:pPr rtl="0"/>
           <a:r>
-            <a:rPr lang="en-US" sz="1600" dirty="0"/>
-            <a:t>Agility Design Document</a:t>
+            <a:rPr lang="en-US" sz="1600">
+              <a:latin typeface="Calibri Light" panose="020F0302020204030204"/>
+            </a:rPr>
+            <a:t>System Design</a:t>
+          </a:r>
+          <a:r>
+            <a:rPr lang="en-US" sz="1600"/>
+            <a:t> Document</a:t>
           </a:r>
         </a:p>
       </dgm:t>
@@ -1870,7 +2182,7 @@
         <a:p>
           <a:pPr rtl="0"/>
           <a:r>
-            <a:rPr lang="en-US" sz="1600" dirty="0">
+            <a:rPr lang="en-US" sz="1600">
               <a:latin typeface="+mn-lt"/>
             </a:rPr>
             <a:t>Sensor Data Diagram</a:t>
@@ -1909,10 +2221,10 @@
         <a:p>
           <a:pPr rtl="0"/>
           <a:r>
-            <a:rPr lang="en-US" sz="1600" dirty="0">
+            <a:rPr lang="en-US" sz="1600">
               <a:latin typeface="+mn-lt"/>
             </a:rPr>
-            <a:t>Agility Design Document</a:t>
+            <a:t>System Design Document</a:t>
           </a:r>
         </a:p>
       </dgm:t>
@@ -1948,7 +2260,7 @@
         <a:p>
           <a:pPr rtl="0"/>
           <a:r>
-            <a:rPr lang="en-US" sz="1600" dirty="0">
+            <a:rPr lang="en-US" sz="1600">
               <a:latin typeface="+mn-lt"/>
             </a:rPr>
             <a:t>Test plan</a:t>
@@ -1987,7 +2299,7 @@
         <a:p>
           <a:pPr rtl="0"/>
           <a:r>
-            <a:rPr lang="en-US" sz="1600" dirty="0">
+            <a:rPr lang="en-US" sz="1600">
               <a:latin typeface="+mn-lt"/>
             </a:rPr>
             <a:t>Functional Requirements </a:t>
@@ -2026,7 +2338,7 @@
         <a:p>
           <a:pPr rtl="0"/>
           <a:r>
-            <a:rPr lang="en-US" sz="1600" dirty="0">
+            <a:rPr lang="en-US" sz="1600">
               <a:latin typeface="+mn-lt"/>
             </a:rPr>
             <a:t>Gantt Chart organizer</a:t>
@@ -2064,7 +2376,7 @@
         <a:lstStyle/>
         <a:p>
           <a:r>
-            <a:rPr lang="en-US" sz="1600" dirty="0">
+            <a:rPr lang="en-US" sz="1600">
               <a:latin typeface="+mn-lt"/>
             </a:rPr>
             <a:t>Track taper</a:t>
@@ -2103,7 +2415,7 @@
         <a:p>
           <a:pPr rtl="0"/>
           <a:r>
-            <a:rPr lang="en-US" sz="1600" dirty="0">
+            <a:rPr lang="en-US" sz="1600">
               <a:latin typeface="+mn-lt"/>
             </a:rPr>
             <a:t>Algorithm maker</a:t>
@@ -2141,7 +2453,7 @@
         <a:lstStyle/>
         <a:p>
           <a:r>
-            <a:rPr lang="en-US" sz="1600" dirty="0"/>
+            <a:rPr lang="en-US" sz="1600"/>
             <a:t>Functional Requirements</a:t>
           </a:r>
         </a:p>
@@ -2177,7 +2489,7 @@
         <a:lstStyle/>
         <a:p>
           <a:r>
-            <a:rPr lang="en-US" sz="1600" dirty="0"/>
+            <a:rPr lang="en-US" sz="1600"/>
             <a:t>Test Plan</a:t>
           </a:r>
         </a:p>
@@ -2213,7 +2525,7 @@
         <a:lstStyle/>
         <a:p>
           <a:r>
-            <a:rPr lang="en-US" sz="1600" dirty="0"/>
+            <a:rPr lang="en-US" sz="1600"/>
             <a:t>Video Recording</a:t>
           </a:r>
         </a:p>
@@ -2249,7 +2561,7 @@
         <a:lstStyle/>
         <a:p>
           <a:r>
-            <a:rPr lang="en-US" sz="1600" dirty="0"/>
+            <a:rPr lang="en-US" sz="1600"/>
             <a:t>Staffing Plan</a:t>
           </a:r>
         </a:p>
@@ -2285,7 +2597,7 @@
         <a:lstStyle/>
         <a:p>
           <a:r>
-            <a:rPr lang="en-US" sz="1600" dirty="0"/>
+            <a:rPr lang="en-US" sz="1600"/>
             <a:t>Requirement sign-off table</a:t>
           </a:r>
         </a:p>
@@ -2322,7 +2634,7 @@
         <a:p>
           <a:pPr rtl="0"/>
           <a:r>
-            <a:rPr lang="en-US" sz="1600" dirty="0">
+            <a:rPr lang="en-US" sz="1600">
               <a:solidFill>
                 <a:schemeClr val="tx1"/>
               </a:solidFill>
@@ -2355,6 +2667,33 @@
         </a:p>
       </dgm:t>
     </dgm:pt>
+    <dgm:pt modelId="{F2A76EF9-B139-4463-BEF3-3542CF4079B5}">
+      <dgm:prSet phldr="0"/>
+      <dgm:spPr/>
+      <dgm:t>
+        <a:bodyPr/>
+        <a:lstStyle/>
+        <a:p>
+          <a:pPr rtl="0"/>
+          <a:r>
+            <a:rPr lang="en-US">
+              <a:latin typeface="+mn-lt"/>
+              <a:ea typeface="+mn-lt"/>
+              <a:cs typeface="+mn-lt"/>
+            </a:rPr>
+            <a:t>System Design Document</a:t>
+          </a:r>
+        </a:p>
+      </dgm:t>
+    </dgm:pt>
+    <dgm:pt modelId="{C7C40E37-95BC-4C00-8FEF-F721C2B78214}" type="parTrans" cxnId="{20CFD7DC-5573-48E5-97D7-5D2AD33FC892}">
+      <dgm:prSet/>
+      <dgm:spPr/>
+    </dgm:pt>
+    <dgm:pt modelId="{CCCFFD73-AEE1-483D-87F9-EA2CD9FF2690}" type="sibTrans" cxnId="{20CFD7DC-5573-48E5-97D7-5D2AD33FC892}">
+      <dgm:prSet/>
+      <dgm:spPr/>
+    </dgm:pt>
     <dgm:pt modelId="{D624C1EA-D904-554E-A19D-C13D5AA3AFDC}" type="pres">
       <dgm:prSet presAssocID="{6F36CD65-5DEB-4613-9E0D-6B6EE09256D0}" presName="vert0" presStyleCnt="0">
         <dgm:presLayoutVars>
@@ -2374,7 +2713,7 @@
       <dgm:spPr/>
     </dgm:pt>
     <dgm:pt modelId="{E04BA191-39E9-714F-BB4C-E893D371EA49}" type="pres">
-      <dgm:prSet presAssocID="{C49A62FE-8894-4FEB-A258-EDE2F500DA12}" presName="tx1" presStyleLbl="revTx" presStyleIdx="0" presStyleCnt="19"/>
+      <dgm:prSet presAssocID="{C49A62FE-8894-4FEB-A258-EDE2F500DA12}" presName="tx1" presStyleLbl="revTx" presStyleIdx="0" presStyleCnt="20"/>
       <dgm:spPr/>
     </dgm:pt>
     <dgm:pt modelId="{C7D464B2-F466-4F4F-8A0B-F1307651E9CB}" type="pres">
@@ -2394,7 +2733,7 @@
       <dgm:spPr/>
     </dgm:pt>
     <dgm:pt modelId="{7CAD0DA1-1487-BE4D-B6E1-EFCA4E4ECF5A}" type="pres">
-      <dgm:prSet presAssocID="{02731F2B-0BCC-4742-83D1-365C4DE71541}" presName="tx2" presStyleLbl="revTx" presStyleIdx="1" presStyleCnt="19"/>
+      <dgm:prSet presAssocID="{02731F2B-0BCC-4742-83D1-365C4DE71541}" presName="tx2" presStyleLbl="revTx" presStyleIdx="1" presStyleCnt="20"/>
       <dgm:spPr/>
     </dgm:pt>
     <dgm:pt modelId="{14785EA5-7B80-D14A-A6C8-879C0282CBDA}" type="pres">
@@ -2402,7 +2741,7 @@
       <dgm:spPr/>
     </dgm:pt>
     <dgm:pt modelId="{21316D82-8904-ED48-B791-3A54C8E2DB77}" type="pres">
-      <dgm:prSet presAssocID="{02731F2B-0BCC-4742-83D1-365C4DE71541}" presName="thinLine2b" presStyleLbl="callout" presStyleIdx="0" presStyleCnt="16"/>
+      <dgm:prSet presAssocID="{02731F2B-0BCC-4742-83D1-365C4DE71541}" presName="thinLine2b" presStyleLbl="callout" presStyleIdx="0" presStyleCnt="17"/>
       <dgm:spPr/>
     </dgm:pt>
     <dgm:pt modelId="{9C2F841D-C3F5-6A4C-9C90-361AFFB3B06D}" type="pres">
@@ -2418,7 +2757,7 @@
       <dgm:spPr/>
     </dgm:pt>
     <dgm:pt modelId="{AD6AD1B4-B71A-46C7-95B2-BF802FF58D45}" type="pres">
-      <dgm:prSet presAssocID="{19F94E5F-F74B-407A-B09E-D722EB14C1EF}" presName="tx2" presStyleLbl="revTx" presStyleIdx="2" presStyleCnt="19"/>
+      <dgm:prSet presAssocID="{19F94E5F-F74B-407A-B09E-D722EB14C1EF}" presName="tx2" presStyleLbl="revTx" presStyleIdx="2" presStyleCnt="20"/>
       <dgm:spPr/>
     </dgm:pt>
     <dgm:pt modelId="{E7AC2DCF-4B67-4215-AC5D-0FBB19594CC5}" type="pres">
@@ -2426,7 +2765,7 @@
       <dgm:spPr/>
     </dgm:pt>
     <dgm:pt modelId="{BA7D9CE0-26AF-4767-A558-786F054ECF4B}" type="pres">
-      <dgm:prSet presAssocID="{19F94E5F-F74B-407A-B09E-D722EB14C1EF}" presName="thinLine2b" presStyleLbl="callout" presStyleIdx="1" presStyleCnt="16"/>
+      <dgm:prSet presAssocID="{19F94E5F-F74B-407A-B09E-D722EB14C1EF}" presName="thinLine2b" presStyleLbl="callout" presStyleIdx="1" presStyleCnt="17"/>
       <dgm:spPr/>
     </dgm:pt>
     <dgm:pt modelId="{8E54CAA8-280D-432A-9D58-9DA479F68D5C}" type="pres">
@@ -2442,7 +2781,7 @@
       <dgm:spPr/>
     </dgm:pt>
     <dgm:pt modelId="{862C5DF4-EC66-4EB2-ACAC-06E9A6108C28}" type="pres">
-      <dgm:prSet presAssocID="{CE1BE12D-D6E4-46F8-9B54-65F9D4CEA980}" presName="tx2" presStyleLbl="revTx" presStyleIdx="3" presStyleCnt="19"/>
+      <dgm:prSet presAssocID="{CE1BE12D-D6E4-46F8-9B54-65F9D4CEA980}" presName="tx2" presStyleLbl="revTx" presStyleIdx="3" presStyleCnt="20"/>
       <dgm:spPr/>
     </dgm:pt>
     <dgm:pt modelId="{395CB714-507C-44DC-8805-D04D125D746B}" type="pres">
@@ -2450,7 +2789,7 @@
       <dgm:spPr/>
     </dgm:pt>
     <dgm:pt modelId="{E3680A21-0F6F-48CB-853F-CC8689151C4A}" type="pres">
-      <dgm:prSet presAssocID="{CE1BE12D-D6E4-46F8-9B54-65F9D4CEA980}" presName="thinLine2b" presStyleLbl="callout" presStyleIdx="2" presStyleCnt="16"/>
+      <dgm:prSet presAssocID="{CE1BE12D-D6E4-46F8-9B54-65F9D4CEA980}" presName="thinLine2b" presStyleLbl="callout" presStyleIdx="2" presStyleCnt="17"/>
       <dgm:spPr/>
     </dgm:pt>
     <dgm:pt modelId="{2D5B5248-E5A1-46F8-B06B-C8D440317F1C}" type="pres">
@@ -2466,7 +2805,7 @@
       <dgm:spPr/>
     </dgm:pt>
     <dgm:pt modelId="{E9C0C166-9C78-4CD9-81E6-806750BBE8F9}" type="pres">
-      <dgm:prSet presAssocID="{B59EA445-AE0D-477A-A9CB-158055FD3947}" presName="tx2" presStyleLbl="revTx" presStyleIdx="4" presStyleCnt="19"/>
+      <dgm:prSet presAssocID="{B59EA445-AE0D-477A-A9CB-158055FD3947}" presName="tx2" presStyleLbl="revTx" presStyleIdx="4" presStyleCnt="20"/>
       <dgm:spPr/>
     </dgm:pt>
     <dgm:pt modelId="{AE009CD7-D3AE-4062-91F3-09DDE0DB0F47}" type="pres">
@@ -2474,7 +2813,7 @@
       <dgm:spPr/>
     </dgm:pt>
     <dgm:pt modelId="{2545B7F2-D9D7-4343-A66E-6EBEBB43AFC4}" type="pres">
-      <dgm:prSet presAssocID="{B59EA445-AE0D-477A-A9CB-158055FD3947}" presName="thinLine2b" presStyleLbl="callout" presStyleIdx="3" presStyleCnt="16"/>
+      <dgm:prSet presAssocID="{B59EA445-AE0D-477A-A9CB-158055FD3947}" presName="thinLine2b" presStyleLbl="callout" presStyleIdx="3" presStyleCnt="17"/>
       <dgm:spPr/>
     </dgm:pt>
     <dgm:pt modelId="{B55A82A0-2858-43CD-BE0E-5959BAF6750E}" type="pres">
@@ -2490,7 +2829,7 @@
       <dgm:spPr/>
     </dgm:pt>
     <dgm:pt modelId="{64E21F7F-121A-45EB-B06C-469A9916226D}" type="pres">
-      <dgm:prSet presAssocID="{BB6F8CB2-FC39-4461-850C-85BFC1D10721}" presName="tx2" presStyleLbl="revTx" presStyleIdx="5" presStyleCnt="19"/>
+      <dgm:prSet presAssocID="{BB6F8CB2-FC39-4461-850C-85BFC1D10721}" presName="tx2" presStyleLbl="revTx" presStyleIdx="5" presStyleCnt="20"/>
       <dgm:spPr/>
     </dgm:pt>
     <dgm:pt modelId="{FD0F0DE8-C0EC-4D91-B7B7-9471DCAA9AFE}" type="pres">
@@ -2498,7 +2837,7 @@
       <dgm:spPr/>
     </dgm:pt>
     <dgm:pt modelId="{0EAE8D8D-75C8-4C0B-9855-53619CDF7A29}" type="pres">
-      <dgm:prSet presAssocID="{BB6F8CB2-FC39-4461-850C-85BFC1D10721}" presName="thinLine2b" presStyleLbl="callout" presStyleIdx="4" presStyleCnt="16"/>
+      <dgm:prSet presAssocID="{BB6F8CB2-FC39-4461-850C-85BFC1D10721}" presName="thinLine2b" presStyleLbl="callout" presStyleIdx="4" presStyleCnt="17"/>
       <dgm:spPr/>
     </dgm:pt>
     <dgm:pt modelId="{DDD1FBF5-75BF-469F-9F43-2A25DAC7F371}" type="pres">
@@ -2514,7 +2853,7 @@
       <dgm:spPr/>
     </dgm:pt>
     <dgm:pt modelId="{B4657329-54E1-464C-A722-865A7191D070}" type="pres">
-      <dgm:prSet presAssocID="{5034F95D-29D8-4920-AA8E-8A6E436BAEF8}" presName="tx1" presStyleLbl="revTx" presStyleIdx="6" presStyleCnt="19"/>
+      <dgm:prSet presAssocID="{5034F95D-29D8-4920-AA8E-8A6E436BAEF8}" presName="tx1" presStyleLbl="revTx" presStyleIdx="6" presStyleCnt="20"/>
       <dgm:spPr/>
     </dgm:pt>
     <dgm:pt modelId="{0BFD8E78-8D6A-F94C-8705-477DEF2BAA27}" type="pres">
@@ -2534,7 +2873,7 @@
       <dgm:spPr/>
     </dgm:pt>
     <dgm:pt modelId="{572BB08B-5099-584D-AF82-69AA6FE3BC96}" type="pres">
-      <dgm:prSet presAssocID="{489B3105-8838-484E-B09E-BCC4BF55FC77}" presName="tx2" presStyleLbl="revTx" presStyleIdx="7" presStyleCnt="19"/>
+      <dgm:prSet presAssocID="{489B3105-8838-484E-B09E-BCC4BF55FC77}" presName="tx2" presStyleLbl="revTx" presStyleIdx="7" presStyleCnt="20"/>
       <dgm:spPr/>
     </dgm:pt>
     <dgm:pt modelId="{B3F165A0-9B9E-D942-8608-592F6F16A9CE}" type="pres">
@@ -2542,7 +2881,7 @@
       <dgm:spPr/>
     </dgm:pt>
     <dgm:pt modelId="{F186FA02-E8A1-2D47-A4E7-03AE42FBCE00}" type="pres">
-      <dgm:prSet presAssocID="{489B3105-8838-484E-B09E-BCC4BF55FC77}" presName="thinLine2b" presStyleLbl="callout" presStyleIdx="5" presStyleCnt="16"/>
+      <dgm:prSet presAssocID="{489B3105-8838-484E-B09E-BCC4BF55FC77}" presName="thinLine2b" presStyleLbl="callout" presStyleIdx="5" presStyleCnt="17"/>
       <dgm:spPr/>
     </dgm:pt>
     <dgm:pt modelId="{590A60D1-3F4E-BE40-A1C0-06CE85DA206B}" type="pres">
@@ -2558,7 +2897,7 @@
       <dgm:spPr/>
     </dgm:pt>
     <dgm:pt modelId="{98032041-6801-2743-8480-D773B9B31C62}" type="pres">
-      <dgm:prSet presAssocID="{4344ACB6-28BF-4A41-9CAD-F33C93477FCF}" presName="tx2" presStyleLbl="revTx" presStyleIdx="8" presStyleCnt="19"/>
+      <dgm:prSet presAssocID="{4344ACB6-28BF-4A41-9CAD-F33C93477FCF}" presName="tx2" presStyleLbl="revTx" presStyleIdx="8" presStyleCnt="20"/>
       <dgm:spPr/>
     </dgm:pt>
     <dgm:pt modelId="{C3BB983D-D311-BD40-ACF3-217A5996AE91}" type="pres">
@@ -2566,7 +2905,7 @@
       <dgm:spPr/>
     </dgm:pt>
     <dgm:pt modelId="{E2B9AA29-9AC9-B642-918F-DEEB058CCD74}" type="pres">
-      <dgm:prSet presAssocID="{4344ACB6-28BF-4A41-9CAD-F33C93477FCF}" presName="thinLine2b" presStyleLbl="callout" presStyleIdx="6" presStyleCnt="16"/>
+      <dgm:prSet presAssocID="{4344ACB6-28BF-4A41-9CAD-F33C93477FCF}" presName="thinLine2b" presStyleLbl="callout" presStyleIdx="6" presStyleCnt="17"/>
       <dgm:spPr/>
     </dgm:pt>
     <dgm:pt modelId="{9CC8BB32-B27D-F34D-95E7-827255C0B07E}" type="pres">
@@ -2582,7 +2921,7 @@
       <dgm:spPr/>
     </dgm:pt>
     <dgm:pt modelId="{D317B896-58C8-4CCF-B4AF-DBE92CB85A2A}" type="pres">
-      <dgm:prSet presAssocID="{6882C3B4-4AAD-4999-A3C9-67CCEDBF05D2}" presName="tx2" presStyleLbl="revTx" presStyleIdx="9" presStyleCnt="19"/>
+      <dgm:prSet presAssocID="{6882C3B4-4AAD-4999-A3C9-67CCEDBF05D2}" presName="tx2" presStyleLbl="revTx" presStyleIdx="9" presStyleCnt="20"/>
       <dgm:spPr/>
     </dgm:pt>
     <dgm:pt modelId="{EBF2EAB7-D4A9-4087-A732-E128E08F455A}" type="pres">
@@ -2590,7 +2929,7 @@
       <dgm:spPr/>
     </dgm:pt>
     <dgm:pt modelId="{5C1091DC-9A0C-46DB-91DE-B57503D65A21}" type="pres">
-      <dgm:prSet presAssocID="{6882C3B4-4AAD-4999-A3C9-67CCEDBF05D2}" presName="thinLine2b" presStyleLbl="callout" presStyleIdx="7" presStyleCnt="16"/>
+      <dgm:prSet presAssocID="{6882C3B4-4AAD-4999-A3C9-67CCEDBF05D2}" presName="thinLine2b" presStyleLbl="callout" presStyleIdx="7" presStyleCnt="17"/>
       <dgm:spPr/>
     </dgm:pt>
     <dgm:pt modelId="{E87AD026-8628-4AA7-8E52-C18EA2890FEE}" type="pres">
@@ -2606,7 +2945,7 @@
       <dgm:spPr/>
     </dgm:pt>
     <dgm:pt modelId="{F8B2010D-41FE-4870-B40B-2B0140FA7580}" type="pres">
-      <dgm:prSet presAssocID="{57FF3C6B-F826-4D00-873D-656ED3F22CEB}" presName="tx2" presStyleLbl="revTx" presStyleIdx="10" presStyleCnt="19"/>
+      <dgm:prSet presAssocID="{57FF3C6B-F826-4D00-873D-656ED3F22CEB}" presName="tx2" presStyleLbl="revTx" presStyleIdx="10" presStyleCnt="20"/>
       <dgm:spPr/>
     </dgm:pt>
     <dgm:pt modelId="{A9CE470C-E105-40B5-8BEA-9E5A5E4965DF}" type="pres">
@@ -2614,7 +2953,7 @@
       <dgm:spPr/>
     </dgm:pt>
     <dgm:pt modelId="{883039BF-4FBC-408C-ACEB-D90FFFDE51D8}" type="pres">
-      <dgm:prSet presAssocID="{57FF3C6B-F826-4D00-873D-656ED3F22CEB}" presName="thinLine2b" presStyleLbl="callout" presStyleIdx="8" presStyleCnt="16"/>
+      <dgm:prSet presAssocID="{57FF3C6B-F826-4D00-873D-656ED3F22CEB}" presName="thinLine2b" presStyleLbl="callout" presStyleIdx="8" presStyleCnt="17"/>
       <dgm:spPr/>
     </dgm:pt>
     <dgm:pt modelId="{615D7A9D-CBF2-44B3-BA35-ED31006BAB05}" type="pres">
@@ -2630,7 +2969,7 @@
       <dgm:spPr/>
     </dgm:pt>
     <dgm:pt modelId="{EF7D5FC5-1104-46B9-B4B6-AB8738969E3C}" type="pres">
-      <dgm:prSet presAssocID="{636BD30B-3DDC-4BD0-BFA6-360D9129F83E}" presName="tx2" presStyleLbl="revTx" presStyleIdx="11" presStyleCnt="19"/>
+      <dgm:prSet presAssocID="{636BD30B-3DDC-4BD0-BFA6-360D9129F83E}" presName="tx2" presStyleLbl="revTx" presStyleIdx="11" presStyleCnt="20"/>
       <dgm:spPr/>
     </dgm:pt>
     <dgm:pt modelId="{06C85EB1-463C-41D1-B009-B5C0BA71E4A9}" type="pres">
@@ -2638,13 +2977,37 @@
       <dgm:spPr/>
     </dgm:pt>
     <dgm:pt modelId="{DA491955-6F65-40DA-8344-2E2406BF3A1C}" type="pres">
-      <dgm:prSet presAssocID="{636BD30B-3DDC-4BD0-BFA6-360D9129F83E}" presName="thinLine2b" presStyleLbl="callout" presStyleIdx="9" presStyleCnt="16"/>
+      <dgm:prSet presAssocID="{636BD30B-3DDC-4BD0-BFA6-360D9129F83E}" presName="thinLine2b" presStyleLbl="callout" presStyleIdx="9" presStyleCnt="17"/>
       <dgm:spPr/>
     </dgm:pt>
     <dgm:pt modelId="{B1CC7DD6-28DD-4318-AD76-5CF826D3969A}" type="pres">
       <dgm:prSet presAssocID="{636BD30B-3DDC-4BD0-BFA6-360D9129F83E}" presName="vertSpace2b" presStyleCnt="0"/>
       <dgm:spPr/>
     </dgm:pt>
+    <dgm:pt modelId="{D30D2B62-D835-4CBF-9CD1-9D72868D24B2}" type="pres">
+      <dgm:prSet presAssocID="{F2A76EF9-B139-4463-BEF3-3542CF4079B5}" presName="horz2" presStyleCnt="0"/>
+      <dgm:spPr/>
+    </dgm:pt>
+    <dgm:pt modelId="{2E390E33-F1DE-4239-9B97-914EAF9D43CC}" type="pres">
+      <dgm:prSet presAssocID="{F2A76EF9-B139-4463-BEF3-3542CF4079B5}" presName="horzSpace2" presStyleCnt="0"/>
+      <dgm:spPr/>
+    </dgm:pt>
+    <dgm:pt modelId="{10FAF2BC-364E-4966-A71D-AB379D7F5542}" type="pres">
+      <dgm:prSet presAssocID="{F2A76EF9-B139-4463-BEF3-3542CF4079B5}" presName="tx2" presStyleLbl="revTx" presStyleIdx="12" presStyleCnt="20"/>
+      <dgm:spPr/>
+    </dgm:pt>
+    <dgm:pt modelId="{D9F39DAC-4C52-468C-8A57-24F5288D5425}" type="pres">
+      <dgm:prSet presAssocID="{F2A76EF9-B139-4463-BEF3-3542CF4079B5}" presName="vert2" presStyleCnt="0"/>
+      <dgm:spPr/>
+    </dgm:pt>
+    <dgm:pt modelId="{D4A65469-022E-490E-A74B-BEF1EB8DA78D}" type="pres">
+      <dgm:prSet presAssocID="{F2A76EF9-B139-4463-BEF3-3542CF4079B5}" presName="thinLine2b" presStyleLbl="callout" presStyleIdx="10" presStyleCnt="17"/>
+      <dgm:spPr/>
+    </dgm:pt>
+    <dgm:pt modelId="{C3599680-4B33-4AF2-96A8-BBD3B43D6FE5}" type="pres">
+      <dgm:prSet presAssocID="{F2A76EF9-B139-4463-BEF3-3542CF4079B5}" presName="vertSpace2b" presStyleCnt="0"/>
+      <dgm:spPr/>
+    </dgm:pt>
     <dgm:pt modelId="{868BAF7D-DFE7-CF42-825C-A269AD4CDD91}" type="pres">
       <dgm:prSet presAssocID="{F20A1053-84FE-47E1-A548-8AB1BDC8DFBF}" presName="thickLine" presStyleLbl="alignNode1" presStyleIdx="2" presStyleCnt="3"/>
       <dgm:spPr/>
@@ -2654,7 +3017,7 @@
       <dgm:spPr/>
     </dgm:pt>
     <dgm:pt modelId="{7017F8AD-5E46-5147-B9EB-4AB640A98F1C}" type="pres">
-      <dgm:prSet presAssocID="{F20A1053-84FE-47E1-A548-8AB1BDC8DFBF}" presName="tx1" presStyleLbl="revTx" presStyleIdx="12" presStyleCnt="19"/>
+      <dgm:prSet presAssocID="{F20A1053-84FE-47E1-A548-8AB1BDC8DFBF}" presName="tx1" presStyleLbl="revTx" presStyleIdx="13" presStyleCnt="20"/>
       <dgm:spPr/>
     </dgm:pt>
     <dgm:pt modelId="{5093289D-2301-5A4C-ACF2-151680E26151}" type="pres">
@@ -2674,7 +3037,7 @@
       <dgm:spPr/>
     </dgm:pt>
     <dgm:pt modelId="{3081C834-6E80-E94F-8CA1-BC3AD37CA532}" type="pres">
-      <dgm:prSet presAssocID="{B4BEE034-3881-4722-B0BD-DE7342127A50}" presName="tx2" presStyleLbl="revTx" presStyleIdx="13" presStyleCnt="19"/>
+      <dgm:prSet presAssocID="{B4BEE034-3881-4722-B0BD-DE7342127A50}" presName="tx2" presStyleLbl="revTx" presStyleIdx="14" presStyleCnt="20"/>
       <dgm:spPr/>
     </dgm:pt>
     <dgm:pt modelId="{AFAFCB09-FA90-4B47-BB1B-5E35AFC5A629}" type="pres">
@@ -2682,7 +3045,7 @@
       <dgm:spPr/>
     </dgm:pt>
     <dgm:pt modelId="{ACF61339-1B7C-644D-B422-D6F244CFD459}" type="pres">
-      <dgm:prSet presAssocID="{B4BEE034-3881-4722-B0BD-DE7342127A50}" presName="thinLine2b" presStyleLbl="callout" presStyleIdx="10" presStyleCnt="16"/>
+      <dgm:prSet presAssocID="{B4BEE034-3881-4722-B0BD-DE7342127A50}" presName="thinLine2b" presStyleLbl="callout" presStyleIdx="11" presStyleCnt="17"/>
       <dgm:spPr/>
     </dgm:pt>
     <dgm:pt modelId="{E0AE3397-D2D0-FE4D-84E7-271EF3CD5970}" type="pres">
@@ -2698,7 +3061,7 @@
       <dgm:spPr/>
     </dgm:pt>
     <dgm:pt modelId="{8E1389DE-657A-864A-8014-B131474D1760}" type="pres">
-      <dgm:prSet presAssocID="{B916E6E4-0609-E448-9F45-B4B3524A4128}" presName="tx2" presStyleLbl="revTx" presStyleIdx="14" presStyleCnt="19"/>
+      <dgm:prSet presAssocID="{B916E6E4-0609-E448-9F45-B4B3524A4128}" presName="tx2" presStyleLbl="revTx" presStyleIdx="15" presStyleCnt="20"/>
       <dgm:spPr/>
     </dgm:pt>
     <dgm:pt modelId="{63F8E43B-6A0C-9146-86FF-7B868A195A77}" type="pres">
@@ -2706,7 +3069,7 @@
       <dgm:spPr/>
     </dgm:pt>
     <dgm:pt modelId="{C54A5649-F051-2049-9B2F-97CAE569CEC8}" type="pres">
-      <dgm:prSet presAssocID="{B916E6E4-0609-E448-9F45-B4B3524A4128}" presName="thinLine2b" presStyleLbl="callout" presStyleIdx="11" presStyleCnt="16"/>
+      <dgm:prSet presAssocID="{B916E6E4-0609-E448-9F45-B4B3524A4128}" presName="thinLine2b" presStyleLbl="callout" presStyleIdx="12" presStyleCnt="17"/>
       <dgm:spPr/>
     </dgm:pt>
     <dgm:pt modelId="{15E9FD3E-1A3D-B344-A6B3-0981DBDD8D25}" type="pres">
@@ -2722,7 +3085,7 @@
       <dgm:spPr/>
     </dgm:pt>
     <dgm:pt modelId="{423FE91E-EB39-5D4B-ADA3-BAE234857F22}" type="pres">
-      <dgm:prSet presAssocID="{1962CAEE-089C-B240-BCC6-201914006B88}" presName="tx2" presStyleLbl="revTx" presStyleIdx="15" presStyleCnt="19"/>
+      <dgm:prSet presAssocID="{1962CAEE-089C-B240-BCC6-201914006B88}" presName="tx2" presStyleLbl="revTx" presStyleIdx="16" presStyleCnt="20"/>
       <dgm:spPr/>
     </dgm:pt>
     <dgm:pt modelId="{0F1F1FB4-70AD-4644-89A2-540C82EF214A}" type="pres">
@@ -2730,7 +3093,7 @@
       <dgm:spPr/>
     </dgm:pt>
     <dgm:pt modelId="{609B18A5-B49A-0442-88A5-EE5F99F1C007}" type="pres">
-      <dgm:prSet presAssocID="{1962CAEE-089C-B240-BCC6-201914006B88}" presName="thinLine2b" presStyleLbl="callout" presStyleIdx="12" presStyleCnt="16"/>
+      <dgm:prSet presAssocID="{1962CAEE-089C-B240-BCC6-201914006B88}" presName="thinLine2b" presStyleLbl="callout" presStyleIdx="13" presStyleCnt="17"/>
       <dgm:spPr/>
     </dgm:pt>
     <dgm:pt modelId="{9CD43EC0-7AEE-4E46-A802-C3122BCA5204}" type="pres">
@@ -2746,7 +3109,7 @@
       <dgm:spPr/>
     </dgm:pt>
     <dgm:pt modelId="{79932D6A-E6F5-984E-93F9-DF0F9EE2A91A}" type="pres">
-      <dgm:prSet presAssocID="{08059585-D3D4-464B-A65D-B0FB03B18E87}" presName="tx2" presStyleLbl="revTx" presStyleIdx="16" presStyleCnt="19"/>
+      <dgm:prSet presAssocID="{08059585-D3D4-464B-A65D-B0FB03B18E87}" presName="tx2" presStyleLbl="revTx" presStyleIdx="17" presStyleCnt="20"/>
       <dgm:spPr/>
     </dgm:pt>
     <dgm:pt modelId="{8B47C5ED-16C2-5C4F-AA49-192C6D6F1C6F}" type="pres">
@@ -2754,7 +3117,7 @@
       <dgm:spPr/>
     </dgm:pt>
     <dgm:pt modelId="{1CCD5B01-B570-464A-8563-DA983BBD38D7}" type="pres">
-      <dgm:prSet presAssocID="{08059585-D3D4-464B-A65D-B0FB03B18E87}" presName="thinLine2b" presStyleLbl="callout" presStyleIdx="13" presStyleCnt="16"/>
+      <dgm:prSet presAssocID="{08059585-D3D4-464B-A65D-B0FB03B18E87}" presName="thinLine2b" presStyleLbl="callout" presStyleIdx="14" presStyleCnt="17"/>
       <dgm:spPr/>
     </dgm:pt>
     <dgm:pt modelId="{E9AEA56D-B089-7D4E-B28A-2F90A7691F9D}" type="pres">
@@ -2770,7 +3133,7 @@
       <dgm:spPr/>
     </dgm:pt>
     <dgm:pt modelId="{9E7B31F5-D290-C84C-956D-C9B024BEA030}" type="pres">
-      <dgm:prSet presAssocID="{86B3ED96-E393-314F-A4FC-6053DC12A0CB}" presName="tx2" presStyleLbl="revTx" presStyleIdx="17" presStyleCnt="19"/>
+      <dgm:prSet presAssocID="{86B3ED96-E393-314F-A4FC-6053DC12A0CB}" presName="tx2" presStyleLbl="revTx" presStyleIdx="18" presStyleCnt="20"/>
       <dgm:spPr/>
     </dgm:pt>
     <dgm:pt modelId="{F5E7FBF9-C8A4-7E49-876E-8721E9112536}" type="pres">
@@ -2778,7 +3141,7 @@
       <dgm:spPr/>
     </dgm:pt>
     <dgm:pt modelId="{840C08EE-EB32-7C46-A35E-C3D9BEF2755D}" type="pres">
-      <dgm:prSet presAssocID="{86B3ED96-E393-314F-A4FC-6053DC12A0CB}" presName="thinLine2b" presStyleLbl="callout" presStyleIdx="14" presStyleCnt="16"/>
+      <dgm:prSet presAssocID="{86B3ED96-E393-314F-A4FC-6053DC12A0CB}" presName="thinLine2b" presStyleLbl="callout" presStyleIdx="15" presStyleCnt="17"/>
       <dgm:spPr/>
     </dgm:pt>
     <dgm:pt modelId="{8101DA7C-6B7C-694D-B218-AECF059DC5C2}" type="pres">
@@ -2794,7 +3157,7 @@
       <dgm:spPr/>
     </dgm:pt>
     <dgm:pt modelId="{1B28DA93-A85A-D849-8904-7D5D127536C3}" type="pres">
-      <dgm:prSet presAssocID="{5E1B2DEE-91C3-354E-9490-7448EF1675DB}" presName="tx2" presStyleLbl="revTx" presStyleIdx="18" presStyleCnt="19"/>
+      <dgm:prSet presAssocID="{5E1B2DEE-91C3-354E-9490-7448EF1675DB}" presName="tx2" presStyleLbl="revTx" presStyleIdx="19" presStyleCnt="20"/>
       <dgm:spPr/>
     </dgm:pt>
     <dgm:pt modelId="{C88F1A02-078D-6345-965A-879427F23E84}" type="pres">
@@ -2802,7 +3165,7 @@
       <dgm:spPr/>
     </dgm:pt>
     <dgm:pt modelId="{C4C5626B-E9D1-9B43-8230-BCD68E01DF35}" type="pres">
-      <dgm:prSet presAssocID="{5E1B2DEE-91C3-354E-9490-7448EF1675DB}" presName="thinLine2b" presStyleLbl="callout" presStyleIdx="15" presStyleCnt="16"/>
+      <dgm:prSet presAssocID="{5E1B2DEE-91C3-354E-9490-7448EF1675DB}" presName="thinLine2b" presStyleLbl="callout" presStyleIdx="16" presStyleCnt="17"/>
       <dgm:spPr/>
     </dgm:pt>
     <dgm:pt modelId="{E6C8045B-ECB0-784B-91CB-C6374A15D98D}" type="pres">
@@ -2811,156 +3174,164 @@
     </dgm:pt>
   </dgm:ptLst>
   <dgm:cxnLst>
+    <dgm:cxn modelId="{1732EC04-FE10-46BF-8A8F-606E0A3A457A}" type="presOf" srcId="{CE1BE12D-D6E4-46F8-9B54-65F9D4CEA980}" destId="{862C5DF4-EC66-4EB2-ACAC-06E9A6108C28}" srcOrd="0" destOrd="0" presId="urn:microsoft.com/office/officeart/2008/layout/LinedList"/>
     <dgm:cxn modelId="{E7FC7606-062B-304C-A04B-F771B2975627}" srcId="{5034F95D-29D8-4920-AA8E-8A6E436BAEF8}" destId="{6882C3B4-4AAD-4999-A3C9-67CCEDBF05D2}" srcOrd="2" destOrd="0" parTransId="{23ABD963-6F1B-40B3-A648-ABB9EF80DBCD}" sibTransId="{0A843EA7-DAA2-425A-B014-740377D97164}"/>
     <dgm:cxn modelId="{AAACE00C-B5C0-4E7C-91B0-C9B470AD8C80}" srcId="{5034F95D-29D8-4920-AA8E-8A6E436BAEF8}" destId="{4344ACB6-28BF-4A41-9CAD-F33C93477FCF}" srcOrd="1" destOrd="0" parTransId="{6009C096-DD21-4CA7-91EB-73EAB4AB4E17}" sibTransId="{46CE6FBA-A504-4C3E-BF37-EC0DDFEE9D39}"/>
-    <dgm:cxn modelId="{16B82E12-A501-4C11-A5D3-ED2C70B35DAA}" type="presOf" srcId="{636BD30B-3DDC-4BD0-BFA6-360D9129F83E}" destId="{EF7D5FC5-1104-46B9-B4B6-AB8738969E3C}" srcOrd="0" destOrd="0" presId="urn:microsoft.com/office/officeart/2008/layout/LinedList"/>
-    <dgm:cxn modelId="{A9B1DE15-AA29-49A2-992E-2B1A7E59D091}" type="presOf" srcId="{C49A62FE-8894-4FEB-A258-EDE2F500DA12}" destId="{E04BA191-39E9-714F-BB4C-E893D371EA49}" srcOrd="0" destOrd="0" presId="urn:microsoft.com/office/officeart/2008/layout/LinedList"/>
+    <dgm:cxn modelId="{F8281D14-7B5F-4D81-9F0F-D09A9D1F4F3C}" type="presOf" srcId="{F20A1053-84FE-47E1-A548-8AB1BDC8DFBF}" destId="{7017F8AD-5E46-5147-B9EB-4AB640A98F1C}" srcOrd="0" destOrd="0" presId="urn:microsoft.com/office/officeart/2008/layout/LinedList"/>
+    <dgm:cxn modelId="{1D6C3315-3BC4-4F1A-B71F-2BEE9F916DCF}" type="presOf" srcId="{B59EA445-AE0D-477A-A9CB-158055FD3947}" destId="{E9C0C166-9C78-4CD9-81E6-806750BBE8F9}" srcOrd="0" destOrd="0" presId="urn:microsoft.com/office/officeart/2008/layout/LinedList"/>
     <dgm:cxn modelId="{BC38D416-4AAE-4903-809A-34658A47D573}" srcId="{C49A62FE-8894-4FEB-A258-EDE2F500DA12}" destId="{BB6F8CB2-FC39-4461-850C-85BFC1D10721}" srcOrd="4" destOrd="0" parTransId="{CC957CE4-4477-4695-8016-42FB3B007448}" sibTransId="{10FF8C49-F8F5-4353-B53D-BE79E1BA4CDB}"/>
     <dgm:cxn modelId="{589DD019-4129-492A-A30F-738F855E99CD}" srcId="{F20A1053-84FE-47E1-A548-8AB1BDC8DFBF}" destId="{B4BEE034-3881-4722-B0BD-DE7342127A50}" srcOrd="0" destOrd="0" parTransId="{60EE8C0D-4911-44CB-BEDA-3E314F4CF41C}" sibTransId="{71EB4762-1633-4210-9E14-E17363490D87}"/>
     <dgm:cxn modelId="{3FE2991A-9795-2C4A-92BF-5E56B0C5D85D}" srcId="{F20A1053-84FE-47E1-A548-8AB1BDC8DFBF}" destId="{1962CAEE-089C-B240-BCC6-201914006B88}" srcOrd="2" destOrd="0" parTransId="{A2138645-A0B3-0D44-909F-39A3F42E3E95}" sibTransId="{271828CD-FB54-AB44-94D7-8FEF739B44BC}"/>
-    <dgm:cxn modelId="{8CC7FF29-17CB-4EE4-BCF7-8F22B3B3AE50}" type="presOf" srcId="{B59EA445-AE0D-477A-A9CB-158055FD3947}" destId="{E9C0C166-9C78-4CD9-81E6-806750BBE8F9}" srcOrd="0" destOrd="0" presId="urn:microsoft.com/office/officeart/2008/layout/LinedList"/>
+    <dgm:cxn modelId="{CEE3721C-BFF9-4DC7-8D94-6F892B8CCCFE}" type="presOf" srcId="{B4BEE034-3881-4722-B0BD-DE7342127A50}" destId="{3081C834-6E80-E94F-8CA1-BC3AD37CA532}" srcOrd="0" destOrd="0" presId="urn:microsoft.com/office/officeart/2008/layout/LinedList"/>
+    <dgm:cxn modelId="{451EA824-CE4F-43D9-B506-2354C310A77D}" type="presOf" srcId="{08059585-D3D4-464B-A65D-B0FB03B18E87}" destId="{79932D6A-E6F5-984E-93F9-DF0F9EE2A91A}" srcOrd="0" destOrd="0" presId="urn:microsoft.com/office/officeart/2008/layout/LinedList"/>
+    <dgm:cxn modelId="{ADB5C426-995B-4E92-8F14-5BFBE09CD555}" type="presOf" srcId="{19F94E5F-F74B-407A-B09E-D722EB14C1EF}" destId="{AD6AD1B4-B71A-46C7-95B2-BF802FF58D45}" srcOrd="0" destOrd="0" presId="urn:microsoft.com/office/officeart/2008/layout/LinedList"/>
     <dgm:cxn modelId="{CCE7532D-A3DD-D740-8DCB-C849FD6BB1E3}" srcId="{5034F95D-29D8-4920-AA8E-8A6E436BAEF8}" destId="{489B3105-8838-484E-B09E-BCC4BF55FC77}" srcOrd="0" destOrd="0" parTransId="{1267FD80-815E-4742-8925-97C3996C4219}" sibTransId="{9D2EDF56-86BE-F144-AA95-FC445F4C55FD}"/>
-    <dgm:cxn modelId="{E618B02D-EF1A-4D0D-9A3C-C0D5DE98FB80}" type="presOf" srcId="{BB6F8CB2-FC39-4461-850C-85BFC1D10721}" destId="{64E21F7F-121A-45EB-B06C-469A9916226D}" srcOrd="0" destOrd="0" presId="urn:microsoft.com/office/officeart/2008/layout/LinedList"/>
+    <dgm:cxn modelId="{5A43AA2E-5B46-48EE-BC92-D340628F4932}" type="presOf" srcId="{6882C3B4-4AAD-4999-A3C9-67CCEDBF05D2}" destId="{D317B896-58C8-4CCF-B4AF-DBE92CB85A2A}" srcOrd="0" destOrd="0" presId="urn:microsoft.com/office/officeart/2008/layout/LinedList"/>
     <dgm:cxn modelId="{65EACE2E-A881-486A-A1D7-28E832AF2B04}" srcId="{C49A62FE-8894-4FEB-A258-EDE2F500DA12}" destId="{CE1BE12D-D6E4-46F8-9B54-65F9D4CEA980}" srcOrd="2" destOrd="0" parTransId="{E05DF3A9-3F3A-4F2E-9641-38CF9DECA17B}" sibTransId="{3C06CFFF-5E1A-4E82-AE76-2AF058BFF6B0}"/>
+    <dgm:cxn modelId="{FA0A8B30-43E8-4AD5-871F-4EEAA5BFF98D}" type="presOf" srcId="{F2A76EF9-B139-4463-BEF3-3542CF4079B5}" destId="{10FAF2BC-364E-4966-A71D-AB379D7F5542}" srcOrd="0" destOrd="0" presId="urn:microsoft.com/office/officeart/2008/layout/LinedList"/>
     <dgm:cxn modelId="{7BBC4A32-42EA-DF44-BAF1-FEBA4EF7D7F0}" srcId="{F20A1053-84FE-47E1-A548-8AB1BDC8DFBF}" destId="{08059585-D3D4-464B-A65D-B0FB03B18E87}" srcOrd="3" destOrd="0" parTransId="{3498AF6C-9DAC-DC48-A137-446522D39611}" sibTransId="{DF9A0D1A-7788-904A-9641-586FF39CBB87}"/>
     <dgm:cxn modelId="{63D6FF37-665B-4A54-A240-44A8C853E850}" srcId="{6F36CD65-5DEB-4613-9E0D-6B6EE09256D0}" destId="{5034F95D-29D8-4920-AA8E-8A6E436BAEF8}" srcOrd="1" destOrd="0" parTransId="{8883E690-E3B5-4CC6-8F77-CFFFD74CF9F0}" sibTransId="{9DBF9290-91D1-4F51-9324-F20F33637712}"/>
-    <dgm:cxn modelId="{13F85B3A-B9C7-A540-B028-A9DFC46EEC80}" type="presOf" srcId="{5E1B2DEE-91C3-354E-9490-7448EF1675DB}" destId="{1B28DA93-A85A-D849-8904-7D5D127536C3}" srcOrd="0" destOrd="0" presId="urn:microsoft.com/office/officeart/2008/layout/LinedList"/>
+    <dgm:cxn modelId="{C1C1183B-582A-4E4F-8288-EEC459B040E3}" type="presOf" srcId="{C49A62FE-8894-4FEB-A258-EDE2F500DA12}" destId="{E04BA191-39E9-714F-BB4C-E893D371EA49}" srcOrd="0" destOrd="0" presId="urn:microsoft.com/office/officeart/2008/layout/LinedList"/>
     <dgm:cxn modelId="{D91AFD3C-54D4-4D49-AAF0-BA78A0EBF1FB}" srcId="{6F36CD65-5DEB-4613-9E0D-6B6EE09256D0}" destId="{F20A1053-84FE-47E1-A548-8AB1BDC8DFBF}" srcOrd="2" destOrd="0" parTransId="{DA955F78-F2E4-4D9C-A5A3-4CD63747CBF6}" sibTransId="{794BCC3F-2930-4C2A-9B62-8E76F1D111B8}"/>
-    <dgm:cxn modelId="{A216A945-7F87-B042-B4B2-32A2FEF176A1}" type="presOf" srcId="{489B3105-8838-484E-B09E-BCC4BF55FC77}" destId="{572BB08B-5099-584D-AF82-69AA6FE3BC96}" srcOrd="0" destOrd="0" presId="urn:microsoft.com/office/officeart/2008/layout/LinedList"/>
+    <dgm:cxn modelId="{C3FE985C-D3A7-497F-BA96-675D2E322BAC}" type="presOf" srcId="{489B3105-8838-484E-B09E-BCC4BF55FC77}" destId="{572BB08B-5099-584D-AF82-69AA6FE3BC96}" srcOrd="0" destOrd="0" presId="urn:microsoft.com/office/officeart/2008/layout/LinedList"/>
+    <dgm:cxn modelId="{561BD25E-33E3-40D0-92B5-3C2DD64CFB6D}" type="presOf" srcId="{02731F2B-0BCC-4742-83D1-365C4DE71541}" destId="{7CAD0DA1-1487-BE4D-B6E1-EFCA4E4ECF5A}" srcOrd="0" destOrd="0" presId="urn:microsoft.com/office/officeart/2008/layout/LinedList"/>
     <dgm:cxn modelId="{75313449-9852-7347-B1C8-9DF9E4F6FE20}" srcId="{F20A1053-84FE-47E1-A548-8AB1BDC8DFBF}" destId="{B916E6E4-0609-E448-9F45-B4B3524A4128}" srcOrd="1" destOrd="0" parTransId="{C7CC2E72-21BD-D848-B333-F07C21C0DE22}" sibTransId="{750A3F2B-1EB2-5E42-AFBE-A479C7EE8A3D}"/>
     <dgm:cxn modelId="{E1D1114C-F45E-244A-9513-20990BDEE876}" srcId="{F20A1053-84FE-47E1-A548-8AB1BDC8DFBF}" destId="{86B3ED96-E393-314F-A4FC-6053DC12A0CB}" srcOrd="4" destOrd="0" parTransId="{F8030EA7-A27A-9D45-8DD9-DBCD66F6B2D3}" sibTransId="{6D84AB19-8FB0-124D-8394-CB4D4685CEE9}"/>
-    <dgm:cxn modelId="{EFE9CF61-66BE-8341-B558-5898E691F9E5}" type="presOf" srcId="{B916E6E4-0609-E448-9F45-B4B3524A4128}" destId="{8E1389DE-657A-864A-8014-B131474D1760}" srcOrd="0" destOrd="0" presId="urn:microsoft.com/office/officeart/2008/layout/LinedList"/>
     <dgm:cxn modelId="{1255436F-84FC-674F-ADE6-907AA1C9126F}" srcId="{5034F95D-29D8-4920-AA8E-8A6E436BAEF8}" destId="{57FF3C6B-F826-4D00-873D-656ED3F22CEB}" srcOrd="3" destOrd="0" parTransId="{0A5163B9-77B8-48EA-9166-49D56AFFF948}" sibTransId="{CCC12C6A-366C-4269-BB26-833A6A87E7E3}"/>
-    <dgm:cxn modelId="{A92E7976-27B5-4DD1-9320-049833816DE1}" type="presOf" srcId="{19F94E5F-F74B-407A-B09E-D722EB14C1EF}" destId="{AD6AD1B4-B71A-46C7-95B2-BF802FF58D45}" srcOrd="0" destOrd="0" presId="urn:microsoft.com/office/officeart/2008/layout/LinedList"/>
+    <dgm:cxn modelId="{74BAC551-3057-44AF-9730-3B326F28976F}" type="presOf" srcId="{5E1B2DEE-91C3-354E-9490-7448EF1675DB}" destId="{1B28DA93-A85A-D849-8904-7D5D127536C3}" srcOrd="0" destOrd="0" presId="urn:microsoft.com/office/officeart/2008/layout/LinedList"/>
+    <dgm:cxn modelId="{E0089452-B580-444D-8FF5-5275DD2A70AB}" type="presOf" srcId="{5034F95D-29D8-4920-AA8E-8A6E436BAEF8}" destId="{B4657329-54E1-464C-A722-865A7191D070}" srcOrd="0" destOrd="0" presId="urn:microsoft.com/office/officeart/2008/layout/LinedList"/>
     <dgm:cxn modelId="{20BD7A79-1D2C-480B-85E4-2EE449CDA511}" srcId="{6F36CD65-5DEB-4613-9E0D-6B6EE09256D0}" destId="{C49A62FE-8894-4FEB-A258-EDE2F500DA12}" srcOrd="0" destOrd="0" parTransId="{4AADB504-95A8-481E-A6F7-F898B03975F8}" sibTransId="{3CADE273-DB47-4378-8AAF-C085D7F8B266}"/>
-    <dgm:cxn modelId="{48663B7D-4BCB-404D-A331-3D4DBC32694D}" type="presOf" srcId="{02731F2B-0BCC-4742-83D1-365C4DE71541}" destId="{7CAD0DA1-1487-BE4D-B6E1-EFCA4E4ECF5A}" srcOrd="0" destOrd="0" presId="urn:microsoft.com/office/officeart/2008/layout/LinedList"/>
+    <dgm:cxn modelId="{B4FB717A-4890-4C20-9E30-C93322B629CD}" type="presOf" srcId="{BB6F8CB2-FC39-4461-850C-85BFC1D10721}" destId="{64E21F7F-121A-45EB-B06C-469A9916226D}" srcOrd="0" destOrd="0" presId="urn:microsoft.com/office/officeart/2008/layout/LinedList"/>
     <dgm:cxn modelId="{E634837D-FC3B-4CEF-AB7B-4EEA0C870B74}" srcId="{C49A62FE-8894-4FEB-A258-EDE2F500DA12}" destId="{B59EA445-AE0D-477A-A9CB-158055FD3947}" srcOrd="3" destOrd="0" parTransId="{E49FF1FB-BAE9-4155-877E-A48F55E0C478}" sibTransId="{0A410BAA-C22D-48AA-AB52-039DC6C88526}"/>
-    <dgm:cxn modelId="{D201BC7D-F03A-7445-BE61-4297BB54ED14}" type="presOf" srcId="{86B3ED96-E393-314F-A4FC-6053DC12A0CB}" destId="{9E7B31F5-D290-C84C-956D-C9B024BEA030}" srcOrd="0" destOrd="0" presId="urn:microsoft.com/office/officeart/2008/layout/LinedList"/>
-    <dgm:cxn modelId="{9AFE5989-BA1A-C542-93E7-232EFA94FECB}" type="presOf" srcId="{08059585-D3D4-464B-A65D-B0FB03B18E87}" destId="{79932D6A-E6F5-984E-93F9-DF0F9EE2A91A}" srcOrd="0" destOrd="0" presId="urn:microsoft.com/office/officeart/2008/layout/LinedList"/>
     <dgm:cxn modelId="{FCA32E8C-143F-5648-A289-95E90D41E046}" srcId="{5034F95D-29D8-4920-AA8E-8A6E436BAEF8}" destId="{636BD30B-3DDC-4BD0-BFA6-360D9129F83E}" srcOrd="4" destOrd="0" parTransId="{3D2C0567-5E0D-4B1B-B66E-59708FC89D1F}" sibTransId="{021696D3-B9E5-402F-894F-F241D437765A}"/>
-    <dgm:cxn modelId="{66F95D95-41E6-4135-9CA3-07B2B838439A}" type="presOf" srcId="{57FF3C6B-F826-4D00-873D-656ED3F22CEB}" destId="{F8B2010D-41FE-4870-B40B-2B0140FA7580}" srcOrd="0" destOrd="0" presId="urn:microsoft.com/office/officeart/2008/layout/LinedList"/>
     <dgm:cxn modelId="{03D7B39C-1A41-4146-82A9-34718252522E}" srcId="{C49A62FE-8894-4FEB-A258-EDE2F500DA12}" destId="{02731F2B-0BCC-4742-83D1-365C4DE71541}" srcOrd="0" destOrd="0" parTransId="{3C673E45-FD86-4EB2-8DD9-4DC056A21C8D}" sibTransId="{53E9DF92-652F-4FF7-94EB-B0788A4380D0}"/>
-    <dgm:cxn modelId="{663349A6-C392-4653-9EBD-D5076386BB05}" type="presOf" srcId="{5034F95D-29D8-4920-AA8E-8A6E436BAEF8}" destId="{B4657329-54E1-464C-A722-865A7191D070}" srcOrd="0" destOrd="0" presId="urn:microsoft.com/office/officeart/2008/layout/LinedList"/>
+    <dgm:cxn modelId="{D6921EA5-205D-4486-8DAC-C29315F0106C}" type="presOf" srcId="{4344ACB6-28BF-4A41-9CAD-F33C93477FCF}" destId="{98032041-6801-2743-8480-D773B9B31C62}" srcOrd="0" destOrd="0" presId="urn:microsoft.com/office/officeart/2008/layout/LinedList"/>
+    <dgm:cxn modelId="{E4B0FBA6-0EB7-47CD-B439-3D2F577AD99B}" type="presOf" srcId="{636BD30B-3DDC-4BD0-BFA6-360D9129F83E}" destId="{EF7D5FC5-1104-46B9-B4B6-AB8738969E3C}" srcOrd="0" destOrd="0" presId="urn:microsoft.com/office/officeart/2008/layout/LinedList"/>
+    <dgm:cxn modelId="{6C6634B7-574A-430E-AB21-773818827F15}" type="presOf" srcId="{B916E6E4-0609-E448-9F45-B4B3524A4128}" destId="{8E1389DE-657A-864A-8014-B131474D1760}" srcOrd="0" destOrd="0" presId="urn:microsoft.com/office/officeart/2008/layout/LinedList"/>
     <dgm:cxn modelId="{8DEB6BC3-6875-1843-BB7C-E643C5F47DA4}" srcId="{F20A1053-84FE-47E1-A548-8AB1BDC8DFBF}" destId="{5E1B2DEE-91C3-354E-9490-7448EF1675DB}" srcOrd="5" destOrd="0" parTransId="{8D2BF682-AEDC-2A4F-AC73-D9DEDF34880C}" sibTransId="{8169D38E-6730-E44B-AFF2-DF91DF43418A}"/>
-    <dgm:cxn modelId="{975D50C5-5AEF-449D-B9C9-9577251047F7}" type="presOf" srcId="{CE1BE12D-D6E4-46F8-9B54-65F9D4CEA980}" destId="{862C5DF4-EC66-4EB2-ACAC-06E9A6108C28}" srcOrd="0" destOrd="0" presId="urn:microsoft.com/office/officeart/2008/layout/LinedList"/>
-    <dgm:cxn modelId="{74E353D8-3AAC-4390-A9D4-C341A499BA8E}" type="presOf" srcId="{F20A1053-84FE-47E1-A548-8AB1BDC8DFBF}" destId="{7017F8AD-5E46-5147-B9EB-4AB640A98F1C}" srcOrd="0" destOrd="0" presId="urn:microsoft.com/office/officeart/2008/layout/LinedList"/>
-    <dgm:cxn modelId="{C445BED9-7349-0245-AC65-ABE498CAB28E}" type="presOf" srcId="{1962CAEE-089C-B240-BCC6-201914006B88}" destId="{423FE91E-EB39-5D4B-ADA3-BAE234857F22}" srcOrd="0" destOrd="0" presId="urn:microsoft.com/office/officeart/2008/layout/LinedList"/>
-    <dgm:cxn modelId="{8EF7BDDE-F70F-4001-9AD8-648BD3818A6E}" type="presOf" srcId="{6882C3B4-4AAD-4999-A3C9-67CCEDBF05D2}" destId="{D317B896-58C8-4CCF-B4AF-DBE92CB85A2A}" srcOrd="0" destOrd="0" presId="urn:microsoft.com/office/officeart/2008/layout/LinedList"/>
+    <dgm:cxn modelId="{73F5D6C4-CAD5-4B81-900D-2D517652295E}" type="presOf" srcId="{86B3ED96-E393-314F-A4FC-6053DC12A0CB}" destId="{9E7B31F5-D290-C84C-956D-C9B024BEA030}" srcOrd="0" destOrd="0" presId="urn:microsoft.com/office/officeart/2008/layout/LinedList"/>
+    <dgm:cxn modelId="{2EF803D7-49DC-4BC5-8401-657E88E2E7C0}" type="presOf" srcId="{57FF3C6B-F826-4D00-873D-656ED3F22CEB}" destId="{F8B2010D-41FE-4870-B40B-2B0140FA7580}" srcOrd="0" destOrd="0" presId="urn:microsoft.com/office/officeart/2008/layout/LinedList"/>
+    <dgm:cxn modelId="{20CFD7DC-5573-48E5-97D7-5D2AD33FC892}" srcId="{5034F95D-29D8-4920-AA8E-8A6E436BAEF8}" destId="{F2A76EF9-B139-4463-BEF3-3542CF4079B5}" srcOrd="5" destOrd="0" parTransId="{C7C40E37-95BC-4C00-8FEF-F721C2B78214}" sibTransId="{CCCFFD73-AEE1-483D-87F9-EA2CD9FF2690}"/>
     <dgm:cxn modelId="{2F59B3E2-126A-416C-86C8-7F3DFE84840B}" srcId="{C49A62FE-8894-4FEB-A258-EDE2F500DA12}" destId="{19F94E5F-F74B-407A-B09E-D722EB14C1EF}" srcOrd="1" destOrd="0" parTransId="{F2A81FB9-8E3D-4F85-982A-F37A12EA7669}" sibTransId="{A8346F59-AE93-4103-A721-8ADFE2037F37}"/>
-    <dgm:cxn modelId="{EFA556EB-B9AF-4B92-A605-522D487174DA}" type="presOf" srcId="{B4BEE034-3881-4722-B0BD-DE7342127A50}" destId="{3081C834-6E80-E94F-8CA1-BC3AD37CA532}" srcOrd="0" destOrd="0" presId="urn:microsoft.com/office/officeart/2008/layout/LinedList"/>
-    <dgm:cxn modelId="{BBB5F3EE-73C5-479C-9D27-58AD854625EA}" type="presOf" srcId="{4344ACB6-28BF-4A41-9CAD-F33C93477FCF}" destId="{98032041-6801-2743-8480-D773B9B31C62}" srcOrd="0" destOrd="0" presId="urn:microsoft.com/office/officeart/2008/layout/LinedList"/>
+    <dgm:cxn modelId="{83B8A7ED-CD0C-4AD2-BC11-A04700F0A538}" type="presOf" srcId="{1962CAEE-089C-B240-BCC6-201914006B88}" destId="{423FE91E-EB39-5D4B-ADA3-BAE234857F22}" srcOrd="0" destOrd="0" presId="urn:microsoft.com/office/officeart/2008/layout/LinedList"/>
     <dgm:cxn modelId="{687103FF-7CD4-1747-9D38-C6C15A61B9D7}" type="presOf" srcId="{6F36CD65-5DEB-4613-9E0D-6B6EE09256D0}" destId="{D624C1EA-D904-554E-A19D-C13D5AA3AFDC}" srcOrd="0" destOrd="0" presId="urn:microsoft.com/office/officeart/2008/layout/LinedList"/>
-    <dgm:cxn modelId="{90F433DC-D008-4DF6-B039-49F0F27DEE1A}" type="presParOf" srcId="{D624C1EA-D904-554E-A19D-C13D5AA3AFDC}" destId="{19DD9D5B-45B2-2045-9751-EC6B8BC15CB4}" srcOrd="0" destOrd="0" presId="urn:microsoft.com/office/officeart/2008/layout/LinedList"/>
-    <dgm:cxn modelId="{479A9241-E272-4CB6-9B78-08D4ADD3EB4A}" type="presParOf" srcId="{D624C1EA-D904-554E-A19D-C13D5AA3AFDC}" destId="{F2E787C2-2739-A64B-BFEC-BF6A8F20FAFF}" srcOrd="1" destOrd="0" presId="urn:microsoft.com/office/officeart/2008/layout/LinedList"/>
-    <dgm:cxn modelId="{53115D0D-9F85-4C38-B216-6C050B8C78C5}" type="presParOf" srcId="{F2E787C2-2739-A64B-BFEC-BF6A8F20FAFF}" destId="{E04BA191-39E9-714F-BB4C-E893D371EA49}" srcOrd="0" destOrd="0" presId="urn:microsoft.com/office/officeart/2008/layout/LinedList"/>
-    <dgm:cxn modelId="{28416C24-010A-4DDF-AF25-328F98B82BB0}" type="presParOf" srcId="{F2E787C2-2739-A64B-BFEC-BF6A8F20FAFF}" destId="{C7D464B2-F466-4F4F-8A0B-F1307651E9CB}" srcOrd="1" destOrd="0" presId="urn:microsoft.com/office/officeart/2008/layout/LinedList"/>
-    <dgm:cxn modelId="{F4D92E41-5FCE-4309-A58F-371D13FED524}" type="presParOf" srcId="{C7D464B2-F466-4F4F-8A0B-F1307651E9CB}" destId="{86F7F803-7ECF-244D-B62C-C02B2E779931}" srcOrd="0" destOrd="0" presId="urn:microsoft.com/office/officeart/2008/layout/LinedList"/>
-    <dgm:cxn modelId="{5FEF537A-366A-4DAD-97A7-345AF1AEEC30}" type="presParOf" srcId="{C7D464B2-F466-4F4F-8A0B-F1307651E9CB}" destId="{9AD6A5C6-B8B8-3249-AC78-6018A29A305E}" srcOrd="1" destOrd="0" presId="urn:microsoft.com/office/officeart/2008/layout/LinedList"/>
-    <dgm:cxn modelId="{FFDF9958-360D-4F77-A8ED-7A28E1D9E14F}" type="presParOf" srcId="{9AD6A5C6-B8B8-3249-AC78-6018A29A305E}" destId="{DB5CA783-97CD-214A-AE16-E6B7C9B2B0B9}" srcOrd="0" destOrd="0" presId="urn:microsoft.com/office/officeart/2008/layout/LinedList"/>
-    <dgm:cxn modelId="{EE83A328-9BCE-46E0-9E39-C2820DABE4C8}" type="presParOf" srcId="{9AD6A5C6-B8B8-3249-AC78-6018A29A305E}" destId="{7CAD0DA1-1487-BE4D-B6E1-EFCA4E4ECF5A}" srcOrd="1" destOrd="0" presId="urn:microsoft.com/office/officeart/2008/layout/LinedList"/>
-    <dgm:cxn modelId="{CA1540EC-6A6A-4E72-89E4-126FE265F5F7}" type="presParOf" srcId="{9AD6A5C6-B8B8-3249-AC78-6018A29A305E}" destId="{14785EA5-7B80-D14A-A6C8-879C0282CBDA}" srcOrd="2" destOrd="0" presId="urn:microsoft.com/office/officeart/2008/layout/LinedList"/>
-    <dgm:cxn modelId="{D7E94262-20C1-442F-8A06-BE2B56ABB2D9}" type="presParOf" srcId="{C7D464B2-F466-4F4F-8A0B-F1307651E9CB}" destId="{21316D82-8904-ED48-B791-3A54C8E2DB77}" srcOrd="2" destOrd="0" presId="urn:microsoft.com/office/officeart/2008/layout/LinedList"/>
-    <dgm:cxn modelId="{9E2E67B2-ED2A-4551-8DFE-22CDC7A96CFD}" type="presParOf" srcId="{C7D464B2-F466-4F4F-8A0B-F1307651E9CB}" destId="{9C2F841D-C3F5-6A4C-9C90-361AFFB3B06D}" srcOrd="3" destOrd="0" presId="urn:microsoft.com/office/officeart/2008/layout/LinedList"/>
-    <dgm:cxn modelId="{5B58FA4F-C8EF-4F96-8F31-B1BDE06C3E70}" type="presParOf" srcId="{C7D464B2-F466-4F4F-8A0B-F1307651E9CB}" destId="{CB35F7B5-3522-4D3B-817B-7A60D8BF3C16}" srcOrd="4" destOrd="0" presId="urn:microsoft.com/office/officeart/2008/layout/LinedList"/>
-    <dgm:cxn modelId="{D26035E8-5DC7-4B5B-ABCD-821F5A00344C}" type="presParOf" srcId="{CB35F7B5-3522-4D3B-817B-7A60D8BF3C16}" destId="{258226E1-0C46-4AC2-8511-E50409B7426B}" srcOrd="0" destOrd="0" presId="urn:microsoft.com/office/officeart/2008/layout/LinedList"/>
-    <dgm:cxn modelId="{3AF5AD45-62EC-4F57-9B2D-76F10EA5B434}" type="presParOf" srcId="{CB35F7B5-3522-4D3B-817B-7A60D8BF3C16}" destId="{AD6AD1B4-B71A-46C7-95B2-BF802FF58D45}" srcOrd="1" destOrd="0" presId="urn:microsoft.com/office/officeart/2008/layout/LinedList"/>
-    <dgm:cxn modelId="{F60D94FD-2A82-4A74-A719-66A5AC119EBD}" type="presParOf" srcId="{CB35F7B5-3522-4D3B-817B-7A60D8BF3C16}" destId="{E7AC2DCF-4B67-4215-AC5D-0FBB19594CC5}" srcOrd="2" destOrd="0" presId="urn:microsoft.com/office/officeart/2008/layout/LinedList"/>
-    <dgm:cxn modelId="{EFD933DE-DE68-4ACD-ADC9-861F17E02303}" type="presParOf" srcId="{C7D464B2-F466-4F4F-8A0B-F1307651E9CB}" destId="{BA7D9CE0-26AF-4767-A558-786F054ECF4B}" srcOrd="5" destOrd="0" presId="urn:microsoft.com/office/officeart/2008/layout/LinedList"/>
-    <dgm:cxn modelId="{AE1076F2-4A81-46A5-95DB-A440ACEF0FE5}" type="presParOf" srcId="{C7D464B2-F466-4F4F-8A0B-F1307651E9CB}" destId="{8E54CAA8-280D-432A-9D58-9DA479F68D5C}" srcOrd="6" destOrd="0" presId="urn:microsoft.com/office/officeart/2008/layout/LinedList"/>
-    <dgm:cxn modelId="{771B0BA7-1AEB-4A79-9ADD-2279E5216073}" type="presParOf" srcId="{C7D464B2-F466-4F4F-8A0B-F1307651E9CB}" destId="{9FE737D7-67A4-44DC-807B-DF106100CEC7}" srcOrd="7" destOrd="0" presId="urn:microsoft.com/office/officeart/2008/layout/LinedList"/>
-    <dgm:cxn modelId="{74C2A2DB-042A-4A77-B096-91C13ABF9E0A}" type="presParOf" srcId="{9FE737D7-67A4-44DC-807B-DF106100CEC7}" destId="{CBF2571A-FC69-419D-8127-4EFC09B0B08B}" srcOrd="0" destOrd="0" presId="urn:microsoft.com/office/officeart/2008/layout/LinedList"/>
-    <dgm:cxn modelId="{27E1931F-A7D8-4DBB-A418-5597B4A31B2C}" type="presParOf" srcId="{9FE737D7-67A4-44DC-807B-DF106100CEC7}" destId="{862C5DF4-EC66-4EB2-ACAC-06E9A6108C28}" srcOrd="1" destOrd="0" presId="urn:microsoft.com/office/officeart/2008/layout/LinedList"/>
-    <dgm:cxn modelId="{3E80C4D6-E253-4552-AACB-5B58DACD3029}" type="presParOf" srcId="{9FE737D7-67A4-44DC-807B-DF106100CEC7}" destId="{395CB714-507C-44DC-8805-D04D125D746B}" srcOrd="2" destOrd="0" presId="urn:microsoft.com/office/officeart/2008/layout/LinedList"/>
-    <dgm:cxn modelId="{E35C461B-1B91-4005-BFDB-9639300C986B}" type="presParOf" srcId="{C7D464B2-F466-4F4F-8A0B-F1307651E9CB}" destId="{E3680A21-0F6F-48CB-853F-CC8689151C4A}" srcOrd="8" destOrd="0" presId="urn:microsoft.com/office/officeart/2008/layout/LinedList"/>
-    <dgm:cxn modelId="{078FA30C-543B-41F5-B2C2-E13B3B3D49E3}" type="presParOf" srcId="{C7D464B2-F466-4F4F-8A0B-F1307651E9CB}" destId="{2D5B5248-E5A1-46F8-B06B-C8D440317F1C}" srcOrd="9" destOrd="0" presId="urn:microsoft.com/office/officeart/2008/layout/LinedList"/>
-    <dgm:cxn modelId="{D74A8BC2-3E31-4B19-B1FF-4A3004883400}" type="presParOf" srcId="{C7D464B2-F466-4F4F-8A0B-F1307651E9CB}" destId="{1FAC3D76-A1A0-4A21-B4CE-DFF284CFAB47}" srcOrd="10" destOrd="0" presId="urn:microsoft.com/office/officeart/2008/layout/LinedList"/>
-    <dgm:cxn modelId="{9EDAC126-CEE9-4154-A2F2-542B43AC08E9}" type="presParOf" srcId="{1FAC3D76-A1A0-4A21-B4CE-DFF284CFAB47}" destId="{8ACEB47F-3016-46DF-A003-C75724AA91A3}" srcOrd="0" destOrd="0" presId="urn:microsoft.com/office/officeart/2008/layout/LinedList"/>
-    <dgm:cxn modelId="{3BBAA949-7FAC-4F2C-8F9C-DCEB060154AD}" type="presParOf" srcId="{1FAC3D76-A1A0-4A21-B4CE-DFF284CFAB47}" destId="{E9C0C166-9C78-4CD9-81E6-806750BBE8F9}" srcOrd="1" destOrd="0" presId="urn:microsoft.com/office/officeart/2008/layout/LinedList"/>
-    <dgm:cxn modelId="{CBF048BF-4BA2-4BB9-8802-3EE86929ED15}" type="presParOf" srcId="{1FAC3D76-A1A0-4A21-B4CE-DFF284CFAB47}" destId="{AE009CD7-D3AE-4062-91F3-09DDE0DB0F47}" srcOrd="2" destOrd="0" presId="urn:microsoft.com/office/officeart/2008/layout/LinedList"/>
-    <dgm:cxn modelId="{CA11CDF3-7CE0-4D5B-8C95-3972AAD00F9F}" type="presParOf" srcId="{C7D464B2-F466-4F4F-8A0B-F1307651E9CB}" destId="{2545B7F2-D9D7-4343-A66E-6EBEBB43AFC4}" srcOrd="11" destOrd="0" presId="urn:microsoft.com/office/officeart/2008/layout/LinedList"/>
-    <dgm:cxn modelId="{5E2CD8F7-41E5-44AA-8B5A-2A4A90AB5E48}" type="presParOf" srcId="{C7D464B2-F466-4F4F-8A0B-F1307651E9CB}" destId="{B55A82A0-2858-43CD-BE0E-5959BAF6750E}" srcOrd="12" destOrd="0" presId="urn:microsoft.com/office/officeart/2008/layout/LinedList"/>
-    <dgm:cxn modelId="{37030381-36B5-4B97-8784-98DAE884839D}" type="presParOf" srcId="{C7D464B2-F466-4F4F-8A0B-F1307651E9CB}" destId="{2B198BC2-0B29-410E-BC41-5F5540840AD2}" srcOrd="13" destOrd="0" presId="urn:microsoft.com/office/officeart/2008/layout/LinedList"/>
-    <dgm:cxn modelId="{3367404D-C263-492C-8115-BD0A5A8D385C}" type="presParOf" srcId="{2B198BC2-0B29-410E-BC41-5F5540840AD2}" destId="{F9246E08-4DC4-4885-B23B-7758DB4061A9}" srcOrd="0" destOrd="0" presId="urn:microsoft.com/office/officeart/2008/layout/LinedList"/>
-    <dgm:cxn modelId="{D180FB3F-EBC7-4187-B5FB-431CFADC1E9E}" type="presParOf" srcId="{2B198BC2-0B29-410E-BC41-5F5540840AD2}" destId="{64E21F7F-121A-45EB-B06C-469A9916226D}" srcOrd="1" destOrd="0" presId="urn:microsoft.com/office/officeart/2008/layout/LinedList"/>
-    <dgm:cxn modelId="{35A31518-3602-4800-819B-6E74F9E93D2B}" type="presParOf" srcId="{2B198BC2-0B29-410E-BC41-5F5540840AD2}" destId="{FD0F0DE8-C0EC-4D91-B7B7-9471DCAA9AFE}" srcOrd="2" destOrd="0" presId="urn:microsoft.com/office/officeart/2008/layout/LinedList"/>
-    <dgm:cxn modelId="{88FBB87A-6A16-499B-B1C0-5B2E9E014D52}" type="presParOf" srcId="{C7D464B2-F466-4F4F-8A0B-F1307651E9CB}" destId="{0EAE8D8D-75C8-4C0B-9855-53619CDF7A29}" srcOrd="14" destOrd="0" presId="urn:microsoft.com/office/officeart/2008/layout/LinedList"/>
-    <dgm:cxn modelId="{82BF718D-029E-4C18-85D1-175D607B7993}" type="presParOf" srcId="{C7D464B2-F466-4F4F-8A0B-F1307651E9CB}" destId="{DDD1FBF5-75BF-469F-9F43-2A25DAC7F371}" srcOrd="15" destOrd="0" presId="urn:microsoft.com/office/officeart/2008/layout/LinedList"/>
-    <dgm:cxn modelId="{3BB1308B-A39C-45B4-B5C5-A40DDDE2E848}" type="presParOf" srcId="{D624C1EA-D904-554E-A19D-C13D5AA3AFDC}" destId="{CFEA396D-0B4B-A046-B362-9BE035CC9863}" srcOrd="2" destOrd="0" presId="urn:microsoft.com/office/officeart/2008/layout/LinedList"/>
-    <dgm:cxn modelId="{2AC5932B-4502-468D-B6B8-BCF92FC9B592}" type="presParOf" srcId="{D624C1EA-D904-554E-A19D-C13D5AA3AFDC}" destId="{9AFDAB6F-D75B-5A42-AF74-BDB6D7F867B5}" srcOrd="3" destOrd="0" presId="urn:microsoft.com/office/officeart/2008/layout/LinedList"/>
-    <dgm:cxn modelId="{3A2CAE3A-1834-4074-9F3A-F80659991F27}" type="presParOf" srcId="{9AFDAB6F-D75B-5A42-AF74-BDB6D7F867B5}" destId="{B4657329-54E1-464C-A722-865A7191D070}" srcOrd="0" destOrd="0" presId="urn:microsoft.com/office/officeart/2008/layout/LinedList"/>
-    <dgm:cxn modelId="{0D7B0A36-9C32-4F6D-ABE4-53AE3C2C2C36}" type="presParOf" srcId="{9AFDAB6F-D75B-5A42-AF74-BDB6D7F867B5}" destId="{0BFD8E78-8D6A-F94C-8705-477DEF2BAA27}" srcOrd="1" destOrd="0" presId="urn:microsoft.com/office/officeart/2008/layout/LinedList"/>
-    <dgm:cxn modelId="{20655B64-D415-8748-95C6-33CE206A3884}" type="presParOf" srcId="{0BFD8E78-8D6A-F94C-8705-477DEF2BAA27}" destId="{7249D875-04D8-EA46-8927-598F0D33F8B6}" srcOrd="0" destOrd="0" presId="urn:microsoft.com/office/officeart/2008/layout/LinedList"/>
-    <dgm:cxn modelId="{70D97DE7-1CAB-0F45-927A-8E4824558802}" type="presParOf" srcId="{0BFD8E78-8D6A-F94C-8705-477DEF2BAA27}" destId="{D9898889-B876-1B43-8E4D-B096F3E3E8F8}" srcOrd="1" destOrd="0" presId="urn:microsoft.com/office/officeart/2008/layout/LinedList"/>
-    <dgm:cxn modelId="{E149E56B-142D-C04E-83CF-543D4832FF38}" type="presParOf" srcId="{D9898889-B876-1B43-8E4D-B096F3E3E8F8}" destId="{7A5AC1C1-DEFD-6344-9626-A1DFAC2204E7}" srcOrd="0" destOrd="0" presId="urn:microsoft.com/office/officeart/2008/layout/LinedList"/>
-    <dgm:cxn modelId="{9CAB8C82-CA25-2B4F-A604-9FB0AB0C664C}" type="presParOf" srcId="{D9898889-B876-1B43-8E4D-B096F3E3E8F8}" destId="{572BB08B-5099-584D-AF82-69AA6FE3BC96}" srcOrd="1" destOrd="0" presId="urn:microsoft.com/office/officeart/2008/layout/LinedList"/>
-    <dgm:cxn modelId="{9B0C4046-1BA8-F54D-8B92-50FC87C94140}" type="presParOf" srcId="{D9898889-B876-1B43-8E4D-B096F3E3E8F8}" destId="{B3F165A0-9B9E-D942-8608-592F6F16A9CE}" srcOrd="2" destOrd="0" presId="urn:microsoft.com/office/officeart/2008/layout/LinedList"/>
-    <dgm:cxn modelId="{F1DE3829-B2F5-BB4B-B325-7CF015F942C2}" type="presParOf" srcId="{0BFD8E78-8D6A-F94C-8705-477DEF2BAA27}" destId="{F186FA02-E8A1-2D47-A4E7-03AE42FBCE00}" srcOrd="2" destOrd="0" presId="urn:microsoft.com/office/officeart/2008/layout/LinedList"/>
-    <dgm:cxn modelId="{558B60ED-5F3D-D04C-AECC-0F2874B0B126}" type="presParOf" srcId="{0BFD8E78-8D6A-F94C-8705-477DEF2BAA27}" destId="{590A60D1-3F4E-BE40-A1C0-06CE85DA206B}" srcOrd="3" destOrd="0" presId="urn:microsoft.com/office/officeart/2008/layout/LinedList"/>
-    <dgm:cxn modelId="{1914C29F-E0DA-435F-99DC-D4131A9875A7}" type="presParOf" srcId="{0BFD8E78-8D6A-F94C-8705-477DEF2BAA27}" destId="{4732F311-E4DF-744B-B293-58006C9A6377}" srcOrd="4" destOrd="0" presId="urn:microsoft.com/office/officeart/2008/layout/LinedList"/>
-    <dgm:cxn modelId="{348417C9-2AAE-41E5-8CA1-D09101E7F70E}" type="presParOf" srcId="{4732F311-E4DF-744B-B293-58006C9A6377}" destId="{CD05C022-0D39-664A-89FF-DFF376215A2D}" srcOrd="0" destOrd="0" presId="urn:microsoft.com/office/officeart/2008/layout/LinedList"/>
-    <dgm:cxn modelId="{4C9A4F43-29DA-4B78-B14C-A9BF22D23343}" type="presParOf" srcId="{4732F311-E4DF-744B-B293-58006C9A6377}" destId="{98032041-6801-2743-8480-D773B9B31C62}" srcOrd="1" destOrd="0" presId="urn:microsoft.com/office/officeart/2008/layout/LinedList"/>
-    <dgm:cxn modelId="{000AB7FF-5BF5-40A6-BA10-381353DBCC21}" type="presParOf" srcId="{4732F311-E4DF-744B-B293-58006C9A6377}" destId="{C3BB983D-D311-BD40-ACF3-217A5996AE91}" srcOrd="2" destOrd="0" presId="urn:microsoft.com/office/officeart/2008/layout/LinedList"/>
-    <dgm:cxn modelId="{206B3D0D-B5D8-4CC4-BB08-93261B41C036}" type="presParOf" srcId="{0BFD8E78-8D6A-F94C-8705-477DEF2BAA27}" destId="{E2B9AA29-9AC9-B642-918F-DEEB058CCD74}" srcOrd="5" destOrd="0" presId="urn:microsoft.com/office/officeart/2008/layout/LinedList"/>
-    <dgm:cxn modelId="{38D69918-5B68-48DD-A48E-74DDAB989558}" type="presParOf" srcId="{0BFD8E78-8D6A-F94C-8705-477DEF2BAA27}" destId="{9CC8BB32-B27D-F34D-95E7-827255C0B07E}" srcOrd="6" destOrd="0" presId="urn:microsoft.com/office/officeart/2008/layout/LinedList"/>
-    <dgm:cxn modelId="{0FEFA2CB-CA41-45D9-87F6-D867B2FC99E3}" type="presParOf" srcId="{0BFD8E78-8D6A-F94C-8705-477DEF2BAA27}" destId="{163A6B35-C8E0-4530-878E-EC1C52DE4D3D}" srcOrd="7" destOrd="0" presId="urn:microsoft.com/office/officeart/2008/layout/LinedList"/>
-    <dgm:cxn modelId="{10F17E4F-160A-4EDE-A4CE-48CC9F99A068}" type="presParOf" srcId="{163A6B35-C8E0-4530-878E-EC1C52DE4D3D}" destId="{34887E2B-BEAF-496C-922C-1C8EAB60E204}" srcOrd="0" destOrd="0" presId="urn:microsoft.com/office/officeart/2008/layout/LinedList"/>
-    <dgm:cxn modelId="{CD1EB4C0-28E0-4267-B1F9-CEEDB5F29F98}" type="presParOf" srcId="{163A6B35-C8E0-4530-878E-EC1C52DE4D3D}" destId="{D317B896-58C8-4CCF-B4AF-DBE92CB85A2A}" srcOrd="1" destOrd="0" presId="urn:microsoft.com/office/officeart/2008/layout/LinedList"/>
-    <dgm:cxn modelId="{D1888293-D442-4795-A8F8-4709E13E29E7}" type="presParOf" srcId="{163A6B35-C8E0-4530-878E-EC1C52DE4D3D}" destId="{EBF2EAB7-D4A9-4087-A732-E128E08F455A}" srcOrd="2" destOrd="0" presId="urn:microsoft.com/office/officeart/2008/layout/LinedList"/>
-    <dgm:cxn modelId="{209488BF-001D-4DF9-BB5E-8F79672227AE}" type="presParOf" srcId="{0BFD8E78-8D6A-F94C-8705-477DEF2BAA27}" destId="{5C1091DC-9A0C-46DB-91DE-B57503D65A21}" srcOrd="8" destOrd="0" presId="urn:microsoft.com/office/officeart/2008/layout/LinedList"/>
-    <dgm:cxn modelId="{F66725B8-563D-4910-A814-2E673176C41A}" type="presParOf" srcId="{0BFD8E78-8D6A-F94C-8705-477DEF2BAA27}" destId="{E87AD026-8628-4AA7-8E52-C18EA2890FEE}" srcOrd="9" destOrd="0" presId="urn:microsoft.com/office/officeart/2008/layout/LinedList"/>
-    <dgm:cxn modelId="{02A1AF5B-7D81-469E-8365-36B8551A7B9E}" type="presParOf" srcId="{0BFD8E78-8D6A-F94C-8705-477DEF2BAA27}" destId="{2E47EE0C-59DD-4B6E-AE31-E77569895618}" srcOrd="10" destOrd="0" presId="urn:microsoft.com/office/officeart/2008/layout/LinedList"/>
-    <dgm:cxn modelId="{D75112DD-6E04-4532-86E5-B1E68910DCA5}" type="presParOf" srcId="{2E47EE0C-59DD-4B6E-AE31-E77569895618}" destId="{F141B06A-8A01-4A29-8358-F2E090FF8644}" srcOrd="0" destOrd="0" presId="urn:microsoft.com/office/officeart/2008/layout/LinedList"/>
-    <dgm:cxn modelId="{CC298CE3-D79B-4586-A34C-F63E0911002F}" type="presParOf" srcId="{2E47EE0C-59DD-4B6E-AE31-E77569895618}" destId="{F8B2010D-41FE-4870-B40B-2B0140FA7580}" srcOrd="1" destOrd="0" presId="urn:microsoft.com/office/officeart/2008/layout/LinedList"/>
-    <dgm:cxn modelId="{85AE3A72-9BEF-4898-B9FC-37F9C8D8ED29}" type="presParOf" srcId="{2E47EE0C-59DD-4B6E-AE31-E77569895618}" destId="{A9CE470C-E105-40B5-8BEA-9E5A5E4965DF}" srcOrd="2" destOrd="0" presId="urn:microsoft.com/office/officeart/2008/layout/LinedList"/>
-    <dgm:cxn modelId="{D5A45D4B-5FDD-4674-A8A3-D365B4AF898C}" type="presParOf" srcId="{0BFD8E78-8D6A-F94C-8705-477DEF2BAA27}" destId="{883039BF-4FBC-408C-ACEB-D90FFFDE51D8}" srcOrd="11" destOrd="0" presId="urn:microsoft.com/office/officeart/2008/layout/LinedList"/>
-    <dgm:cxn modelId="{94DA94B5-BDC5-4CC2-BBC7-AA9D15BD450A}" type="presParOf" srcId="{0BFD8E78-8D6A-F94C-8705-477DEF2BAA27}" destId="{615D7A9D-CBF2-44B3-BA35-ED31006BAB05}" srcOrd="12" destOrd="0" presId="urn:microsoft.com/office/officeart/2008/layout/LinedList"/>
-    <dgm:cxn modelId="{485B3ED5-C10C-4B2A-9BE2-733D3B375384}" type="presParOf" srcId="{0BFD8E78-8D6A-F94C-8705-477DEF2BAA27}" destId="{63C0CEEF-31D1-4983-AA98-79B5581DA758}" srcOrd="13" destOrd="0" presId="urn:microsoft.com/office/officeart/2008/layout/LinedList"/>
-    <dgm:cxn modelId="{7ACF0515-67EC-4AA5-A57D-D80DB21B8872}" type="presParOf" srcId="{63C0CEEF-31D1-4983-AA98-79B5581DA758}" destId="{9C5AF313-FAB3-4A47-A8AE-7CD13BAEEC42}" srcOrd="0" destOrd="0" presId="urn:microsoft.com/office/officeart/2008/layout/LinedList"/>
-    <dgm:cxn modelId="{C0FAE9E0-E941-4E6B-B8BC-EDAF1DBF72F1}" type="presParOf" srcId="{63C0CEEF-31D1-4983-AA98-79B5581DA758}" destId="{EF7D5FC5-1104-46B9-B4B6-AB8738969E3C}" srcOrd="1" destOrd="0" presId="urn:microsoft.com/office/officeart/2008/layout/LinedList"/>
-    <dgm:cxn modelId="{CB72E605-A689-410D-921F-7D4353DC5616}" type="presParOf" srcId="{63C0CEEF-31D1-4983-AA98-79B5581DA758}" destId="{06C85EB1-463C-41D1-B009-B5C0BA71E4A9}" srcOrd="2" destOrd="0" presId="urn:microsoft.com/office/officeart/2008/layout/LinedList"/>
-    <dgm:cxn modelId="{863E9998-ABF6-4655-B78C-1B00928A3D37}" type="presParOf" srcId="{0BFD8E78-8D6A-F94C-8705-477DEF2BAA27}" destId="{DA491955-6F65-40DA-8344-2E2406BF3A1C}" srcOrd="14" destOrd="0" presId="urn:microsoft.com/office/officeart/2008/layout/LinedList"/>
-    <dgm:cxn modelId="{C091928E-C805-431E-9A07-5897EA006A22}" type="presParOf" srcId="{0BFD8E78-8D6A-F94C-8705-477DEF2BAA27}" destId="{B1CC7DD6-28DD-4318-AD76-5CF826D3969A}" srcOrd="15" destOrd="0" presId="urn:microsoft.com/office/officeart/2008/layout/LinedList"/>
-    <dgm:cxn modelId="{79BFA123-8052-4C8C-B923-85E6B4D189F1}" type="presParOf" srcId="{D624C1EA-D904-554E-A19D-C13D5AA3AFDC}" destId="{868BAF7D-DFE7-CF42-825C-A269AD4CDD91}" srcOrd="4" destOrd="0" presId="urn:microsoft.com/office/officeart/2008/layout/LinedList"/>
-    <dgm:cxn modelId="{FD2EFF47-0EE0-4110-83E7-9B85B1FDCF31}" type="presParOf" srcId="{D624C1EA-D904-554E-A19D-C13D5AA3AFDC}" destId="{52AA4F5C-6F79-4143-80E7-FFACA58DD5D7}" srcOrd="5" destOrd="0" presId="urn:microsoft.com/office/officeart/2008/layout/LinedList"/>
-    <dgm:cxn modelId="{4C25589C-AE37-4FBB-8190-7709AF6D1DD4}" type="presParOf" srcId="{52AA4F5C-6F79-4143-80E7-FFACA58DD5D7}" destId="{7017F8AD-5E46-5147-B9EB-4AB640A98F1C}" srcOrd="0" destOrd="0" presId="urn:microsoft.com/office/officeart/2008/layout/LinedList"/>
-    <dgm:cxn modelId="{ECE1481F-CE73-4A39-9674-79787FBB926B}" type="presParOf" srcId="{52AA4F5C-6F79-4143-80E7-FFACA58DD5D7}" destId="{5093289D-2301-5A4C-ACF2-151680E26151}" srcOrd="1" destOrd="0" presId="urn:microsoft.com/office/officeart/2008/layout/LinedList"/>
-    <dgm:cxn modelId="{08978B27-B99F-4A24-80F1-08B4D52AAFFE}" type="presParOf" srcId="{5093289D-2301-5A4C-ACF2-151680E26151}" destId="{C0352324-1E68-3A4B-889B-2B27B4270DB9}" srcOrd="0" destOrd="0" presId="urn:microsoft.com/office/officeart/2008/layout/LinedList"/>
-    <dgm:cxn modelId="{CE5EBB12-EFFE-49C9-B17A-D046EE84A213}" type="presParOf" srcId="{5093289D-2301-5A4C-ACF2-151680E26151}" destId="{633C5E65-370D-5044-8A70-5A37F24EAAE3}" srcOrd="1" destOrd="0" presId="urn:microsoft.com/office/officeart/2008/layout/LinedList"/>
-    <dgm:cxn modelId="{5B7E7387-6CBD-40C3-9378-92AD4D8AEC99}" type="presParOf" srcId="{633C5E65-370D-5044-8A70-5A37F24EAAE3}" destId="{BCEE5439-C435-6043-B203-E515F7146E18}" srcOrd="0" destOrd="0" presId="urn:microsoft.com/office/officeart/2008/layout/LinedList"/>
-    <dgm:cxn modelId="{36CF868E-E6D8-4791-9982-956C03A10E24}" type="presParOf" srcId="{633C5E65-370D-5044-8A70-5A37F24EAAE3}" destId="{3081C834-6E80-E94F-8CA1-BC3AD37CA532}" srcOrd="1" destOrd="0" presId="urn:microsoft.com/office/officeart/2008/layout/LinedList"/>
-    <dgm:cxn modelId="{A88F22D4-1796-440A-8E6C-CAA65DADAD5A}" type="presParOf" srcId="{633C5E65-370D-5044-8A70-5A37F24EAAE3}" destId="{AFAFCB09-FA90-4B47-BB1B-5E35AFC5A629}" srcOrd="2" destOrd="0" presId="urn:microsoft.com/office/officeart/2008/layout/LinedList"/>
-    <dgm:cxn modelId="{4D4A4F04-A04A-4827-BAB6-B04DEB225133}" type="presParOf" srcId="{5093289D-2301-5A4C-ACF2-151680E26151}" destId="{ACF61339-1B7C-644D-B422-D6F244CFD459}" srcOrd="2" destOrd="0" presId="urn:microsoft.com/office/officeart/2008/layout/LinedList"/>
-    <dgm:cxn modelId="{7DAE3DF0-6B9F-4F88-9AF4-72B255156468}" type="presParOf" srcId="{5093289D-2301-5A4C-ACF2-151680E26151}" destId="{E0AE3397-D2D0-FE4D-84E7-271EF3CD5970}" srcOrd="3" destOrd="0" presId="urn:microsoft.com/office/officeart/2008/layout/LinedList"/>
-    <dgm:cxn modelId="{72A396F9-29F1-C848-8638-EF1A0576B623}" type="presParOf" srcId="{5093289D-2301-5A4C-ACF2-151680E26151}" destId="{DE24D28E-5C46-EF4E-9B02-3BE99DC4FCC8}" srcOrd="4" destOrd="0" presId="urn:microsoft.com/office/officeart/2008/layout/LinedList"/>
-    <dgm:cxn modelId="{8D3102D5-38A7-C84A-AEA8-6D0F0C0A1899}" type="presParOf" srcId="{DE24D28E-5C46-EF4E-9B02-3BE99DC4FCC8}" destId="{EAE254CB-F466-0A48-8C79-0D18EED04643}" srcOrd="0" destOrd="0" presId="urn:microsoft.com/office/officeart/2008/layout/LinedList"/>
-    <dgm:cxn modelId="{CCC0C692-1127-AB45-88F5-5C13ED4787A8}" type="presParOf" srcId="{DE24D28E-5C46-EF4E-9B02-3BE99DC4FCC8}" destId="{8E1389DE-657A-864A-8014-B131474D1760}" srcOrd="1" destOrd="0" presId="urn:microsoft.com/office/officeart/2008/layout/LinedList"/>
-    <dgm:cxn modelId="{428D3316-9DE4-CD4B-8CC0-AC9F365836A4}" type="presParOf" srcId="{DE24D28E-5C46-EF4E-9B02-3BE99DC4FCC8}" destId="{63F8E43B-6A0C-9146-86FF-7B868A195A77}" srcOrd="2" destOrd="0" presId="urn:microsoft.com/office/officeart/2008/layout/LinedList"/>
-    <dgm:cxn modelId="{4DE1375C-727E-454D-ACE0-76F3D4FB8564}" type="presParOf" srcId="{5093289D-2301-5A4C-ACF2-151680E26151}" destId="{C54A5649-F051-2049-9B2F-97CAE569CEC8}" srcOrd="5" destOrd="0" presId="urn:microsoft.com/office/officeart/2008/layout/LinedList"/>
-    <dgm:cxn modelId="{1EB9860D-A775-DF47-969E-37783D567C01}" type="presParOf" srcId="{5093289D-2301-5A4C-ACF2-151680E26151}" destId="{15E9FD3E-1A3D-B344-A6B3-0981DBDD8D25}" srcOrd="6" destOrd="0" presId="urn:microsoft.com/office/officeart/2008/layout/LinedList"/>
-    <dgm:cxn modelId="{18CBBD75-CC5C-CA4E-BF5B-CB46315CE8E5}" type="presParOf" srcId="{5093289D-2301-5A4C-ACF2-151680E26151}" destId="{7FB979EE-A4DC-7E42-B377-5D7439A09EA2}" srcOrd="7" destOrd="0" presId="urn:microsoft.com/office/officeart/2008/layout/LinedList"/>
-    <dgm:cxn modelId="{DB34605C-F110-4443-A75D-FE1EF31EEA67}" type="presParOf" srcId="{7FB979EE-A4DC-7E42-B377-5D7439A09EA2}" destId="{0D75226C-399B-BE44-BFE6-5B59FC9323CE}" srcOrd="0" destOrd="0" presId="urn:microsoft.com/office/officeart/2008/layout/LinedList"/>
-    <dgm:cxn modelId="{F485680A-3C72-6041-BB93-E05940D79E6D}" type="presParOf" srcId="{7FB979EE-A4DC-7E42-B377-5D7439A09EA2}" destId="{423FE91E-EB39-5D4B-ADA3-BAE234857F22}" srcOrd="1" destOrd="0" presId="urn:microsoft.com/office/officeart/2008/layout/LinedList"/>
-    <dgm:cxn modelId="{BBF7E7E8-ED30-8E4F-9666-5403B451A2ED}" type="presParOf" srcId="{7FB979EE-A4DC-7E42-B377-5D7439A09EA2}" destId="{0F1F1FB4-70AD-4644-89A2-540C82EF214A}" srcOrd="2" destOrd="0" presId="urn:microsoft.com/office/officeart/2008/layout/LinedList"/>
-    <dgm:cxn modelId="{963401BA-57D5-5548-9307-ADBD34A86D4C}" type="presParOf" srcId="{5093289D-2301-5A4C-ACF2-151680E26151}" destId="{609B18A5-B49A-0442-88A5-EE5F99F1C007}" srcOrd="8" destOrd="0" presId="urn:microsoft.com/office/officeart/2008/layout/LinedList"/>
-    <dgm:cxn modelId="{0D0491ED-D372-AD4E-9B5F-A1C89417251A}" type="presParOf" srcId="{5093289D-2301-5A4C-ACF2-151680E26151}" destId="{9CD43EC0-7AEE-4E46-A802-C3122BCA5204}" srcOrd="9" destOrd="0" presId="urn:microsoft.com/office/officeart/2008/layout/LinedList"/>
-    <dgm:cxn modelId="{025CCD4F-911C-344D-8C69-5C1503A3EA8C}" type="presParOf" srcId="{5093289D-2301-5A4C-ACF2-151680E26151}" destId="{F63E151C-33D3-E54D-B781-0077565C464E}" srcOrd="10" destOrd="0" presId="urn:microsoft.com/office/officeart/2008/layout/LinedList"/>
-    <dgm:cxn modelId="{BBD4F6A6-6728-0046-A410-8EAD9AEE5F00}" type="presParOf" srcId="{F63E151C-33D3-E54D-B781-0077565C464E}" destId="{E23EABB5-C837-D840-9AF2-571BA52D28A0}" srcOrd="0" destOrd="0" presId="urn:microsoft.com/office/officeart/2008/layout/LinedList"/>
-    <dgm:cxn modelId="{9ADAA1FF-8790-E743-9E9D-AF5DCF1AC620}" type="presParOf" srcId="{F63E151C-33D3-E54D-B781-0077565C464E}" destId="{79932D6A-E6F5-984E-93F9-DF0F9EE2A91A}" srcOrd="1" destOrd="0" presId="urn:microsoft.com/office/officeart/2008/layout/LinedList"/>
-    <dgm:cxn modelId="{FC062C32-4200-4745-A0BC-56FBC84ED6BA}" type="presParOf" srcId="{F63E151C-33D3-E54D-B781-0077565C464E}" destId="{8B47C5ED-16C2-5C4F-AA49-192C6D6F1C6F}" srcOrd="2" destOrd="0" presId="urn:microsoft.com/office/officeart/2008/layout/LinedList"/>
-    <dgm:cxn modelId="{B793B40F-E6A7-234B-A13C-F3340CE06EC2}" type="presParOf" srcId="{5093289D-2301-5A4C-ACF2-151680E26151}" destId="{1CCD5B01-B570-464A-8563-DA983BBD38D7}" srcOrd="11" destOrd="0" presId="urn:microsoft.com/office/officeart/2008/layout/LinedList"/>
-    <dgm:cxn modelId="{31564711-EB46-294B-8DA6-F3780F0424C4}" type="presParOf" srcId="{5093289D-2301-5A4C-ACF2-151680E26151}" destId="{E9AEA56D-B089-7D4E-B28A-2F90A7691F9D}" srcOrd="12" destOrd="0" presId="urn:microsoft.com/office/officeart/2008/layout/LinedList"/>
-    <dgm:cxn modelId="{29A86023-CA12-2040-9C43-628350A23629}" type="presParOf" srcId="{5093289D-2301-5A4C-ACF2-151680E26151}" destId="{2AFD10B8-529D-BC41-B6DA-2C0CE74F5E2F}" srcOrd="13" destOrd="0" presId="urn:microsoft.com/office/officeart/2008/layout/LinedList"/>
-    <dgm:cxn modelId="{0D69195B-E99C-CD41-848D-5896D3CFA7D0}" type="presParOf" srcId="{2AFD10B8-529D-BC41-B6DA-2C0CE74F5E2F}" destId="{69D37746-B687-7049-84E3-B7250E903EDD}" srcOrd="0" destOrd="0" presId="urn:microsoft.com/office/officeart/2008/layout/LinedList"/>
-    <dgm:cxn modelId="{DBEDAA95-AC1C-9D46-B326-EAA629EB0628}" type="presParOf" srcId="{2AFD10B8-529D-BC41-B6DA-2C0CE74F5E2F}" destId="{9E7B31F5-D290-C84C-956D-C9B024BEA030}" srcOrd="1" destOrd="0" presId="urn:microsoft.com/office/officeart/2008/layout/LinedList"/>
-    <dgm:cxn modelId="{8B1EF8E1-6753-8644-873C-F980F0B144DD}" type="presParOf" srcId="{2AFD10B8-529D-BC41-B6DA-2C0CE74F5E2F}" destId="{F5E7FBF9-C8A4-7E49-876E-8721E9112536}" srcOrd="2" destOrd="0" presId="urn:microsoft.com/office/officeart/2008/layout/LinedList"/>
-    <dgm:cxn modelId="{886EF09C-87E8-A24F-A63B-E567C9D2A46E}" type="presParOf" srcId="{5093289D-2301-5A4C-ACF2-151680E26151}" destId="{840C08EE-EB32-7C46-A35E-C3D9BEF2755D}" srcOrd="14" destOrd="0" presId="urn:microsoft.com/office/officeart/2008/layout/LinedList"/>
-    <dgm:cxn modelId="{D6AC619B-DC10-AC46-8E19-25A0AB1C1487}" type="presParOf" srcId="{5093289D-2301-5A4C-ACF2-151680E26151}" destId="{8101DA7C-6B7C-694D-B218-AECF059DC5C2}" srcOrd="15" destOrd="0" presId="urn:microsoft.com/office/officeart/2008/layout/LinedList"/>
-    <dgm:cxn modelId="{9328758E-2485-E841-BFE2-8D137FFDCCC9}" type="presParOf" srcId="{5093289D-2301-5A4C-ACF2-151680E26151}" destId="{629211DD-97DD-534E-82C8-1187EBBEC1CD}" srcOrd="16" destOrd="0" presId="urn:microsoft.com/office/officeart/2008/layout/LinedList"/>
-    <dgm:cxn modelId="{213EA48F-1486-0B4D-8742-4D991AFC9C60}" type="presParOf" srcId="{629211DD-97DD-534E-82C8-1187EBBEC1CD}" destId="{5EE26B84-32B2-1645-86BA-3BC3F74CCF41}" srcOrd="0" destOrd="0" presId="urn:microsoft.com/office/officeart/2008/layout/LinedList"/>
-    <dgm:cxn modelId="{93759B12-6E4E-0D46-A181-188E6C605394}" type="presParOf" srcId="{629211DD-97DD-534E-82C8-1187EBBEC1CD}" destId="{1B28DA93-A85A-D849-8904-7D5D127536C3}" srcOrd="1" destOrd="0" presId="urn:microsoft.com/office/officeart/2008/layout/LinedList"/>
-    <dgm:cxn modelId="{8770A9BF-0DD4-4F48-9E24-8CD07AD31FF5}" type="presParOf" srcId="{629211DD-97DD-534E-82C8-1187EBBEC1CD}" destId="{C88F1A02-078D-6345-965A-879427F23E84}" srcOrd="2" destOrd="0" presId="urn:microsoft.com/office/officeart/2008/layout/LinedList"/>
-    <dgm:cxn modelId="{777E596D-8EBA-4A4A-A7B4-943AFFC81546}" type="presParOf" srcId="{5093289D-2301-5A4C-ACF2-151680E26151}" destId="{C4C5626B-E9D1-9B43-8230-BCD68E01DF35}" srcOrd="17" destOrd="0" presId="urn:microsoft.com/office/officeart/2008/layout/LinedList"/>
-    <dgm:cxn modelId="{E6FA7CB3-3212-7448-BBAD-E2FCD1469B86}" type="presParOf" srcId="{5093289D-2301-5A4C-ACF2-151680E26151}" destId="{E6C8045B-ECB0-784B-91CB-C6374A15D98D}" srcOrd="18" destOrd="0" presId="urn:microsoft.com/office/officeart/2008/layout/LinedList"/>
+    <dgm:cxn modelId="{8BFBC8E8-125B-4B6A-BF1F-5E4ADF800280}" type="presParOf" srcId="{D624C1EA-D904-554E-A19D-C13D5AA3AFDC}" destId="{19DD9D5B-45B2-2045-9751-EC6B8BC15CB4}" srcOrd="0" destOrd="0" presId="urn:microsoft.com/office/officeart/2008/layout/LinedList"/>
+    <dgm:cxn modelId="{0A5F2138-EA79-40ED-8B17-93E2AFE181A6}" type="presParOf" srcId="{D624C1EA-D904-554E-A19D-C13D5AA3AFDC}" destId="{F2E787C2-2739-A64B-BFEC-BF6A8F20FAFF}" srcOrd="1" destOrd="0" presId="urn:microsoft.com/office/officeart/2008/layout/LinedList"/>
+    <dgm:cxn modelId="{96537285-18B4-4889-8D31-A70F4A698FD0}" type="presParOf" srcId="{F2E787C2-2739-A64B-BFEC-BF6A8F20FAFF}" destId="{E04BA191-39E9-714F-BB4C-E893D371EA49}" srcOrd="0" destOrd="0" presId="urn:microsoft.com/office/officeart/2008/layout/LinedList"/>
+    <dgm:cxn modelId="{79D5592C-5CFE-4A8B-8EEE-86C2739C93C6}" type="presParOf" srcId="{F2E787C2-2739-A64B-BFEC-BF6A8F20FAFF}" destId="{C7D464B2-F466-4F4F-8A0B-F1307651E9CB}" srcOrd="1" destOrd="0" presId="urn:microsoft.com/office/officeart/2008/layout/LinedList"/>
+    <dgm:cxn modelId="{ECD26A9C-52C3-4EF0-9124-059F0D6A805D}" type="presParOf" srcId="{C7D464B2-F466-4F4F-8A0B-F1307651E9CB}" destId="{86F7F803-7ECF-244D-B62C-C02B2E779931}" srcOrd="0" destOrd="0" presId="urn:microsoft.com/office/officeart/2008/layout/LinedList"/>
+    <dgm:cxn modelId="{741C79D5-9184-40F1-98D0-9A20358F114B}" type="presParOf" srcId="{C7D464B2-F466-4F4F-8A0B-F1307651E9CB}" destId="{9AD6A5C6-B8B8-3249-AC78-6018A29A305E}" srcOrd="1" destOrd="0" presId="urn:microsoft.com/office/officeart/2008/layout/LinedList"/>
+    <dgm:cxn modelId="{AA2DB68C-9FE5-4719-82D9-A33843AC33AB}" type="presParOf" srcId="{9AD6A5C6-B8B8-3249-AC78-6018A29A305E}" destId="{DB5CA783-97CD-214A-AE16-E6B7C9B2B0B9}" srcOrd="0" destOrd="0" presId="urn:microsoft.com/office/officeart/2008/layout/LinedList"/>
+    <dgm:cxn modelId="{92B709CA-0173-47DF-A53A-98D0EC738378}" type="presParOf" srcId="{9AD6A5C6-B8B8-3249-AC78-6018A29A305E}" destId="{7CAD0DA1-1487-BE4D-B6E1-EFCA4E4ECF5A}" srcOrd="1" destOrd="0" presId="urn:microsoft.com/office/officeart/2008/layout/LinedList"/>
+    <dgm:cxn modelId="{364157F8-B17D-4E4C-95BB-B2C8F02160D7}" type="presParOf" srcId="{9AD6A5C6-B8B8-3249-AC78-6018A29A305E}" destId="{14785EA5-7B80-D14A-A6C8-879C0282CBDA}" srcOrd="2" destOrd="0" presId="urn:microsoft.com/office/officeart/2008/layout/LinedList"/>
+    <dgm:cxn modelId="{49C90B1B-CC17-4684-BFC9-9F8FE02568E2}" type="presParOf" srcId="{C7D464B2-F466-4F4F-8A0B-F1307651E9CB}" destId="{21316D82-8904-ED48-B791-3A54C8E2DB77}" srcOrd="2" destOrd="0" presId="urn:microsoft.com/office/officeart/2008/layout/LinedList"/>
+    <dgm:cxn modelId="{4449A779-A46B-4BEC-ACF3-6C37E226DFA6}" type="presParOf" srcId="{C7D464B2-F466-4F4F-8A0B-F1307651E9CB}" destId="{9C2F841D-C3F5-6A4C-9C90-361AFFB3B06D}" srcOrd="3" destOrd="0" presId="urn:microsoft.com/office/officeart/2008/layout/LinedList"/>
+    <dgm:cxn modelId="{521D55A7-A744-489B-A06D-D28061D82B71}" type="presParOf" srcId="{C7D464B2-F466-4F4F-8A0B-F1307651E9CB}" destId="{CB35F7B5-3522-4D3B-817B-7A60D8BF3C16}" srcOrd="4" destOrd="0" presId="urn:microsoft.com/office/officeart/2008/layout/LinedList"/>
+    <dgm:cxn modelId="{A3B34942-921D-4CC8-A453-ECD457BC34EF}" type="presParOf" srcId="{CB35F7B5-3522-4D3B-817B-7A60D8BF3C16}" destId="{258226E1-0C46-4AC2-8511-E50409B7426B}" srcOrd="0" destOrd="0" presId="urn:microsoft.com/office/officeart/2008/layout/LinedList"/>
+    <dgm:cxn modelId="{1A09BC78-19CA-4BB8-BAA0-898B287758D8}" type="presParOf" srcId="{CB35F7B5-3522-4D3B-817B-7A60D8BF3C16}" destId="{AD6AD1B4-B71A-46C7-95B2-BF802FF58D45}" srcOrd="1" destOrd="0" presId="urn:microsoft.com/office/officeart/2008/layout/LinedList"/>
+    <dgm:cxn modelId="{82B74E44-36D5-4D0B-9E4A-1AF812BDEF70}" type="presParOf" srcId="{CB35F7B5-3522-4D3B-817B-7A60D8BF3C16}" destId="{E7AC2DCF-4B67-4215-AC5D-0FBB19594CC5}" srcOrd="2" destOrd="0" presId="urn:microsoft.com/office/officeart/2008/layout/LinedList"/>
+    <dgm:cxn modelId="{77F3E01E-9551-425F-8F69-9CD04622A61A}" type="presParOf" srcId="{C7D464B2-F466-4F4F-8A0B-F1307651E9CB}" destId="{BA7D9CE0-26AF-4767-A558-786F054ECF4B}" srcOrd="5" destOrd="0" presId="urn:microsoft.com/office/officeart/2008/layout/LinedList"/>
+    <dgm:cxn modelId="{A5AA8064-7DAB-4A45-99C3-DF374D8A9661}" type="presParOf" srcId="{C7D464B2-F466-4F4F-8A0B-F1307651E9CB}" destId="{8E54CAA8-280D-432A-9D58-9DA479F68D5C}" srcOrd="6" destOrd="0" presId="urn:microsoft.com/office/officeart/2008/layout/LinedList"/>
+    <dgm:cxn modelId="{8042FD66-930F-45A4-ACCE-113D8E12B750}" type="presParOf" srcId="{C7D464B2-F466-4F4F-8A0B-F1307651E9CB}" destId="{9FE737D7-67A4-44DC-807B-DF106100CEC7}" srcOrd="7" destOrd="0" presId="urn:microsoft.com/office/officeart/2008/layout/LinedList"/>
+    <dgm:cxn modelId="{A4D7AAD4-DB70-4DF5-A284-49F51D87750C}" type="presParOf" srcId="{9FE737D7-67A4-44DC-807B-DF106100CEC7}" destId="{CBF2571A-FC69-419D-8127-4EFC09B0B08B}" srcOrd="0" destOrd="0" presId="urn:microsoft.com/office/officeart/2008/layout/LinedList"/>
+    <dgm:cxn modelId="{B841498F-58FD-45D6-A32B-F533AE40BA07}" type="presParOf" srcId="{9FE737D7-67A4-44DC-807B-DF106100CEC7}" destId="{862C5DF4-EC66-4EB2-ACAC-06E9A6108C28}" srcOrd="1" destOrd="0" presId="urn:microsoft.com/office/officeart/2008/layout/LinedList"/>
+    <dgm:cxn modelId="{7AC98656-32E4-4E00-AF1E-919F729CC274}" type="presParOf" srcId="{9FE737D7-67A4-44DC-807B-DF106100CEC7}" destId="{395CB714-507C-44DC-8805-D04D125D746B}" srcOrd="2" destOrd="0" presId="urn:microsoft.com/office/officeart/2008/layout/LinedList"/>
+    <dgm:cxn modelId="{49FA2C55-8C12-4633-B7A5-DFB0868ACEA7}" type="presParOf" srcId="{C7D464B2-F466-4F4F-8A0B-F1307651E9CB}" destId="{E3680A21-0F6F-48CB-853F-CC8689151C4A}" srcOrd="8" destOrd="0" presId="urn:microsoft.com/office/officeart/2008/layout/LinedList"/>
+    <dgm:cxn modelId="{A4E4C6AC-7791-425D-81DD-F0CF86D68FF0}" type="presParOf" srcId="{C7D464B2-F466-4F4F-8A0B-F1307651E9CB}" destId="{2D5B5248-E5A1-46F8-B06B-C8D440317F1C}" srcOrd="9" destOrd="0" presId="urn:microsoft.com/office/officeart/2008/layout/LinedList"/>
+    <dgm:cxn modelId="{A1772AB4-478D-47F0-ADD8-2DB8A19CA1BD}" type="presParOf" srcId="{C7D464B2-F466-4F4F-8A0B-F1307651E9CB}" destId="{1FAC3D76-A1A0-4A21-B4CE-DFF284CFAB47}" srcOrd="10" destOrd="0" presId="urn:microsoft.com/office/officeart/2008/layout/LinedList"/>
+    <dgm:cxn modelId="{67E37EAA-E45E-4332-B74B-72EF3A107806}" type="presParOf" srcId="{1FAC3D76-A1A0-4A21-B4CE-DFF284CFAB47}" destId="{8ACEB47F-3016-46DF-A003-C75724AA91A3}" srcOrd="0" destOrd="0" presId="urn:microsoft.com/office/officeart/2008/layout/LinedList"/>
+    <dgm:cxn modelId="{3B1E2C12-F8E5-4EDE-A8E7-C0742545B1E3}" type="presParOf" srcId="{1FAC3D76-A1A0-4A21-B4CE-DFF284CFAB47}" destId="{E9C0C166-9C78-4CD9-81E6-806750BBE8F9}" srcOrd="1" destOrd="0" presId="urn:microsoft.com/office/officeart/2008/layout/LinedList"/>
+    <dgm:cxn modelId="{BB641B13-00EA-41A7-A567-BA6E23A2A253}" type="presParOf" srcId="{1FAC3D76-A1A0-4A21-B4CE-DFF284CFAB47}" destId="{AE009CD7-D3AE-4062-91F3-09DDE0DB0F47}" srcOrd="2" destOrd="0" presId="urn:microsoft.com/office/officeart/2008/layout/LinedList"/>
+    <dgm:cxn modelId="{AD9B464E-C687-445D-B52B-3251CF548C2A}" type="presParOf" srcId="{C7D464B2-F466-4F4F-8A0B-F1307651E9CB}" destId="{2545B7F2-D9D7-4343-A66E-6EBEBB43AFC4}" srcOrd="11" destOrd="0" presId="urn:microsoft.com/office/officeart/2008/layout/LinedList"/>
+    <dgm:cxn modelId="{7D77CE97-9787-44DE-BF08-62DE6E4296E7}" type="presParOf" srcId="{C7D464B2-F466-4F4F-8A0B-F1307651E9CB}" destId="{B55A82A0-2858-43CD-BE0E-5959BAF6750E}" srcOrd="12" destOrd="0" presId="urn:microsoft.com/office/officeart/2008/layout/LinedList"/>
+    <dgm:cxn modelId="{ED0D57C9-DE20-473F-B9CC-60E84B0626E4}" type="presParOf" srcId="{C7D464B2-F466-4F4F-8A0B-F1307651E9CB}" destId="{2B198BC2-0B29-410E-BC41-5F5540840AD2}" srcOrd="13" destOrd="0" presId="urn:microsoft.com/office/officeart/2008/layout/LinedList"/>
+    <dgm:cxn modelId="{AC4B6FA9-8F9B-4534-88FB-8B007F1F84A1}" type="presParOf" srcId="{2B198BC2-0B29-410E-BC41-5F5540840AD2}" destId="{F9246E08-4DC4-4885-B23B-7758DB4061A9}" srcOrd="0" destOrd="0" presId="urn:microsoft.com/office/officeart/2008/layout/LinedList"/>
+    <dgm:cxn modelId="{D8D337FF-B518-4E9C-9A71-3BC2EB9AD494}" type="presParOf" srcId="{2B198BC2-0B29-410E-BC41-5F5540840AD2}" destId="{64E21F7F-121A-45EB-B06C-469A9916226D}" srcOrd="1" destOrd="0" presId="urn:microsoft.com/office/officeart/2008/layout/LinedList"/>
+    <dgm:cxn modelId="{B31AD296-19C8-4871-96AC-CC744E9B4521}" type="presParOf" srcId="{2B198BC2-0B29-410E-BC41-5F5540840AD2}" destId="{FD0F0DE8-C0EC-4D91-B7B7-9471DCAA9AFE}" srcOrd="2" destOrd="0" presId="urn:microsoft.com/office/officeart/2008/layout/LinedList"/>
+    <dgm:cxn modelId="{4274F509-EE71-4AC2-B925-805A888F2BE0}" type="presParOf" srcId="{C7D464B2-F466-4F4F-8A0B-F1307651E9CB}" destId="{0EAE8D8D-75C8-4C0B-9855-53619CDF7A29}" srcOrd="14" destOrd="0" presId="urn:microsoft.com/office/officeart/2008/layout/LinedList"/>
+    <dgm:cxn modelId="{FC95FA38-47C0-4032-817E-EB4CA57B68F7}" type="presParOf" srcId="{C7D464B2-F466-4F4F-8A0B-F1307651E9CB}" destId="{DDD1FBF5-75BF-469F-9F43-2A25DAC7F371}" srcOrd="15" destOrd="0" presId="urn:microsoft.com/office/officeart/2008/layout/LinedList"/>
+    <dgm:cxn modelId="{A27B1B9A-61B8-4FC2-9D17-F3CD8E1D3461}" type="presParOf" srcId="{D624C1EA-D904-554E-A19D-C13D5AA3AFDC}" destId="{CFEA396D-0B4B-A046-B362-9BE035CC9863}" srcOrd="2" destOrd="0" presId="urn:microsoft.com/office/officeart/2008/layout/LinedList"/>
+    <dgm:cxn modelId="{870174EC-CFA7-4088-B6A1-A621A17A60C1}" type="presParOf" srcId="{D624C1EA-D904-554E-A19D-C13D5AA3AFDC}" destId="{9AFDAB6F-D75B-5A42-AF74-BDB6D7F867B5}" srcOrd="3" destOrd="0" presId="urn:microsoft.com/office/officeart/2008/layout/LinedList"/>
+    <dgm:cxn modelId="{3BFE54D3-2FA5-4E98-8C56-3606113FD510}" type="presParOf" srcId="{9AFDAB6F-D75B-5A42-AF74-BDB6D7F867B5}" destId="{B4657329-54E1-464C-A722-865A7191D070}" srcOrd="0" destOrd="0" presId="urn:microsoft.com/office/officeart/2008/layout/LinedList"/>
+    <dgm:cxn modelId="{DFEDB507-5838-4850-9628-800688078022}" type="presParOf" srcId="{9AFDAB6F-D75B-5A42-AF74-BDB6D7F867B5}" destId="{0BFD8E78-8D6A-F94C-8705-477DEF2BAA27}" srcOrd="1" destOrd="0" presId="urn:microsoft.com/office/officeart/2008/layout/LinedList"/>
+    <dgm:cxn modelId="{9CFED4E5-A13E-484F-AE5B-45A0C9129F97}" type="presParOf" srcId="{0BFD8E78-8D6A-F94C-8705-477DEF2BAA27}" destId="{7249D875-04D8-EA46-8927-598F0D33F8B6}" srcOrd="0" destOrd="0" presId="urn:microsoft.com/office/officeart/2008/layout/LinedList"/>
+    <dgm:cxn modelId="{88E95C2B-2484-4F2E-BBF9-43E8DF473EA2}" type="presParOf" srcId="{0BFD8E78-8D6A-F94C-8705-477DEF2BAA27}" destId="{D9898889-B876-1B43-8E4D-B096F3E3E8F8}" srcOrd="1" destOrd="0" presId="urn:microsoft.com/office/officeart/2008/layout/LinedList"/>
+    <dgm:cxn modelId="{AD07B76A-0E4D-4A65-8860-13354FA08A8B}" type="presParOf" srcId="{D9898889-B876-1B43-8E4D-B096F3E3E8F8}" destId="{7A5AC1C1-DEFD-6344-9626-A1DFAC2204E7}" srcOrd="0" destOrd="0" presId="urn:microsoft.com/office/officeart/2008/layout/LinedList"/>
+    <dgm:cxn modelId="{DF667AE1-24EF-45D2-A625-1C71BCF87B95}" type="presParOf" srcId="{D9898889-B876-1B43-8E4D-B096F3E3E8F8}" destId="{572BB08B-5099-584D-AF82-69AA6FE3BC96}" srcOrd="1" destOrd="0" presId="urn:microsoft.com/office/officeart/2008/layout/LinedList"/>
+    <dgm:cxn modelId="{31F23C8A-C3EC-4EE8-8F9B-7FDD259C0DDD}" type="presParOf" srcId="{D9898889-B876-1B43-8E4D-B096F3E3E8F8}" destId="{B3F165A0-9B9E-D942-8608-592F6F16A9CE}" srcOrd="2" destOrd="0" presId="urn:microsoft.com/office/officeart/2008/layout/LinedList"/>
+    <dgm:cxn modelId="{5E060276-C7C5-4EFB-AE80-53625C1F5C01}" type="presParOf" srcId="{0BFD8E78-8D6A-F94C-8705-477DEF2BAA27}" destId="{F186FA02-E8A1-2D47-A4E7-03AE42FBCE00}" srcOrd="2" destOrd="0" presId="urn:microsoft.com/office/officeart/2008/layout/LinedList"/>
+    <dgm:cxn modelId="{5F6F85C3-D78C-45C6-B42D-D4F0A25029E3}" type="presParOf" srcId="{0BFD8E78-8D6A-F94C-8705-477DEF2BAA27}" destId="{590A60D1-3F4E-BE40-A1C0-06CE85DA206B}" srcOrd="3" destOrd="0" presId="urn:microsoft.com/office/officeart/2008/layout/LinedList"/>
+    <dgm:cxn modelId="{AB60FB42-214C-4420-921D-67CAA18798CE}" type="presParOf" srcId="{0BFD8E78-8D6A-F94C-8705-477DEF2BAA27}" destId="{4732F311-E4DF-744B-B293-58006C9A6377}" srcOrd="4" destOrd="0" presId="urn:microsoft.com/office/officeart/2008/layout/LinedList"/>
+    <dgm:cxn modelId="{F8C58771-50E5-4BB4-9F30-B770D18D1B07}" type="presParOf" srcId="{4732F311-E4DF-744B-B293-58006C9A6377}" destId="{CD05C022-0D39-664A-89FF-DFF376215A2D}" srcOrd="0" destOrd="0" presId="urn:microsoft.com/office/officeart/2008/layout/LinedList"/>
+    <dgm:cxn modelId="{2AF6F562-5D66-4112-89E1-D5F1A8FEC7C5}" type="presParOf" srcId="{4732F311-E4DF-744B-B293-58006C9A6377}" destId="{98032041-6801-2743-8480-D773B9B31C62}" srcOrd="1" destOrd="0" presId="urn:microsoft.com/office/officeart/2008/layout/LinedList"/>
+    <dgm:cxn modelId="{CE46B80A-5059-4F7B-98B8-B1B4A1922F93}" type="presParOf" srcId="{4732F311-E4DF-744B-B293-58006C9A6377}" destId="{C3BB983D-D311-BD40-ACF3-217A5996AE91}" srcOrd="2" destOrd="0" presId="urn:microsoft.com/office/officeart/2008/layout/LinedList"/>
+    <dgm:cxn modelId="{EB050A08-B056-4072-8634-089FF77CCED5}" type="presParOf" srcId="{0BFD8E78-8D6A-F94C-8705-477DEF2BAA27}" destId="{E2B9AA29-9AC9-B642-918F-DEEB058CCD74}" srcOrd="5" destOrd="0" presId="urn:microsoft.com/office/officeart/2008/layout/LinedList"/>
+    <dgm:cxn modelId="{74212DD7-9316-461C-8F91-E2CA207890DC}" type="presParOf" srcId="{0BFD8E78-8D6A-F94C-8705-477DEF2BAA27}" destId="{9CC8BB32-B27D-F34D-95E7-827255C0B07E}" srcOrd="6" destOrd="0" presId="urn:microsoft.com/office/officeart/2008/layout/LinedList"/>
+    <dgm:cxn modelId="{F0380A5D-12CC-44CB-99F2-A0D94979A7B5}" type="presParOf" srcId="{0BFD8E78-8D6A-F94C-8705-477DEF2BAA27}" destId="{163A6B35-C8E0-4530-878E-EC1C52DE4D3D}" srcOrd="7" destOrd="0" presId="urn:microsoft.com/office/officeart/2008/layout/LinedList"/>
+    <dgm:cxn modelId="{0D28A5FD-CD5C-42CA-A05C-CC418076EC60}" type="presParOf" srcId="{163A6B35-C8E0-4530-878E-EC1C52DE4D3D}" destId="{34887E2B-BEAF-496C-922C-1C8EAB60E204}" srcOrd="0" destOrd="0" presId="urn:microsoft.com/office/officeart/2008/layout/LinedList"/>
+    <dgm:cxn modelId="{CC1E0853-415A-45AE-88F6-7FD7D90D0402}" type="presParOf" srcId="{163A6B35-C8E0-4530-878E-EC1C52DE4D3D}" destId="{D317B896-58C8-4CCF-B4AF-DBE92CB85A2A}" srcOrd="1" destOrd="0" presId="urn:microsoft.com/office/officeart/2008/layout/LinedList"/>
+    <dgm:cxn modelId="{87E82A35-9766-4963-BFCA-56FF0D829819}" type="presParOf" srcId="{163A6B35-C8E0-4530-878E-EC1C52DE4D3D}" destId="{EBF2EAB7-D4A9-4087-A732-E128E08F455A}" srcOrd="2" destOrd="0" presId="urn:microsoft.com/office/officeart/2008/layout/LinedList"/>
+    <dgm:cxn modelId="{6D5D5FE9-5533-411A-B36F-6654C892C186}" type="presParOf" srcId="{0BFD8E78-8D6A-F94C-8705-477DEF2BAA27}" destId="{5C1091DC-9A0C-46DB-91DE-B57503D65A21}" srcOrd="8" destOrd="0" presId="urn:microsoft.com/office/officeart/2008/layout/LinedList"/>
+    <dgm:cxn modelId="{B303DA05-6C4B-4806-A6DC-5EF76859E0FA}" type="presParOf" srcId="{0BFD8E78-8D6A-F94C-8705-477DEF2BAA27}" destId="{E87AD026-8628-4AA7-8E52-C18EA2890FEE}" srcOrd="9" destOrd="0" presId="urn:microsoft.com/office/officeart/2008/layout/LinedList"/>
+    <dgm:cxn modelId="{A55DFB22-FC4C-420F-AF58-051F75AA19C8}" type="presParOf" srcId="{0BFD8E78-8D6A-F94C-8705-477DEF2BAA27}" destId="{2E47EE0C-59DD-4B6E-AE31-E77569895618}" srcOrd="10" destOrd="0" presId="urn:microsoft.com/office/officeart/2008/layout/LinedList"/>
+    <dgm:cxn modelId="{A2E54274-B1FA-4DB2-B88A-90A4FEC3F76E}" type="presParOf" srcId="{2E47EE0C-59DD-4B6E-AE31-E77569895618}" destId="{F141B06A-8A01-4A29-8358-F2E090FF8644}" srcOrd="0" destOrd="0" presId="urn:microsoft.com/office/officeart/2008/layout/LinedList"/>
+    <dgm:cxn modelId="{EA837355-D4FE-467D-98AF-93C6E18F0CD0}" type="presParOf" srcId="{2E47EE0C-59DD-4B6E-AE31-E77569895618}" destId="{F8B2010D-41FE-4870-B40B-2B0140FA7580}" srcOrd="1" destOrd="0" presId="urn:microsoft.com/office/officeart/2008/layout/LinedList"/>
+    <dgm:cxn modelId="{1FB05569-79CD-4436-A23B-E86D08F74162}" type="presParOf" srcId="{2E47EE0C-59DD-4B6E-AE31-E77569895618}" destId="{A9CE470C-E105-40B5-8BEA-9E5A5E4965DF}" srcOrd="2" destOrd="0" presId="urn:microsoft.com/office/officeart/2008/layout/LinedList"/>
+    <dgm:cxn modelId="{A6B1CC66-0B38-4C6A-BD6E-FE6E5D37CD77}" type="presParOf" srcId="{0BFD8E78-8D6A-F94C-8705-477DEF2BAA27}" destId="{883039BF-4FBC-408C-ACEB-D90FFFDE51D8}" srcOrd="11" destOrd="0" presId="urn:microsoft.com/office/officeart/2008/layout/LinedList"/>
+    <dgm:cxn modelId="{5261748A-811D-497A-8487-B6347A623258}" type="presParOf" srcId="{0BFD8E78-8D6A-F94C-8705-477DEF2BAA27}" destId="{615D7A9D-CBF2-44B3-BA35-ED31006BAB05}" srcOrd="12" destOrd="0" presId="urn:microsoft.com/office/officeart/2008/layout/LinedList"/>
+    <dgm:cxn modelId="{60CC815A-9A13-44B9-AF89-A2034948143C}" type="presParOf" srcId="{0BFD8E78-8D6A-F94C-8705-477DEF2BAA27}" destId="{63C0CEEF-31D1-4983-AA98-79B5581DA758}" srcOrd="13" destOrd="0" presId="urn:microsoft.com/office/officeart/2008/layout/LinedList"/>
+    <dgm:cxn modelId="{D5CEAE95-C13A-4C20-913C-DBB17C0929D3}" type="presParOf" srcId="{63C0CEEF-31D1-4983-AA98-79B5581DA758}" destId="{9C5AF313-FAB3-4A47-A8AE-7CD13BAEEC42}" srcOrd="0" destOrd="0" presId="urn:microsoft.com/office/officeart/2008/layout/LinedList"/>
+    <dgm:cxn modelId="{D5E9782B-9699-4784-9AE3-2CC7FDA3A9CE}" type="presParOf" srcId="{63C0CEEF-31D1-4983-AA98-79B5581DA758}" destId="{EF7D5FC5-1104-46B9-B4B6-AB8738969E3C}" srcOrd="1" destOrd="0" presId="urn:microsoft.com/office/officeart/2008/layout/LinedList"/>
+    <dgm:cxn modelId="{B3156A23-71F4-45AF-BC00-C1E3FF70781A}" type="presParOf" srcId="{63C0CEEF-31D1-4983-AA98-79B5581DA758}" destId="{06C85EB1-463C-41D1-B009-B5C0BA71E4A9}" srcOrd="2" destOrd="0" presId="urn:microsoft.com/office/officeart/2008/layout/LinedList"/>
+    <dgm:cxn modelId="{4AE9217B-9313-40DD-99F7-BA59426B50B3}" type="presParOf" srcId="{0BFD8E78-8D6A-F94C-8705-477DEF2BAA27}" destId="{DA491955-6F65-40DA-8344-2E2406BF3A1C}" srcOrd="14" destOrd="0" presId="urn:microsoft.com/office/officeart/2008/layout/LinedList"/>
+    <dgm:cxn modelId="{7ED7F77C-5B5E-4CB0-ACBD-183F25044FA9}" type="presParOf" srcId="{0BFD8E78-8D6A-F94C-8705-477DEF2BAA27}" destId="{B1CC7DD6-28DD-4318-AD76-5CF826D3969A}" srcOrd="15" destOrd="0" presId="urn:microsoft.com/office/officeart/2008/layout/LinedList"/>
+    <dgm:cxn modelId="{EF531555-A973-493B-95A0-83EEF67E958B}" type="presParOf" srcId="{0BFD8E78-8D6A-F94C-8705-477DEF2BAA27}" destId="{D30D2B62-D835-4CBF-9CD1-9D72868D24B2}" srcOrd="16" destOrd="0" presId="urn:microsoft.com/office/officeart/2008/layout/LinedList"/>
+    <dgm:cxn modelId="{00CCF1C0-7834-4001-93CA-85E0D3002A6C}" type="presParOf" srcId="{D30D2B62-D835-4CBF-9CD1-9D72868D24B2}" destId="{2E390E33-F1DE-4239-9B97-914EAF9D43CC}" srcOrd="0" destOrd="0" presId="urn:microsoft.com/office/officeart/2008/layout/LinedList"/>
+    <dgm:cxn modelId="{54B0826D-424D-4F8E-93C3-065CCF4EE138}" type="presParOf" srcId="{D30D2B62-D835-4CBF-9CD1-9D72868D24B2}" destId="{10FAF2BC-364E-4966-A71D-AB379D7F5542}" srcOrd="1" destOrd="0" presId="urn:microsoft.com/office/officeart/2008/layout/LinedList"/>
+    <dgm:cxn modelId="{70B1DF19-F571-4E6B-96AD-1C81766DE290}" type="presParOf" srcId="{D30D2B62-D835-4CBF-9CD1-9D72868D24B2}" destId="{D9F39DAC-4C52-468C-8A57-24F5288D5425}" srcOrd="2" destOrd="0" presId="urn:microsoft.com/office/officeart/2008/layout/LinedList"/>
+    <dgm:cxn modelId="{6E0C0372-32F7-44C7-819C-C7019D14F859}" type="presParOf" srcId="{0BFD8E78-8D6A-F94C-8705-477DEF2BAA27}" destId="{D4A65469-022E-490E-A74B-BEF1EB8DA78D}" srcOrd="17" destOrd="0" presId="urn:microsoft.com/office/officeart/2008/layout/LinedList"/>
+    <dgm:cxn modelId="{A37221AF-B999-4275-A668-162C22037A36}" type="presParOf" srcId="{0BFD8E78-8D6A-F94C-8705-477DEF2BAA27}" destId="{C3599680-4B33-4AF2-96A8-BBD3B43D6FE5}" srcOrd="18" destOrd="0" presId="urn:microsoft.com/office/officeart/2008/layout/LinedList"/>
+    <dgm:cxn modelId="{F98AFC36-583B-4C6C-BA39-85BC9571BB3A}" type="presParOf" srcId="{D624C1EA-D904-554E-A19D-C13D5AA3AFDC}" destId="{868BAF7D-DFE7-CF42-825C-A269AD4CDD91}" srcOrd="4" destOrd="0" presId="urn:microsoft.com/office/officeart/2008/layout/LinedList"/>
+    <dgm:cxn modelId="{5012D86C-6C93-4297-8992-69950F2D2311}" type="presParOf" srcId="{D624C1EA-D904-554E-A19D-C13D5AA3AFDC}" destId="{52AA4F5C-6F79-4143-80E7-FFACA58DD5D7}" srcOrd="5" destOrd="0" presId="urn:microsoft.com/office/officeart/2008/layout/LinedList"/>
+    <dgm:cxn modelId="{BF1DDF9B-A5F8-4CFD-B823-A73D15D72692}" type="presParOf" srcId="{52AA4F5C-6F79-4143-80E7-FFACA58DD5D7}" destId="{7017F8AD-5E46-5147-B9EB-4AB640A98F1C}" srcOrd="0" destOrd="0" presId="urn:microsoft.com/office/officeart/2008/layout/LinedList"/>
+    <dgm:cxn modelId="{13A471C0-985D-46B2-BD6C-241324D5E371}" type="presParOf" srcId="{52AA4F5C-6F79-4143-80E7-FFACA58DD5D7}" destId="{5093289D-2301-5A4C-ACF2-151680E26151}" srcOrd="1" destOrd="0" presId="urn:microsoft.com/office/officeart/2008/layout/LinedList"/>
+    <dgm:cxn modelId="{DFC346AB-63AF-45CA-9842-D2A38A83989A}" type="presParOf" srcId="{5093289D-2301-5A4C-ACF2-151680E26151}" destId="{C0352324-1E68-3A4B-889B-2B27B4270DB9}" srcOrd="0" destOrd="0" presId="urn:microsoft.com/office/officeart/2008/layout/LinedList"/>
+    <dgm:cxn modelId="{7C71FBF9-22EB-4DF1-96A6-99E002ADDCB8}" type="presParOf" srcId="{5093289D-2301-5A4C-ACF2-151680E26151}" destId="{633C5E65-370D-5044-8A70-5A37F24EAAE3}" srcOrd="1" destOrd="0" presId="urn:microsoft.com/office/officeart/2008/layout/LinedList"/>
+    <dgm:cxn modelId="{0BC4317B-8D47-41A6-9433-B1441B8CFB87}" type="presParOf" srcId="{633C5E65-370D-5044-8A70-5A37F24EAAE3}" destId="{BCEE5439-C435-6043-B203-E515F7146E18}" srcOrd="0" destOrd="0" presId="urn:microsoft.com/office/officeart/2008/layout/LinedList"/>
+    <dgm:cxn modelId="{D0CFDD94-49C3-4A7D-A4AB-FC80E6563FE8}" type="presParOf" srcId="{633C5E65-370D-5044-8A70-5A37F24EAAE3}" destId="{3081C834-6E80-E94F-8CA1-BC3AD37CA532}" srcOrd="1" destOrd="0" presId="urn:microsoft.com/office/officeart/2008/layout/LinedList"/>
+    <dgm:cxn modelId="{69295281-F566-4B40-9C0F-50ED9737F753}" type="presParOf" srcId="{633C5E65-370D-5044-8A70-5A37F24EAAE3}" destId="{AFAFCB09-FA90-4B47-BB1B-5E35AFC5A629}" srcOrd="2" destOrd="0" presId="urn:microsoft.com/office/officeart/2008/layout/LinedList"/>
+    <dgm:cxn modelId="{548EA7CE-D035-4031-910C-6896D53360F1}" type="presParOf" srcId="{5093289D-2301-5A4C-ACF2-151680E26151}" destId="{ACF61339-1B7C-644D-B422-D6F244CFD459}" srcOrd="2" destOrd="0" presId="urn:microsoft.com/office/officeart/2008/layout/LinedList"/>
+    <dgm:cxn modelId="{DC3F55B9-235D-4658-AD55-662ECFC848AD}" type="presParOf" srcId="{5093289D-2301-5A4C-ACF2-151680E26151}" destId="{E0AE3397-D2D0-FE4D-84E7-271EF3CD5970}" srcOrd="3" destOrd="0" presId="urn:microsoft.com/office/officeart/2008/layout/LinedList"/>
+    <dgm:cxn modelId="{8ABE150D-C388-4775-9B5F-701CD14D6FD4}" type="presParOf" srcId="{5093289D-2301-5A4C-ACF2-151680E26151}" destId="{DE24D28E-5C46-EF4E-9B02-3BE99DC4FCC8}" srcOrd="4" destOrd="0" presId="urn:microsoft.com/office/officeart/2008/layout/LinedList"/>
+    <dgm:cxn modelId="{EC296059-9249-41F9-836C-85F19D8D1C55}" type="presParOf" srcId="{DE24D28E-5C46-EF4E-9B02-3BE99DC4FCC8}" destId="{EAE254CB-F466-0A48-8C79-0D18EED04643}" srcOrd="0" destOrd="0" presId="urn:microsoft.com/office/officeart/2008/layout/LinedList"/>
+    <dgm:cxn modelId="{9D53AD0D-7AEA-49B1-BA39-510A7CD11577}" type="presParOf" srcId="{DE24D28E-5C46-EF4E-9B02-3BE99DC4FCC8}" destId="{8E1389DE-657A-864A-8014-B131474D1760}" srcOrd="1" destOrd="0" presId="urn:microsoft.com/office/officeart/2008/layout/LinedList"/>
+    <dgm:cxn modelId="{55516CE3-C0CC-4AEF-AD44-C6777790AAF0}" type="presParOf" srcId="{DE24D28E-5C46-EF4E-9B02-3BE99DC4FCC8}" destId="{63F8E43B-6A0C-9146-86FF-7B868A195A77}" srcOrd="2" destOrd="0" presId="urn:microsoft.com/office/officeart/2008/layout/LinedList"/>
+    <dgm:cxn modelId="{DEEFE38E-3B84-40F2-8D6C-8B8ABA1F6686}" type="presParOf" srcId="{5093289D-2301-5A4C-ACF2-151680E26151}" destId="{C54A5649-F051-2049-9B2F-97CAE569CEC8}" srcOrd="5" destOrd="0" presId="urn:microsoft.com/office/officeart/2008/layout/LinedList"/>
+    <dgm:cxn modelId="{04E5A03B-1FF8-491D-8CBE-55B5293F870E}" type="presParOf" srcId="{5093289D-2301-5A4C-ACF2-151680E26151}" destId="{15E9FD3E-1A3D-B344-A6B3-0981DBDD8D25}" srcOrd="6" destOrd="0" presId="urn:microsoft.com/office/officeart/2008/layout/LinedList"/>
+    <dgm:cxn modelId="{5C51CA6A-8E2D-4416-8B4C-B12B1BC30822}" type="presParOf" srcId="{5093289D-2301-5A4C-ACF2-151680E26151}" destId="{7FB979EE-A4DC-7E42-B377-5D7439A09EA2}" srcOrd="7" destOrd="0" presId="urn:microsoft.com/office/officeart/2008/layout/LinedList"/>
+    <dgm:cxn modelId="{5AE08044-7EFC-44EF-8CBD-D127E893874D}" type="presParOf" srcId="{7FB979EE-A4DC-7E42-B377-5D7439A09EA2}" destId="{0D75226C-399B-BE44-BFE6-5B59FC9323CE}" srcOrd="0" destOrd="0" presId="urn:microsoft.com/office/officeart/2008/layout/LinedList"/>
+    <dgm:cxn modelId="{D9A4537E-352C-465A-B90A-CFB8028EECFA}" type="presParOf" srcId="{7FB979EE-A4DC-7E42-B377-5D7439A09EA2}" destId="{423FE91E-EB39-5D4B-ADA3-BAE234857F22}" srcOrd="1" destOrd="0" presId="urn:microsoft.com/office/officeart/2008/layout/LinedList"/>
+    <dgm:cxn modelId="{19933A19-3E9F-4DD2-AB5D-F38B9096D7A2}" type="presParOf" srcId="{7FB979EE-A4DC-7E42-B377-5D7439A09EA2}" destId="{0F1F1FB4-70AD-4644-89A2-540C82EF214A}" srcOrd="2" destOrd="0" presId="urn:microsoft.com/office/officeart/2008/layout/LinedList"/>
+    <dgm:cxn modelId="{38981BAE-E775-45CA-B049-BAB6CE2986BC}" type="presParOf" srcId="{5093289D-2301-5A4C-ACF2-151680E26151}" destId="{609B18A5-B49A-0442-88A5-EE5F99F1C007}" srcOrd="8" destOrd="0" presId="urn:microsoft.com/office/officeart/2008/layout/LinedList"/>
+    <dgm:cxn modelId="{5932094D-9D03-447D-B826-D2C3A5833232}" type="presParOf" srcId="{5093289D-2301-5A4C-ACF2-151680E26151}" destId="{9CD43EC0-7AEE-4E46-A802-C3122BCA5204}" srcOrd="9" destOrd="0" presId="urn:microsoft.com/office/officeart/2008/layout/LinedList"/>
+    <dgm:cxn modelId="{380F0598-CA3F-4E50-9B72-839BA11808DB}" type="presParOf" srcId="{5093289D-2301-5A4C-ACF2-151680E26151}" destId="{F63E151C-33D3-E54D-B781-0077565C464E}" srcOrd="10" destOrd="0" presId="urn:microsoft.com/office/officeart/2008/layout/LinedList"/>
+    <dgm:cxn modelId="{EB3709E7-1F4B-4300-8364-DD7E7371A2A2}" type="presParOf" srcId="{F63E151C-33D3-E54D-B781-0077565C464E}" destId="{E23EABB5-C837-D840-9AF2-571BA52D28A0}" srcOrd="0" destOrd="0" presId="urn:microsoft.com/office/officeart/2008/layout/LinedList"/>
+    <dgm:cxn modelId="{894A49C2-573C-48B2-AAA1-0B102F127575}" type="presParOf" srcId="{F63E151C-33D3-E54D-B781-0077565C464E}" destId="{79932D6A-E6F5-984E-93F9-DF0F9EE2A91A}" srcOrd="1" destOrd="0" presId="urn:microsoft.com/office/officeart/2008/layout/LinedList"/>
+    <dgm:cxn modelId="{198FA61F-33EB-4419-B197-28DD7400F448}" type="presParOf" srcId="{F63E151C-33D3-E54D-B781-0077565C464E}" destId="{8B47C5ED-16C2-5C4F-AA49-192C6D6F1C6F}" srcOrd="2" destOrd="0" presId="urn:microsoft.com/office/officeart/2008/layout/LinedList"/>
+    <dgm:cxn modelId="{8B1FF05F-CFAC-4D1B-9588-EA60C5EB3D9A}" type="presParOf" srcId="{5093289D-2301-5A4C-ACF2-151680E26151}" destId="{1CCD5B01-B570-464A-8563-DA983BBD38D7}" srcOrd="11" destOrd="0" presId="urn:microsoft.com/office/officeart/2008/layout/LinedList"/>
+    <dgm:cxn modelId="{F1D560C9-1CFA-459F-92A5-921496DC1230}" type="presParOf" srcId="{5093289D-2301-5A4C-ACF2-151680E26151}" destId="{E9AEA56D-B089-7D4E-B28A-2F90A7691F9D}" srcOrd="12" destOrd="0" presId="urn:microsoft.com/office/officeart/2008/layout/LinedList"/>
+    <dgm:cxn modelId="{3EA39289-16C3-4B3B-A4E5-FB1C8FC1D2A8}" type="presParOf" srcId="{5093289D-2301-5A4C-ACF2-151680E26151}" destId="{2AFD10B8-529D-BC41-B6DA-2C0CE74F5E2F}" srcOrd="13" destOrd="0" presId="urn:microsoft.com/office/officeart/2008/layout/LinedList"/>
+    <dgm:cxn modelId="{39030A27-D97B-4057-BA48-DFA526DE58B0}" type="presParOf" srcId="{2AFD10B8-529D-BC41-B6DA-2C0CE74F5E2F}" destId="{69D37746-B687-7049-84E3-B7250E903EDD}" srcOrd="0" destOrd="0" presId="urn:microsoft.com/office/officeart/2008/layout/LinedList"/>
+    <dgm:cxn modelId="{39DA59B5-50A7-43F0-B2ED-4AFEE516CF56}" type="presParOf" srcId="{2AFD10B8-529D-BC41-B6DA-2C0CE74F5E2F}" destId="{9E7B31F5-D290-C84C-956D-C9B024BEA030}" srcOrd="1" destOrd="0" presId="urn:microsoft.com/office/officeart/2008/layout/LinedList"/>
+    <dgm:cxn modelId="{5A642809-C1D0-4294-B14C-17FB6AF61150}" type="presParOf" srcId="{2AFD10B8-529D-BC41-B6DA-2C0CE74F5E2F}" destId="{F5E7FBF9-C8A4-7E49-876E-8721E9112536}" srcOrd="2" destOrd="0" presId="urn:microsoft.com/office/officeart/2008/layout/LinedList"/>
+    <dgm:cxn modelId="{6A20184A-EBD1-4953-B3D0-8E74B495ACBC}" type="presParOf" srcId="{5093289D-2301-5A4C-ACF2-151680E26151}" destId="{840C08EE-EB32-7C46-A35E-C3D9BEF2755D}" srcOrd="14" destOrd="0" presId="urn:microsoft.com/office/officeart/2008/layout/LinedList"/>
+    <dgm:cxn modelId="{0AFBE9A7-E56B-4A10-91B0-CED20DC96632}" type="presParOf" srcId="{5093289D-2301-5A4C-ACF2-151680E26151}" destId="{8101DA7C-6B7C-694D-B218-AECF059DC5C2}" srcOrd="15" destOrd="0" presId="urn:microsoft.com/office/officeart/2008/layout/LinedList"/>
+    <dgm:cxn modelId="{1780E9F9-884A-4F85-98E4-7DC4960A1AF6}" type="presParOf" srcId="{5093289D-2301-5A4C-ACF2-151680E26151}" destId="{629211DD-97DD-534E-82C8-1187EBBEC1CD}" srcOrd="16" destOrd="0" presId="urn:microsoft.com/office/officeart/2008/layout/LinedList"/>
+    <dgm:cxn modelId="{226A6FD5-997A-44F4-A19B-4BE4267E8C85}" type="presParOf" srcId="{629211DD-97DD-534E-82C8-1187EBBEC1CD}" destId="{5EE26B84-32B2-1645-86BA-3BC3F74CCF41}" srcOrd="0" destOrd="0" presId="urn:microsoft.com/office/officeart/2008/layout/LinedList"/>
+    <dgm:cxn modelId="{A115107D-9856-4F09-ADE8-C9971CF70BFB}" type="presParOf" srcId="{629211DD-97DD-534E-82C8-1187EBBEC1CD}" destId="{1B28DA93-A85A-D849-8904-7D5D127536C3}" srcOrd="1" destOrd="0" presId="urn:microsoft.com/office/officeart/2008/layout/LinedList"/>
+    <dgm:cxn modelId="{DF2E8922-2306-40AA-9265-F07FF10699DC}" type="presParOf" srcId="{629211DD-97DD-534E-82C8-1187EBBEC1CD}" destId="{C88F1A02-078D-6345-965A-879427F23E84}" srcOrd="2" destOrd="0" presId="urn:microsoft.com/office/officeart/2008/layout/LinedList"/>
+    <dgm:cxn modelId="{D04C06EC-7A3E-421E-8549-9074BEDA88A8}" type="presParOf" srcId="{5093289D-2301-5A4C-ACF2-151680E26151}" destId="{C4C5626B-E9D1-9B43-8230-BCD68E01DF35}" srcOrd="17" destOrd="0" presId="urn:microsoft.com/office/officeart/2008/layout/LinedList"/>
+    <dgm:cxn modelId="{073D8EEA-1346-41A2-B78E-B31EF3973F5F}" type="presParOf" srcId="{5093289D-2301-5A4C-ACF2-151680E26151}" destId="{E6C8045B-ECB0-784B-91CB-C6374A15D98D}" srcOrd="18" destOrd="0" presId="urn:microsoft.com/office/officeart/2008/layout/LinedList"/>
   </dgm:cxnLst>
   <dgm:bg/>
   <dgm:whole/>
@@ -2987,7 +3358,7 @@
       </dsp:nvSpPr>
       <dsp:spPr>
         <a:xfrm>
-          <a:off x="0" y="2470"/>
+          <a:off x="0" y="2783"/>
           <a:ext cx="6323299" cy="0"/>
         </a:xfrm>
         <a:prstGeom prst="line">
@@ -3037,8 +3408,8 @@
       </dsp:nvSpPr>
       <dsp:spPr>
         <a:xfrm>
-          <a:off x="0" y="2470"/>
-          <a:ext cx="1264660" cy="1684821"/>
+          <a:off x="0" y="2783"/>
+          <a:ext cx="1264660" cy="1898410"/>
         </a:xfrm>
         <a:prstGeom prst="rect">
           <a:avLst/>
@@ -3080,21 +3451,21 @@
             <a:buNone/>
           </a:pPr>
           <a:r>
-            <a:rPr lang="en-US" sz="1800" kern="1200" dirty="0"/>
+            <a:rPr lang="en-US" sz="1800" kern="1200"/>
             <a:t>Delvis:</a:t>
           </a:r>
           <a:r>
-            <a:rPr lang="en-US" sz="1800" kern="1200" dirty="0">
+            <a:rPr lang="en-US" sz="1800" kern="1200">
               <a:latin typeface="Calibri Light" panose="020F0302020204030204"/>
             </a:rPr>
             <a:t> </a:t>
           </a:r>
-          <a:endParaRPr lang="en-US" sz="1800" kern="1200" dirty="0"/>
+          <a:endParaRPr lang="en-US" sz="1800" kern="1200"/>
         </a:p>
       </dsp:txBody>
       <dsp:txXfrm>
-        <a:off x="0" y="2470"/>
-        <a:ext cx="1264660" cy="1684821"/>
+        <a:off x="0" y="2783"/>
+        <a:ext cx="1264660" cy="1898410"/>
       </dsp:txXfrm>
     </dsp:sp>
     <dsp:sp modelId="{7CAD0DA1-1487-BE4D-B6E1-EFCA4E4ECF5A}">
@@ -3104,8 +3475,8 @@
       </dsp:nvSpPr>
       <dsp:spPr>
         <a:xfrm>
-          <a:off x="1359509" y="18347"/>
-          <a:ext cx="4963790" cy="317549"/>
+          <a:off x="1359509" y="20673"/>
+          <a:ext cx="4963790" cy="357805"/>
         </a:xfrm>
         <a:prstGeom prst="rect">
           <a:avLst/>
@@ -3147,7 +3518,7 @@
             <a:buNone/>
           </a:pPr>
           <a:r>
-            <a:rPr lang="en-US" sz="1600" b="0" kern="1200" dirty="0">
+            <a:rPr lang="en-US" sz="1600" b="0" kern="1200">
               <a:latin typeface="+mn-lt"/>
             </a:rPr>
             <a:t>Block code</a:t>
@@ -3155,8 +3526,8 @@
         </a:p>
       </dsp:txBody>
       <dsp:txXfrm>
-        <a:off x="1359509" y="18347"/>
-        <a:ext cx="4963790" cy="317549"/>
+        <a:off x="1359509" y="20673"/>
+        <a:ext cx="4963790" cy="357805"/>
       </dsp:txXfrm>
     </dsp:sp>
     <dsp:sp modelId="{21316D82-8904-ED48-B791-3A54C8E2DB77}">
@@ -3166,7 +3537,7 @@
       </dsp:nvSpPr>
       <dsp:spPr>
         <a:xfrm>
-          <a:off x="1264659" y="335897"/>
+          <a:off x="1264659" y="378479"/>
           <a:ext cx="5058640" cy="0"/>
         </a:xfrm>
         <a:prstGeom prst="line">
@@ -3215,8 +3586,8 @@
       </dsp:nvSpPr>
       <dsp:spPr>
         <a:xfrm>
-          <a:off x="1359509" y="351774"/>
-          <a:ext cx="4963790" cy="317549"/>
+          <a:off x="1359509" y="396370"/>
+          <a:ext cx="4963790" cy="357805"/>
         </a:xfrm>
         <a:prstGeom prst="rect">
           <a:avLst/>
@@ -3258,7 +3629,7 @@
             <a:buNone/>
           </a:pPr>
           <a:r>
-            <a:rPr lang="en-US" sz="1600" kern="1200" dirty="0">
+            <a:rPr lang="en-US" sz="1600" kern="1200">
               <a:latin typeface="+mn-lt"/>
             </a:rPr>
             <a:t>Sensor Data Diagram</a:t>
@@ -3266,8 +3637,8 @@
         </a:p>
       </dsp:txBody>
       <dsp:txXfrm>
-        <a:off x="1359509" y="351774"/>
-        <a:ext cx="4963790" cy="317549"/>
+        <a:off x="1359509" y="396370"/>
+        <a:ext cx="4963790" cy="357805"/>
       </dsp:txXfrm>
     </dsp:sp>
     <dsp:sp modelId="{BA7D9CE0-26AF-4767-A558-786F054ECF4B}">
@@ -3277,7 +3648,7 @@
       </dsp:nvSpPr>
       <dsp:spPr>
         <a:xfrm>
-          <a:off x="1264659" y="669323"/>
+          <a:off x="1264659" y="754175"/>
           <a:ext cx="5058640" cy="0"/>
         </a:xfrm>
         <a:prstGeom prst="line">
@@ -3326,8 +3697,8 @@
       </dsp:nvSpPr>
       <dsp:spPr>
         <a:xfrm>
-          <a:off x="1359509" y="685201"/>
-          <a:ext cx="4963790" cy="317549"/>
+          <a:off x="1359509" y="772066"/>
+          <a:ext cx="4963790" cy="357805"/>
         </a:xfrm>
         <a:prstGeom prst="rect">
           <a:avLst/>
@@ -3369,16 +3740,16 @@
             <a:buNone/>
           </a:pPr>
           <a:r>
-            <a:rPr lang="en-US" sz="1600" kern="1200" dirty="0">
+            <a:rPr lang="en-US" sz="1600" kern="1200">
               <a:latin typeface="+mn-lt"/>
             </a:rPr>
-            <a:t>Agility Design Document</a:t>
+            <a:t>System Design Document</a:t>
           </a:r>
         </a:p>
       </dsp:txBody>
       <dsp:txXfrm>
-        <a:off x="1359509" y="685201"/>
-        <a:ext cx="4963790" cy="317549"/>
+        <a:off x="1359509" y="772066"/>
+        <a:ext cx="4963790" cy="357805"/>
       </dsp:txXfrm>
     </dsp:sp>
     <dsp:sp modelId="{E3680A21-0F6F-48CB-853F-CC8689151C4A}">
@@ -3388,7 +3759,7 @@
       </dsp:nvSpPr>
       <dsp:spPr>
         <a:xfrm>
-          <a:off x="1264659" y="1002750"/>
+          <a:off x="1264659" y="1129872"/>
           <a:ext cx="5058640" cy="0"/>
         </a:xfrm>
         <a:prstGeom prst="line">
@@ -3437,8 +3808,8 @@
       </dsp:nvSpPr>
       <dsp:spPr>
         <a:xfrm>
-          <a:off x="1359509" y="1018628"/>
-          <a:ext cx="4963790" cy="317549"/>
+          <a:off x="1359509" y="1147762"/>
+          <a:ext cx="4963790" cy="357805"/>
         </a:xfrm>
         <a:prstGeom prst="rect">
           <a:avLst/>
@@ -3480,7 +3851,7 @@
             <a:buNone/>
           </a:pPr>
           <a:r>
-            <a:rPr lang="en-US" sz="1600" kern="1200" dirty="0">
+            <a:rPr lang="en-US" sz="1600" kern="1200">
               <a:latin typeface="+mn-lt"/>
             </a:rPr>
             <a:t>Test plan</a:t>
@@ -3488,8 +3859,8 @@
         </a:p>
       </dsp:txBody>
       <dsp:txXfrm>
-        <a:off x="1359509" y="1018628"/>
-        <a:ext cx="4963790" cy="317549"/>
+        <a:off x="1359509" y="1147762"/>
+        <a:ext cx="4963790" cy="357805"/>
       </dsp:txXfrm>
     </dsp:sp>
     <dsp:sp modelId="{2545B7F2-D9D7-4343-A66E-6EBEBB43AFC4}">
@@ -3499,7 +3870,7 @@
       </dsp:nvSpPr>
       <dsp:spPr>
         <a:xfrm>
-          <a:off x="1264659" y="1336177"/>
+          <a:off x="1264659" y="1505568"/>
           <a:ext cx="5058640" cy="0"/>
         </a:xfrm>
         <a:prstGeom prst="line">
@@ -3548,8 +3919,8 @@
       </dsp:nvSpPr>
       <dsp:spPr>
         <a:xfrm>
-          <a:off x="1359509" y="1352054"/>
-          <a:ext cx="4963790" cy="317549"/>
+          <a:off x="1359509" y="1523458"/>
+          <a:ext cx="4963790" cy="357805"/>
         </a:xfrm>
         <a:prstGeom prst="rect">
           <a:avLst/>
@@ -3591,7 +3962,7 @@
             <a:buNone/>
           </a:pPr>
           <a:r>
-            <a:rPr lang="en-US" sz="1600" kern="1200" dirty="0">
+            <a:rPr lang="en-US" sz="1600" kern="1200">
               <a:latin typeface="+mn-lt"/>
             </a:rPr>
             <a:t>Functional Requirements </a:t>
@@ -3599,8 +3970,8 @@
         </a:p>
       </dsp:txBody>
       <dsp:txXfrm>
-        <a:off x="1359509" y="1352054"/>
-        <a:ext cx="4963790" cy="317549"/>
+        <a:off x="1359509" y="1523458"/>
+        <a:ext cx="4963790" cy="357805"/>
       </dsp:txXfrm>
     </dsp:sp>
     <dsp:sp modelId="{0EAE8D8D-75C8-4C0B-9855-53619CDF7A29}">
@@ -3610,7 +3981,7 @@
       </dsp:nvSpPr>
       <dsp:spPr>
         <a:xfrm>
-          <a:off x="1264659" y="1669604"/>
+          <a:off x="1264659" y="1881264"/>
           <a:ext cx="5058640" cy="0"/>
         </a:xfrm>
         <a:prstGeom prst="line">
@@ -3659,7 +4030,7 @@
       </dsp:nvSpPr>
       <dsp:spPr>
         <a:xfrm>
-          <a:off x="0" y="1687291"/>
+          <a:off x="0" y="1901194"/>
           <a:ext cx="6323299" cy="0"/>
         </a:xfrm>
         <a:prstGeom prst="line">
@@ -3709,8 +4080,8 @@
       </dsp:nvSpPr>
       <dsp:spPr>
         <a:xfrm>
-          <a:off x="0" y="1687291"/>
-          <a:ext cx="1264660" cy="1684821"/>
+          <a:off x="0" y="1901194"/>
+          <a:ext cx="1264660" cy="1898410"/>
         </a:xfrm>
         <a:prstGeom prst="rect">
           <a:avLst/>
@@ -3752,14 +4123,14 @@
             <a:buNone/>
           </a:pPr>
           <a:r>
-            <a:rPr lang="en-US" sz="1800" kern="1200" dirty="0"/>
+            <a:rPr lang="en-US" sz="1800" kern="1200"/>
             <a:t>Luca:</a:t>
           </a:r>
         </a:p>
       </dsp:txBody>
       <dsp:txXfrm>
-        <a:off x="0" y="1687291"/>
-        <a:ext cx="1264660" cy="1684821"/>
+        <a:off x="0" y="1901194"/>
+        <a:ext cx="1264660" cy="1898410"/>
       </dsp:txXfrm>
     </dsp:sp>
     <dsp:sp modelId="{572BB08B-5099-584D-AF82-69AA6FE3BC96}">
@@ -3769,8 +4140,8 @@
       </dsp:nvSpPr>
       <dsp:spPr>
         <a:xfrm>
-          <a:off x="1359509" y="1703168"/>
-          <a:ext cx="4963790" cy="317549"/>
+          <a:off x="1359509" y="1916141"/>
+          <a:ext cx="4963790" cy="298944"/>
         </a:xfrm>
         <a:prstGeom prst="rect">
           <a:avLst/>
@@ -3812,7 +4183,7 @@
             <a:buNone/>
           </a:pPr>
           <a:r>
-            <a:rPr lang="en-US" sz="1600" kern="1200" dirty="0">
+            <a:rPr lang="en-US" sz="1600" kern="1200">
               <a:solidFill>
                 <a:schemeClr val="tx1"/>
               </a:solidFill>
@@ -3823,8 +4194,8 @@
         </a:p>
       </dsp:txBody>
       <dsp:txXfrm>
-        <a:off x="1359509" y="1703168"/>
-        <a:ext cx="4963790" cy="317549"/>
+        <a:off x="1359509" y="1916141"/>
+        <a:ext cx="4963790" cy="298944"/>
       </dsp:txXfrm>
     </dsp:sp>
     <dsp:sp modelId="{F186FA02-E8A1-2D47-A4E7-03AE42FBCE00}">
@@ -3834,7 +4205,7 @@
       </dsp:nvSpPr>
       <dsp:spPr>
         <a:xfrm>
-          <a:off x="1264659" y="2020718"/>
+          <a:off x="1264659" y="2215085"/>
           <a:ext cx="5058640" cy="0"/>
         </a:xfrm>
         <a:prstGeom prst="line">
@@ -3883,8 +4254,8 @@
       </dsp:nvSpPr>
       <dsp:spPr>
         <a:xfrm>
-          <a:off x="1359509" y="2036595"/>
-          <a:ext cx="4963790" cy="317549"/>
+          <a:off x="1359509" y="2230032"/>
+          <a:ext cx="4963790" cy="298944"/>
         </a:xfrm>
         <a:prstGeom prst="rect">
           <a:avLst/>
@@ -3926,7 +4297,7 @@
             <a:buNone/>
           </a:pPr>
           <a:r>
-            <a:rPr lang="en-US" sz="1600" kern="1200" dirty="0">
+            <a:rPr lang="en-US" sz="1600" kern="1200">
               <a:solidFill>
                 <a:schemeClr val="tx1"/>
               </a:solidFill>
@@ -3937,8 +4308,8 @@
         </a:p>
       </dsp:txBody>
       <dsp:txXfrm>
-        <a:off x="1359509" y="2036595"/>
-        <a:ext cx="4963790" cy="317549"/>
+        <a:off x="1359509" y="2230032"/>
+        <a:ext cx="4963790" cy="298944"/>
       </dsp:txXfrm>
     </dsp:sp>
     <dsp:sp modelId="{E2B9AA29-9AC9-B642-918F-DEEB058CCD74}">
@@ -3948,7 +4319,7 @@
       </dsp:nvSpPr>
       <dsp:spPr>
         <a:xfrm>
-          <a:off x="1264659" y="2354144"/>
+          <a:off x="1264659" y="2528976"/>
           <a:ext cx="5058640" cy="0"/>
         </a:xfrm>
         <a:prstGeom prst="line">
@@ -3997,8 +4368,8 @@
       </dsp:nvSpPr>
       <dsp:spPr>
         <a:xfrm>
-          <a:off x="1359509" y="2370022"/>
-          <a:ext cx="4963790" cy="317549"/>
+          <a:off x="1359509" y="2543923"/>
+          <a:ext cx="4963790" cy="298944"/>
         </a:xfrm>
         <a:prstGeom prst="rect">
           <a:avLst/>
@@ -4040,7 +4411,7 @@
             <a:buNone/>
           </a:pPr>
           <a:r>
-            <a:rPr lang="en-US" sz="1600" kern="1200" dirty="0">
+            <a:rPr lang="en-US" sz="1600" kern="1200">
               <a:latin typeface="+mn-lt"/>
             </a:rPr>
             <a:t>Gantt Chart organizer</a:t>
@@ -4048,8 +4419,8 @@
         </a:p>
       </dsp:txBody>
       <dsp:txXfrm>
-        <a:off x="1359509" y="2370022"/>
-        <a:ext cx="4963790" cy="317549"/>
+        <a:off x="1359509" y="2543923"/>
+        <a:ext cx="4963790" cy="298944"/>
       </dsp:txXfrm>
     </dsp:sp>
     <dsp:sp modelId="{5C1091DC-9A0C-46DB-91DE-B57503D65A21}">
@@ -4059,7 +4430,7 @@
       </dsp:nvSpPr>
       <dsp:spPr>
         <a:xfrm>
-          <a:off x="1264659" y="2687571"/>
+          <a:off x="1264659" y="2842867"/>
           <a:ext cx="5058640" cy="0"/>
         </a:xfrm>
         <a:prstGeom prst="line">
@@ -4108,8 +4479,8 @@
       </dsp:nvSpPr>
       <dsp:spPr>
         <a:xfrm>
-          <a:off x="1359509" y="2703449"/>
-          <a:ext cx="4963790" cy="317549"/>
+          <a:off x="1359509" y="2857815"/>
+          <a:ext cx="4963790" cy="298944"/>
         </a:xfrm>
         <a:prstGeom prst="rect">
           <a:avLst/>
@@ -4151,7 +4522,7 @@
             <a:buNone/>
           </a:pPr>
           <a:r>
-            <a:rPr lang="en-US" sz="1600" kern="1200" dirty="0">
+            <a:rPr lang="en-US" sz="1600" kern="1200">
               <a:latin typeface="+mn-lt"/>
             </a:rPr>
             <a:t>Track taper</a:t>
@@ -4159,8 +4530,8 @@
         </a:p>
       </dsp:txBody>
       <dsp:txXfrm>
-        <a:off x="1359509" y="2703449"/>
-        <a:ext cx="4963790" cy="317549"/>
+        <a:off x="1359509" y="2857815"/>
+        <a:ext cx="4963790" cy="298944"/>
       </dsp:txXfrm>
     </dsp:sp>
     <dsp:sp modelId="{883039BF-4FBC-408C-ACEB-D90FFFDE51D8}">
@@ -4170,7 +4541,7 @@
       </dsp:nvSpPr>
       <dsp:spPr>
         <a:xfrm>
-          <a:off x="1264659" y="3020998"/>
+          <a:off x="1264659" y="3156759"/>
           <a:ext cx="5058640" cy="0"/>
         </a:xfrm>
         <a:prstGeom prst="line">
@@ -4219,8 +4590,8 @@
       </dsp:nvSpPr>
       <dsp:spPr>
         <a:xfrm>
-          <a:off x="1359509" y="3036875"/>
-          <a:ext cx="4963790" cy="317549"/>
+          <a:off x="1359509" y="3171706"/>
+          <a:ext cx="4963790" cy="298944"/>
         </a:xfrm>
         <a:prstGeom prst="rect">
           <a:avLst/>
@@ -4262,7 +4633,7 @@
             <a:buNone/>
           </a:pPr>
           <a:r>
-            <a:rPr lang="en-US" sz="1600" kern="1200" dirty="0">
+            <a:rPr lang="en-US" sz="1600" kern="1200">
               <a:latin typeface="+mn-lt"/>
             </a:rPr>
             <a:t>Algorithm maker</a:t>
@@ -4270,8 +4641,8 @@
         </a:p>
       </dsp:txBody>
       <dsp:txXfrm>
-        <a:off x="1359509" y="3036875"/>
-        <a:ext cx="4963790" cy="317549"/>
+        <a:off x="1359509" y="3171706"/>
+        <a:ext cx="4963790" cy="298944"/>
       </dsp:txXfrm>
     </dsp:sp>
     <dsp:sp modelId="{DA491955-6F65-40DA-8344-2E2406BF3A1C}">
@@ -4281,7 +4652,120 @@
       </dsp:nvSpPr>
       <dsp:spPr>
         <a:xfrm>
-          <a:off x="1264659" y="3354425"/>
+          <a:off x="1264659" y="3470650"/>
+          <a:ext cx="5058640" cy="0"/>
+        </a:xfrm>
+        <a:prstGeom prst="line">
+          <a:avLst/>
+        </a:prstGeom>
+        <a:solidFill>
+          <a:schemeClr val="accent4">
+            <a:hueOff val="0"/>
+            <a:satOff val="0"/>
+            <a:lumOff val="0"/>
+            <a:alphaOff val="0"/>
+          </a:schemeClr>
+        </a:solidFill>
+        <a:ln w="12700" cap="flat" cmpd="sng" algn="ctr">
+          <a:solidFill>
+            <a:schemeClr val="accent4">
+              <a:tint val="50000"/>
+              <a:hueOff val="0"/>
+              <a:satOff val="0"/>
+              <a:lumOff val="0"/>
+              <a:alphaOff val="0"/>
+            </a:schemeClr>
+          </a:solidFill>
+          <a:prstDash val="solid"/>
+          <a:miter lim="800000"/>
+        </a:ln>
+        <a:effectLst/>
+      </dsp:spPr>
+      <dsp:style>
+        <a:lnRef idx="2">
+          <a:scrgbClr r="0" g="0" b="0"/>
+        </a:lnRef>
+        <a:fillRef idx="1">
+          <a:scrgbClr r="0" g="0" b="0"/>
+        </a:fillRef>
+        <a:effectRef idx="0">
+          <a:scrgbClr r="0" g="0" b="0"/>
+        </a:effectRef>
+        <a:fontRef idx="minor"/>
+      </dsp:style>
+    </dsp:sp>
+    <dsp:sp modelId="{10FAF2BC-364E-4966-A71D-AB379D7F5542}">
+      <dsp:nvSpPr>
+        <dsp:cNvPr id="0" name=""/>
+        <dsp:cNvSpPr/>
+      </dsp:nvSpPr>
+      <dsp:spPr>
+        <a:xfrm>
+          <a:off x="1359509" y="3485597"/>
+          <a:ext cx="4963790" cy="298944"/>
+        </a:xfrm>
+        <a:prstGeom prst="rect">
+          <a:avLst/>
+        </a:prstGeom>
+        <a:noFill/>
+        <a:ln>
+          <a:noFill/>
+        </a:ln>
+        <a:effectLst/>
+      </dsp:spPr>
+      <dsp:style>
+        <a:lnRef idx="0">
+          <a:scrgbClr r="0" g="0" b="0"/>
+        </a:lnRef>
+        <a:fillRef idx="0">
+          <a:scrgbClr r="0" g="0" b="0"/>
+        </a:fillRef>
+        <a:effectRef idx="0">
+          <a:scrgbClr r="0" g="0" b="0"/>
+        </a:effectRef>
+        <a:fontRef idx="minor"/>
+      </dsp:style>
+      <dsp:txBody>
+        <a:bodyPr spcFirstLastPara="0" vert="horz" wrap="square" lIns="49530" tIns="49530" rIns="49530" bIns="49530" numCol="1" spcCol="1270" anchor="t" anchorCtr="0">
+          <a:noAutofit/>
+        </a:bodyPr>
+        <a:lstStyle/>
+        <a:p>
+          <a:pPr marL="0" lvl="0" indent="0" algn="l" defTabSz="577850" rtl="0">
+            <a:lnSpc>
+              <a:spcPct val="90000"/>
+            </a:lnSpc>
+            <a:spcBef>
+              <a:spcPct val="0"/>
+            </a:spcBef>
+            <a:spcAft>
+              <a:spcPct val="35000"/>
+            </a:spcAft>
+            <a:buNone/>
+          </a:pPr>
+          <a:r>
+            <a:rPr lang="en-US" sz="1300" kern="1200">
+              <a:latin typeface="+mn-lt"/>
+              <a:ea typeface="+mn-lt"/>
+              <a:cs typeface="+mn-lt"/>
+            </a:rPr>
+            <a:t>System Design Document</a:t>
+          </a:r>
+        </a:p>
+      </dsp:txBody>
+      <dsp:txXfrm>
+        <a:off x="1359509" y="3485597"/>
+        <a:ext cx="4963790" cy="298944"/>
+      </dsp:txXfrm>
+    </dsp:sp>
+    <dsp:sp modelId="{D4A65469-022E-490E-A74B-BEF1EB8DA78D}">
+      <dsp:nvSpPr>
+        <dsp:cNvPr id="0" name=""/>
+        <dsp:cNvSpPr/>
+      </dsp:nvSpPr>
+      <dsp:spPr>
+        <a:xfrm>
+          <a:off x="1264659" y="3784541"/>
           <a:ext cx="5058640" cy="0"/>
         </a:xfrm>
         <a:prstGeom prst="line">
@@ -4330,7 +4814,7 @@
       </dsp:nvSpPr>
       <dsp:spPr>
         <a:xfrm>
-          <a:off x="0" y="3372112"/>
+          <a:off x="0" y="3799604"/>
           <a:ext cx="6323299" cy="0"/>
         </a:xfrm>
         <a:prstGeom prst="line">
@@ -4380,8 +4864,8 @@
       </dsp:nvSpPr>
       <dsp:spPr>
         <a:xfrm>
-          <a:off x="0" y="3372112"/>
-          <a:ext cx="1264660" cy="1684821"/>
+          <a:off x="0" y="3799604"/>
+          <a:ext cx="1264660" cy="1898410"/>
         </a:xfrm>
         <a:prstGeom prst="rect">
           <a:avLst/>
@@ -4423,14 +4907,14 @@
             <a:buNone/>
           </a:pPr>
           <a:r>
-            <a:rPr lang="en-US" sz="1800" kern="1200" dirty="0"/>
+            <a:rPr lang="en-US" sz="1800" kern="1200"/>
             <a:t>Xochitl:</a:t>
           </a:r>
         </a:p>
       </dsp:txBody>
       <dsp:txXfrm>
-        <a:off x="0" y="3372112"/>
-        <a:ext cx="1264660" cy="1684821"/>
+        <a:off x="0" y="3799604"/>
+        <a:ext cx="1264660" cy="1898410"/>
       </dsp:txXfrm>
     </dsp:sp>
     <dsp:sp modelId="{3081C834-6E80-E94F-8CA1-BC3AD37CA532}">
@@ -4440,8 +4924,8 @@
       </dsp:nvSpPr>
       <dsp:spPr>
         <a:xfrm>
-          <a:off x="1359509" y="3385378"/>
-          <a:ext cx="4963790" cy="265309"/>
+          <a:off x="1359509" y="3814552"/>
+          <a:ext cx="4963790" cy="298944"/>
         </a:xfrm>
         <a:prstGeom prst="rect">
           <a:avLst/>
@@ -4470,7 +4954,7 @@
         </a:bodyPr>
         <a:lstStyle/>
         <a:p>
-          <a:pPr marL="0" lvl="0" indent="0" algn="l" defTabSz="711200">
+          <a:pPr marL="0" lvl="0" indent="0" algn="l" defTabSz="711200" rtl="0">
             <a:lnSpc>
               <a:spcPct val="90000"/>
             </a:lnSpc>
@@ -4483,14 +4967,20 @@
             <a:buNone/>
           </a:pPr>
           <a:r>
-            <a:rPr lang="en-US" sz="1600" kern="1200" dirty="0"/>
-            <a:t>Agility Design Document</a:t>
+            <a:rPr lang="en-US" sz="1600" kern="1200">
+              <a:latin typeface="Calibri Light" panose="020F0302020204030204"/>
+            </a:rPr>
+            <a:t>System Design</a:t>
+          </a:r>
+          <a:r>
+            <a:rPr lang="en-US" sz="1600" kern="1200"/>
+            <a:t> Document</a:t>
           </a:r>
         </a:p>
       </dsp:txBody>
       <dsp:txXfrm>
-        <a:off x="1359509" y="3385378"/>
-        <a:ext cx="4963790" cy="265309"/>
+        <a:off x="1359509" y="3814552"/>
+        <a:ext cx="4963790" cy="298944"/>
       </dsp:txXfrm>
     </dsp:sp>
     <dsp:sp modelId="{ACF61339-1B7C-644D-B422-D6F244CFD459}">
@@ -4500,7 +4990,7 @@
       </dsp:nvSpPr>
       <dsp:spPr>
         <a:xfrm>
-          <a:off x="1264659" y="3650687"/>
+          <a:off x="1264659" y="4113496"/>
           <a:ext cx="5058640" cy="0"/>
         </a:xfrm>
         <a:prstGeom prst="line">
@@ -4549,8 +5039,8 @@
       </dsp:nvSpPr>
       <dsp:spPr>
         <a:xfrm>
-          <a:off x="1359509" y="3663953"/>
-          <a:ext cx="4963790" cy="265309"/>
+          <a:off x="1359509" y="4128443"/>
+          <a:ext cx="4963790" cy="298944"/>
         </a:xfrm>
         <a:prstGeom prst="rect">
           <a:avLst/>
@@ -4592,14 +5082,14 @@
             <a:buNone/>
           </a:pPr>
           <a:r>
-            <a:rPr lang="en-US" sz="1600" kern="1200" dirty="0"/>
+            <a:rPr lang="en-US" sz="1600" kern="1200"/>
             <a:t>Functional Requirements</a:t>
           </a:r>
         </a:p>
       </dsp:txBody>
       <dsp:txXfrm>
-        <a:off x="1359509" y="3663953"/>
-        <a:ext cx="4963790" cy="265309"/>
+        <a:off x="1359509" y="4128443"/>
+        <a:ext cx="4963790" cy="298944"/>
       </dsp:txXfrm>
     </dsp:sp>
     <dsp:sp modelId="{C54A5649-F051-2049-9B2F-97CAE569CEC8}">
@@ -4609,7 +5099,7 @@
       </dsp:nvSpPr>
       <dsp:spPr>
         <a:xfrm>
-          <a:off x="1264659" y="3929263"/>
+          <a:off x="1264659" y="4427387"/>
           <a:ext cx="5058640" cy="0"/>
         </a:xfrm>
         <a:prstGeom prst="line">
@@ -4658,8 +5148,8 @@
       </dsp:nvSpPr>
       <dsp:spPr>
         <a:xfrm>
-          <a:off x="1359509" y="3942528"/>
-          <a:ext cx="4963790" cy="265309"/>
+          <a:off x="1359509" y="4442334"/>
+          <a:ext cx="4963790" cy="298944"/>
         </a:xfrm>
         <a:prstGeom prst="rect">
           <a:avLst/>
@@ -4701,14 +5191,14 @@
             <a:buNone/>
           </a:pPr>
           <a:r>
-            <a:rPr lang="en-US" sz="1600" kern="1200" dirty="0"/>
+            <a:rPr lang="en-US" sz="1600" kern="1200"/>
             <a:t>Test Plan</a:t>
           </a:r>
         </a:p>
       </dsp:txBody>
       <dsp:txXfrm>
-        <a:off x="1359509" y="3942528"/>
-        <a:ext cx="4963790" cy="265309"/>
+        <a:off x="1359509" y="4442334"/>
+        <a:ext cx="4963790" cy="298944"/>
       </dsp:txXfrm>
     </dsp:sp>
     <dsp:sp modelId="{609B18A5-B49A-0442-88A5-EE5F99F1C007}">
@@ -4718,7 +5208,7 @@
       </dsp:nvSpPr>
       <dsp:spPr>
         <a:xfrm>
-          <a:off x="1264659" y="4207838"/>
+          <a:off x="1264659" y="4741278"/>
           <a:ext cx="5058640" cy="0"/>
         </a:xfrm>
         <a:prstGeom prst="line">
@@ -4767,8 +5257,8 @@
       </dsp:nvSpPr>
       <dsp:spPr>
         <a:xfrm>
-          <a:off x="1359509" y="4221104"/>
-          <a:ext cx="4963790" cy="265309"/>
+          <a:off x="1359509" y="4756225"/>
+          <a:ext cx="4963790" cy="298944"/>
         </a:xfrm>
         <a:prstGeom prst="rect">
           <a:avLst/>
@@ -4810,14 +5300,14 @@
             <a:buNone/>
           </a:pPr>
           <a:r>
-            <a:rPr lang="en-US" sz="1600" kern="1200" dirty="0"/>
+            <a:rPr lang="en-US" sz="1600" kern="1200"/>
             <a:t>Video Recording</a:t>
           </a:r>
         </a:p>
       </dsp:txBody>
       <dsp:txXfrm>
-        <a:off x="1359509" y="4221104"/>
-        <a:ext cx="4963790" cy="265309"/>
+        <a:off x="1359509" y="4756225"/>
+        <a:ext cx="4963790" cy="298944"/>
       </dsp:txXfrm>
     </dsp:sp>
     <dsp:sp modelId="{1CCD5B01-B570-464A-8563-DA983BBD38D7}">
@@ -4827,7 +5317,7 @@
       </dsp:nvSpPr>
       <dsp:spPr>
         <a:xfrm>
-          <a:off x="1264659" y="4486414"/>
+          <a:off x="1264659" y="5055169"/>
           <a:ext cx="5058640" cy="0"/>
         </a:xfrm>
         <a:prstGeom prst="line">
@@ -4876,8 +5366,8 @@
       </dsp:nvSpPr>
       <dsp:spPr>
         <a:xfrm>
-          <a:off x="1359509" y="4499679"/>
-          <a:ext cx="4963790" cy="265309"/>
+          <a:off x="1359509" y="5070117"/>
+          <a:ext cx="4963790" cy="298944"/>
         </a:xfrm>
         <a:prstGeom prst="rect">
           <a:avLst/>
@@ -4919,14 +5409,14 @@
             <a:buNone/>
           </a:pPr>
           <a:r>
-            <a:rPr lang="en-US" sz="1600" kern="1200" dirty="0"/>
+            <a:rPr lang="en-US" sz="1600" kern="1200"/>
             <a:t>Staffing Plan</a:t>
           </a:r>
         </a:p>
       </dsp:txBody>
       <dsp:txXfrm>
-        <a:off x="1359509" y="4499679"/>
-        <a:ext cx="4963790" cy="265309"/>
+        <a:off x="1359509" y="5070117"/>
+        <a:ext cx="4963790" cy="298944"/>
       </dsp:txXfrm>
     </dsp:sp>
     <dsp:sp modelId="{840C08EE-EB32-7C46-A35E-C3D9BEF2755D}">
@@ -4936,7 +5426,7 @@
       </dsp:nvSpPr>
       <dsp:spPr>
         <a:xfrm>
-          <a:off x="1264659" y="4764989"/>
+          <a:off x="1264659" y="5369061"/>
           <a:ext cx="5058640" cy="0"/>
         </a:xfrm>
         <a:prstGeom prst="line">
@@ -4985,8 +5475,8 @@
       </dsp:nvSpPr>
       <dsp:spPr>
         <a:xfrm>
-          <a:off x="1359509" y="4778255"/>
-          <a:ext cx="4963790" cy="265309"/>
+          <a:off x="1359509" y="5384008"/>
+          <a:ext cx="4963790" cy="298944"/>
         </a:xfrm>
         <a:prstGeom prst="rect">
           <a:avLst/>
@@ -5028,14 +5518,14 @@
             <a:buNone/>
           </a:pPr>
           <a:r>
-            <a:rPr lang="en-US" sz="1600" kern="1200" dirty="0"/>
+            <a:rPr lang="en-US" sz="1600" kern="1200"/>
             <a:t>Requirement sign-off table</a:t>
           </a:r>
         </a:p>
       </dsp:txBody>
       <dsp:txXfrm>
-        <a:off x="1359509" y="4778255"/>
-        <a:ext cx="4963790" cy="265309"/>
+        <a:off x="1359509" y="5384008"/>
+        <a:ext cx="4963790" cy="298944"/>
       </dsp:txXfrm>
     </dsp:sp>
     <dsp:sp modelId="{C4C5626B-E9D1-9B43-8230-BCD68E01DF35}">
@@ -5045,7 +5535,7 @@
       </dsp:nvSpPr>
       <dsp:spPr>
         <a:xfrm>
-          <a:off x="1264659" y="5043565"/>
+          <a:off x="1264659" y="5682952"/>
           <a:ext cx="5058640" cy="0"/>
         </a:xfrm>
         <a:prstGeom prst="line">
@@ -6954,7 +7444,7 @@
           <a:p>
             <a:fld id="{BBEAA5CE-A103-024C-8EA6-A9DCA3AF4C28}" type="datetimeFigureOut">
               <a:rPr lang="en-US" smtClean="0"/>
-              <a:t>12/4/23</a:t>
+              <a:t>12/5/2023</a:t>
             </a:fld>
             <a:endParaRPr lang="en-US"/>
           </a:p>
@@ -7152,7 +7642,7 @@
           <a:p>
             <a:fld id="{BBEAA5CE-A103-024C-8EA6-A9DCA3AF4C28}" type="datetimeFigureOut">
               <a:rPr lang="en-US" smtClean="0"/>
-              <a:t>12/4/23</a:t>
+              <a:t>12/5/2023</a:t>
             </a:fld>
             <a:endParaRPr lang="en-US"/>
           </a:p>
@@ -7360,7 +7850,7 @@
           <a:p>
             <a:fld id="{BBEAA5CE-A103-024C-8EA6-A9DCA3AF4C28}" type="datetimeFigureOut">
               <a:rPr lang="en-US" smtClean="0"/>
-              <a:t>12/4/23</a:t>
+              <a:t>12/5/2023</a:t>
             </a:fld>
             <a:endParaRPr lang="en-US"/>
           </a:p>
@@ -7558,7 +8048,7 @@
           <a:p>
             <a:fld id="{BBEAA5CE-A103-024C-8EA6-A9DCA3AF4C28}" type="datetimeFigureOut">
               <a:rPr lang="en-US" smtClean="0"/>
-              <a:t>12/4/23</a:t>
+              <a:t>12/5/2023</a:t>
             </a:fld>
             <a:endParaRPr lang="en-US"/>
           </a:p>
@@ -7833,7 +8323,7 @@
           <a:p>
             <a:fld id="{BBEAA5CE-A103-024C-8EA6-A9DCA3AF4C28}" type="datetimeFigureOut">
               <a:rPr lang="en-US" smtClean="0"/>
-              <a:t>12/4/23</a:t>
+              <a:t>12/5/2023</a:t>
             </a:fld>
             <a:endParaRPr lang="en-US"/>
           </a:p>
@@ -8098,7 +8588,7 @@
           <a:p>
             <a:fld id="{BBEAA5CE-A103-024C-8EA6-A9DCA3AF4C28}" type="datetimeFigureOut">
               <a:rPr lang="en-US" smtClean="0"/>
-              <a:t>12/4/23</a:t>
+              <a:t>12/5/2023</a:t>
             </a:fld>
             <a:endParaRPr lang="en-US"/>
           </a:p>
@@ -8510,7 +9000,7 @@
           <a:p>
             <a:fld id="{BBEAA5CE-A103-024C-8EA6-A9DCA3AF4C28}" type="datetimeFigureOut">
               <a:rPr lang="en-US" smtClean="0"/>
-              <a:t>12/4/23</a:t>
+              <a:t>12/5/2023</a:t>
             </a:fld>
             <a:endParaRPr lang="en-US"/>
           </a:p>
@@ -8651,7 +9141,7 @@
           <a:p>
             <a:fld id="{BBEAA5CE-A103-024C-8EA6-A9DCA3AF4C28}" type="datetimeFigureOut">
               <a:rPr lang="en-US" smtClean="0"/>
-              <a:t>12/4/23</a:t>
+              <a:t>12/5/2023</a:t>
             </a:fld>
             <a:endParaRPr lang="en-US"/>
           </a:p>
@@ -8764,7 +9254,7 @@
           <a:p>
             <a:fld id="{BBEAA5CE-A103-024C-8EA6-A9DCA3AF4C28}" type="datetimeFigureOut">
               <a:rPr lang="en-US" smtClean="0"/>
-              <a:t>12/4/23</a:t>
+              <a:t>12/5/2023</a:t>
             </a:fld>
             <a:endParaRPr lang="en-US"/>
           </a:p>
@@ -9075,7 +9565,7 @@
           <a:p>
             <a:fld id="{BBEAA5CE-A103-024C-8EA6-A9DCA3AF4C28}" type="datetimeFigureOut">
               <a:rPr lang="en-US" smtClean="0"/>
-              <a:t>12/4/23</a:t>
+              <a:t>12/5/2023</a:t>
             </a:fld>
             <a:endParaRPr lang="en-US"/>
           </a:p>
@@ -9363,7 +9853,7 @@
           <a:p>
             <a:fld id="{BBEAA5CE-A103-024C-8EA6-A9DCA3AF4C28}" type="datetimeFigureOut">
               <a:rPr lang="en-US" smtClean="0"/>
-              <a:t>12/4/23</a:t>
+              <a:t>12/5/2023</a:t>
             </a:fld>
             <a:endParaRPr lang="en-US"/>
           </a:p>
@@ -9604,7 +10094,7 @@
           <a:p>
             <a:fld id="{BBEAA5CE-A103-024C-8EA6-A9DCA3AF4C28}" type="datetimeFigureOut">
               <a:rPr lang="en-US" smtClean="0"/>
-              <a:t>12/4/23</a:t>
+              <a:t>12/5/2023</a:t>
             </a:fld>
             <a:endParaRPr lang="en-US"/>
           </a:p>
@@ -10731,7 +11221,7 @@
               <p:nvPr/>
             </p:nvPicPr>
             <p:blipFill>
-              <a:blip r:embed="rId4"/>
+              <a:blip r:embed="rId6"/>
               <a:stretch>
                 <a:fillRect/>
               </a:stretch>
@@ -10770,7 +11260,7 @@
         </p:grpSpPr>
         <mc:AlternateContent xmlns:mc="http://schemas.openxmlformats.org/markup-compatibility/2006" xmlns:p14="http://schemas.microsoft.com/office/powerpoint/2010/main">
           <mc:Choice Requires="p14">
-            <p:contentPart p14:bwMode="auto" r:id="rId6">
+            <p:contentPart p14:bwMode="auto" r:id="rId7">
               <p14:nvContentPartPr>
                 <p14:cNvPr id="21" name="Ink 20">
                   <a:extLst>
@@ -10821,7 +11311,7 @@
         </mc:AlternateContent>
         <mc:AlternateContent xmlns:mc="http://schemas.openxmlformats.org/markup-compatibility/2006" xmlns:p14="http://schemas.microsoft.com/office/powerpoint/2010/main">
           <mc:Choice Requires="p14">
-            <p:contentPart p14:bwMode="auto" r:id="rId7">
+            <p:contentPart p14:bwMode="auto" r:id="rId8">
               <p14:nvContentPartPr>
                 <p14:cNvPr id="22" name="Ink 21">
                   <a:extLst>
@@ -10853,7 +11343,7 @@
                 <p:nvPr/>
               </p:nvPicPr>
               <p:blipFill>
-                <a:blip r:embed="rId8"/>
+                <a:blip r:embed="rId9"/>
                 <a:stretch>
                   <a:fillRect/>
                 </a:stretch>
@@ -10873,7 +11363,7 @@
       </p:grpSp>
       <mc:AlternateContent xmlns:mc="http://schemas.openxmlformats.org/markup-compatibility/2006" xmlns:p14="http://schemas.microsoft.com/office/powerpoint/2010/main">
         <mc:Choice Requires="p14">
-          <p:contentPart p14:bwMode="auto" r:id="rId9">
+          <p:contentPart p14:bwMode="auto" r:id="rId10">
             <p14:nvContentPartPr>
               <p14:cNvPr id="23" name="Ink 22">
                 <a:extLst>
@@ -10905,7 +11395,7 @@
               <p:nvPr/>
             </p:nvPicPr>
             <p:blipFill>
-              <a:blip r:embed="rId10"/>
+              <a:blip r:embed="rId11"/>
               <a:stretch>
                 <a:fillRect/>
               </a:stretch>
@@ -10924,7 +11414,7 @@
       </mc:AlternateContent>
       <mc:AlternateContent xmlns:mc="http://schemas.openxmlformats.org/markup-compatibility/2006" xmlns:p14="http://schemas.microsoft.com/office/powerpoint/2010/main">
         <mc:Choice Requires="p14">
-          <p:contentPart p14:bwMode="auto" r:id="rId11">
+          <p:contentPart p14:bwMode="auto" r:id="rId12">
             <p14:nvContentPartPr>
               <p14:cNvPr id="25" name="Ink 24">
                 <a:extLst>
@@ -10956,7 +11446,7 @@
               <p:nvPr/>
             </p:nvPicPr>
             <p:blipFill>
-              <a:blip r:embed="rId8"/>
+              <a:blip r:embed="rId9"/>
               <a:stretch>
                 <a:fillRect/>
               </a:stretch>
@@ -10995,7 +11485,7 @@
         </p:grpSpPr>
         <mc:AlternateContent xmlns:mc="http://schemas.openxmlformats.org/markup-compatibility/2006" xmlns:p14="http://schemas.microsoft.com/office/powerpoint/2010/main">
           <mc:Choice Requires="p14">
-            <p:contentPart p14:bwMode="auto" r:id="rId12">
+            <p:contentPart p14:bwMode="auto" r:id="rId13">
               <p14:nvContentPartPr>
                 <p14:cNvPr id="26" name="Ink 25">
                   <a:extLst>
@@ -11027,7 +11517,7 @@
                 <p:nvPr/>
               </p:nvPicPr>
               <p:blipFill>
-                <a:blip r:embed="rId8"/>
+                <a:blip r:embed="rId9"/>
                 <a:stretch>
                   <a:fillRect/>
                 </a:stretch>
@@ -11046,7 +11536,7 @@
         </mc:AlternateContent>
         <mc:AlternateContent xmlns:mc="http://schemas.openxmlformats.org/markup-compatibility/2006" xmlns:p14="http://schemas.microsoft.com/office/powerpoint/2010/main">
           <mc:Choice Requires="p14">
-            <p:contentPart p14:bwMode="auto" r:id="rId13">
+            <p:contentPart p14:bwMode="auto" r:id="rId14">
               <p14:nvContentPartPr>
                 <p14:cNvPr id="27" name="Ink 26">
                   <a:extLst>
@@ -11078,7 +11568,7 @@
                 <p:nvPr/>
               </p:nvPicPr>
               <p:blipFill>
-                <a:blip r:embed="rId8"/>
+                <a:blip r:embed="rId9"/>
                 <a:stretch>
                   <a:fillRect/>
                 </a:stretch>
@@ -11420,15 +11910,17 @@
               <a:buNone/>
             </a:pPr>
             <a:r>
-              <a:rPr lang="en-US" sz="1700" b="0" i="0" u="sng" strike="noStrike">
+              <a:rPr lang="en-US" sz="1700" b="0" i="0" u="sng" strike="noStrike" dirty="0">
                 <a:effectLst/>
-                <a:latin typeface="Roboto" panose="02000000000000000000" pitchFamily="2" charset="0"/>
+                <a:latin typeface="Roboto"/>
+                <a:ea typeface="Roboto"/>
+                <a:cs typeface="Roboto"/>
               </a:rPr>
               <a:t>Did we face any challenges?</a:t>
             </a:r>
           </a:p>
           <a:p>
-            <a:pPr marL="0" indent="0" algn="ctr" rtl="0">
+            <a:pPr marL="0" indent="0" algn="ctr">
               <a:lnSpc>
                 <a:spcPct val="100000"/>
               </a:lnSpc>
@@ -11441,14 +11933,21 @@
               <a:buNone/>
             </a:pPr>
             <a:r>
-              <a:rPr lang="en-US" sz="1700">
-                <a:latin typeface="Roboto" panose="02000000000000000000" pitchFamily="2" charset="0"/>
+              <a:rPr lang="en-US" sz="1700" dirty="0">
+                <a:latin typeface="Roboto"/>
+                <a:ea typeface="Roboto"/>
+                <a:cs typeface="Roboto"/>
               </a:rPr>
-              <a:t>Yes. As a group we faced many challenges. </a:t>
+              <a:t>Yes. As a group we faced many challenges. </a:t>
             </a:r>
+            <a:endParaRPr lang="en-US" sz="1700" dirty="0">
+              <a:latin typeface="Roboto" panose="02000000000000000000" pitchFamily="2" charset="0"/>
+              <a:ea typeface="Roboto"/>
+              <a:cs typeface="Roboto"/>
+            </a:endParaRPr>
           </a:p>
           <a:p>
-            <a:pPr marL="0" indent="0" algn="ctr" rtl="0">
+            <a:pPr marL="0" indent="0" algn="ctr">
               <a:lnSpc>
                 <a:spcPct val="100000"/>
               </a:lnSpc>
@@ -11461,14 +11960,16 @@
               <a:buNone/>
             </a:pPr>
             <a:r>
-              <a:rPr lang="en-US" sz="1700">
-                <a:latin typeface="Roboto" panose="02000000000000000000" pitchFamily="2" charset="0"/>
+              <a:rPr lang="en-US" sz="1700" dirty="0">
+                <a:latin typeface="Roboto"/>
+                <a:ea typeface="Roboto"/>
+                <a:cs typeface="Roboto"/>
               </a:rPr>
-              <a:t>#1 being our time schedules to meet up and work on it together.</a:t>
+              <a:t>#1. Managing our schedules to meet up and work on it together.</a:t>
             </a:r>
           </a:p>
           <a:p>
-            <a:pPr marL="0" indent="0" algn="ctr" rtl="0">
+            <a:pPr marL="0" indent="0" algn="ctr">
               <a:lnSpc>
                 <a:spcPct val="100000"/>
               </a:lnSpc>
@@ -11481,14 +11982,16 @@
               <a:buNone/>
             </a:pPr>
             <a:r>
-              <a:rPr lang="en-US" sz="1700">
-                <a:latin typeface="Roboto" panose="02000000000000000000" pitchFamily="2" charset="0"/>
+              <a:rPr lang="en-US" sz="1700" dirty="0">
+                <a:latin typeface="Roboto"/>
+                <a:ea typeface="Roboto"/>
+                <a:cs typeface="Roboto"/>
               </a:rPr>
-              <a:t>&amp;</a:t>
+              <a:t>#2. Finding the degree of the angle for our robot to turn to.</a:t>
             </a:r>
           </a:p>
           <a:p>
-            <a:pPr marL="0" indent="0" algn="ctr" rtl="0">
+            <a:pPr marL="0" indent="0" algn="ctr">
               <a:lnSpc>
                 <a:spcPct val="100000"/>
               </a:lnSpc>
@@ -11501,10 +12004,12 @@
               <a:buNone/>
             </a:pPr>
             <a:r>
-              <a:rPr lang="en-US" sz="1700">
-                <a:latin typeface="Roboto" panose="02000000000000000000" pitchFamily="2" charset="0"/>
+              <a:rPr lang="en-US" sz="1700" dirty="0">
+                <a:latin typeface="Roboto"/>
+                <a:ea typeface="Roboto"/>
+                <a:cs typeface="Roboto"/>
               </a:rPr>
-              <a:t>#2 finding the degree of the angle for our robot to turn to.</a:t>
+              <a:t>#3. Robot inaccuracies with the block code.</a:t>
             </a:r>
           </a:p>
         </p:txBody>
@@ -11824,14 +12329,14 @@
           <p:nvPr>
             <p:extLst>
               <p:ext uri="{D42A27DB-BD31-4B8C-83A1-F6EECF244321}">
-                <p14:modId xmlns:p14="http://schemas.microsoft.com/office/powerpoint/2010/main" val="3383225258"/>
+                <p14:modId xmlns:p14="http://schemas.microsoft.com/office/powerpoint/2010/main" val="4057410536"/>
               </p:ext>
             </p:extLst>
           </p:nvPr>
         </p:nvGraphicFramePr>
         <p:xfrm>
-          <a:off x="5334118" y="899298"/>
-          <a:ext cx="6323300" cy="5059404"/>
+          <a:off x="5334118" y="515557"/>
+          <a:ext cx="6323300" cy="5700799"/>
         </p:xfrm>
         <a:graphic>
           <a:graphicData uri="http://schemas.openxmlformats.org/drawingml/2006/diagram">
@@ -12248,7 +12753,7 @@
                 <a:ea typeface="Roboto"/>
                 <a:cs typeface="Roboto"/>
               </a:rPr>
-              <a:t>What we learned about Software Engineering throughout the course of this project is how crucial communication is to the entire process as well as how important .</a:t>
+              <a:t>What we learned about Software Engineering throughout the course of this project is how crucial communication is to the entire process as well as how important.</a:t>
             </a:r>
             <a:endParaRPr lang="en-US" sz="2200">
               <a:latin typeface="Roboto" panose="02000000000000000000" pitchFamily="2" charset="0"/>
@@ -12355,7 +12860,7 @@
                 <a:ea typeface="Roboto"/>
                 <a:cs typeface="Roboto"/>
               </a:rPr>
-              <a:t>What we would have done differently is in this project is get rid of any distractions that may have delayed our testing</a:t>
+              <a:t>What we would have done differently in this project is to get rid of any distractions that may have delayed our testing.</a:t>
             </a:r>
             <a:endParaRPr lang="en-US"/>
           </a:p>
@@ -12406,7 +12911,7 @@
           <p:nvPr/>
         </p:nvPicPr>
         <p:blipFill rotWithShape="1">
-          <a:blip r:embed="rId2"/>
+          <a:blip r:embed="rId3"/>
           <a:srcRect b="42223"/>
           <a:stretch/>
         </p:blipFill>
@@ -12435,7 +12940,7 @@
           <p:nvPr/>
         </p:nvPicPr>
         <p:blipFill>
-          <a:blip r:embed="rId3"/>
+          <a:blip r:embed="rId4"/>
           <a:stretch>
             <a:fillRect/>
           </a:stretch>
@@ -12464,8 +12969,8 @@
         </p:nvSpPr>
         <p:spPr>
           <a:xfrm>
-            <a:off x="5122223" y="2982724"/>
-            <a:ext cx="4678878" cy="892552"/>
+            <a:off x="5122223" y="581602"/>
+            <a:ext cx="4678878" cy="1292662"/>
           </a:xfrm>
           <a:prstGeom prst="rect">
             <a:avLst/>
@@ -12473,7 +12978,7 @@
           <a:noFill/>
         </p:spPr>
         <p:txBody>
-          <a:bodyPr wrap="square" rtlCol="0">
+          <a:bodyPr wrap="square" lIns="91440" tIns="45720" rIns="91440" bIns="45720" rtlCol="0" anchor="t">
             <a:spAutoFit/>
           </a:bodyPr>
           <a:lstStyle/>
@@ -12481,7 +12986,7 @@
             <a:pPr algn="ctr"/>
             <a:r>
               <a:rPr lang="en-US" sz="2600">
-                <a:latin typeface="Chalkboard" panose="03050602040202020205" pitchFamily="66" charset="77"/>
+                <a:latin typeface="Chalkboard"/>
               </a:rPr>
               <a:t>Link to view our video:</a:t>
             </a:r>
@@ -12490,11 +12995,14 @@
             <a:pPr algn="ctr"/>
             <a:r>
               <a:rPr lang="en-US" sz="2600">
-                <a:latin typeface="Chalkboard" panose="03050602040202020205" pitchFamily="66" charset="77"/>
-                <a:hlinkClick r:id="rId4"/>
+                <a:latin typeface="Chalkboard"/>
+                <a:hlinkClick r:id="rId5"/>
               </a:rPr>
               <a:t>CS104 Sprint 4-Agility video</a:t>
             </a:r>
+          </a:p>
+          <a:p>
+            <a:pPr algn="ctr"/>
             <a:endParaRPr lang="en-US" sz="2600">
               <a:latin typeface="Chalkboard" panose="03050602040202020205" pitchFamily="66" charset="77"/>
             </a:endParaRPr>
@@ -12515,7 +13023,7 @@
         </p:nvSpPr>
         <p:spPr>
           <a:xfrm>
-            <a:off x="4850353" y="3429000"/>
+            <a:off x="4850353" y="967576"/>
             <a:ext cx="543739" cy="523220"/>
           </a:xfrm>
           <a:prstGeom prst="rect">
@@ -12550,8 +13058,258 @@
         </p:nvSpPr>
         <p:spPr>
           <a:xfrm>
-            <a:off x="9529232" y="3429000"/>
-            <a:ext cx="543739" cy="523220"/>
+            <a:off x="9562124" y="967576"/>
+            <a:ext cx="678391" cy="523220"/>
+          </a:xfrm>
+          <a:prstGeom prst="rect">
+            <a:avLst/>
+          </a:prstGeom>
+          <a:noFill/>
+        </p:spPr>
+        <p:txBody>
+          <a:bodyPr wrap="none" lIns="91440" tIns="45720" rIns="91440" bIns="45720" rtlCol="0" anchor="t">
+            <a:spAutoFit/>
+          </a:bodyPr>
+          <a:lstStyle/>
+          <a:p>
+            <a:r>
+              <a:rPr lang="en-US" sz="2800"/>
+              <a:t>✨</a:t>
+            </a:r>
+          </a:p>
+        </p:txBody>
+      </p:sp>
+      <p:pic>
+        <p:nvPicPr>
+          <p:cNvPr id="3" name="Online Media 2" title="CS104 Sprint 4-Agility video">
+            <a:hlinkClick r:id="" action="ppaction://media"/>
+            <a:extLst>
+              <a:ext uri="{FF2B5EF4-FFF2-40B4-BE49-F238E27FC236}">
+                <a16:creationId xmlns:a16="http://schemas.microsoft.com/office/drawing/2014/main" id="{157A7E38-4F4A-7546-C6EE-8552DC309976}"/>
+              </a:ext>
+            </a:extLst>
+          </p:cNvPr>
+          <p:cNvPicPr>
+            <a:picLocks noRot="1" noChangeAspect="1"/>
+          </p:cNvPicPr>
+          <p:nvPr>
+            <a:videoFile r:link="rId1"/>
+          </p:nvPr>
+        </p:nvPicPr>
+        <p:blipFill>
+          <a:blip r:embed="rId6"/>
+          <a:stretch>
+            <a:fillRect/>
+          </a:stretch>
+        </p:blipFill>
+        <p:spPr>
+          <a:xfrm>
+            <a:off x="3879708" y="1715558"/>
+            <a:ext cx="7168041" cy="4740846"/>
+          </a:xfrm>
+          <a:prstGeom prst="rect">
+            <a:avLst/>
+          </a:prstGeom>
+        </p:spPr>
+      </p:pic>
+    </p:spTree>
+    <p:extLst>
+      <p:ext uri="{BB962C8B-B14F-4D97-AF65-F5344CB8AC3E}">
+        <p14:creationId xmlns:p14="http://schemas.microsoft.com/office/powerpoint/2010/main" val="1130445123"/>
+      </p:ext>
+    </p:extLst>
+  </p:cSld>
+  <p:clrMapOvr>
+    <a:masterClrMapping/>
+  </p:clrMapOvr>
+</p:sld>
+</file>
+
+<file path=ppt/slides/slide6.xml><?xml version="1.0" encoding="utf-8"?>
+<p:sld xmlns:a="http://schemas.openxmlformats.org/drawingml/2006/main" xmlns:r="http://schemas.openxmlformats.org/officeDocument/2006/relationships" xmlns:p="http://schemas.openxmlformats.org/presentationml/2006/main">
+  <p:cSld>
+    <p:spTree>
+      <p:nvGrpSpPr>
+        <p:cNvPr id="1" name=""/>
+        <p:cNvGrpSpPr/>
+        <p:nvPr/>
+      </p:nvGrpSpPr>
+      <p:grpSpPr>
+        <a:xfrm>
+          <a:off x="0" y="0"/>
+          <a:ext cx="0" cy="0"/>
+          <a:chOff x="0" y="0"/>
+          <a:chExt cx="0" cy="0"/>
+        </a:xfrm>
+      </p:grpSpPr>
+      <p:sp>
+        <p:nvSpPr>
+          <p:cNvPr id="11" name="Right Arrow 10">
+            <a:extLst>
+              <a:ext uri="{FF2B5EF4-FFF2-40B4-BE49-F238E27FC236}">
+                <a16:creationId xmlns:a16="http://schemas.microsoft.com/office/drawing/2014/main" id="{0C4CCB83-CF88-310A-0F4F-A38C8FF90949}"/>
+              </a:ext>
+            </a:extLst>
+          </p:cNvPr>
+          <p:cNvSpPr/>
+          <p:nvPr/>
+        </p:nvSpPr>
+        <p:spPr>
+          <a:xfrm>
+            <a:off x="3951723" y="3372657"/>
+            <a:ext cx="5439310" cy="1224725"/>
+          </a:xfrm>
+          <a:prstGeom prst="rightArrow">
+            <a:avLst/>
+          </a:prstGeom>
+        </p:spPr>
+        <p:style>
+          <a:lnRef idx="2">
+            <a:schemeClr val="accent1">
+              <a:shade val="15000"/>
+            </a:schemeClr>
+          </a:lnRef>
+          <a:fillRef idx="1">
+            <a:schemeClr val="accent1"/>
+          </a:fillRef>
+          <a:effectRef idx="0">
+            <a:schemeClr val="accent1"/>
+          </a:effectRef>
+          <a:fontRef idx="minor">
+            <a:schemeClr val="lt1"/>
+          </a:fontRef>
+        </p:style>
+        <p:txBody>
+          <a:bodyPr rtlCol="0" anchor="ctr"/>
+          <a:lstStyle/>
+          <a:p>
+            <a:pPr algn="ctr"/>
+            <a:endParaRPr lang="en-US"/>
+          </a:p>
+        </p:txBody>
+      </p:sp>
+      <p:sp>
+        <p:nvSpPr>
+          <p:cNvPr id="10" name="Left Arrow 9">
+            <a:extLst>
+              <a:ext uri="{FF2B5EF4-FFF2-40B4-BE49-F238E27FC236}">
+                <a16:creationId xmlns:a16="http://schemas.microsoft.com/office/drawing/2014/main" id="{9C3CE90A-981F-B83E-0898-436865242532}"/>
+              </a:ext>
+            </a:extLst>
+          </p:cNvPr>
+          <p:cNvSpPr/>
+          <p:nvPr/>
+        </p:nvSpPr>
+        <p:spPr>
+          <a:xfrm>
+            <a:off x="2437833" y="1541448"/>
+            <a:ext cx="5439310" cy="1223196"/>
+          </a:xfrm>
+          <a:prstGeom prst="leftArrow">
+            <a:avLst/>
+          </a:prstGeom>
+        </p:spPr>
+        <p:style>
+          <a:lnRef idx="2">
+            <a:schemeClr val="accent1">
+              <a:shade val="15000"/>
+            </a:schemeClr>
+          </a:lnRef>
+          <a:fillRef idx="1">
+            <a:schemeClr val="accent1"/>
+          </a:fillRef>
+          <a:effectRef idx="0">
+            <a:schemeClr val="accent1"/>
+          </a:effectRef>
+          <a:fontRef idx="minor">
+            <a:schemeClr val="lt1"/>
+          </a:fontRef>
+        </p:style>
+        <p:txBody>
+          <a:bodyPr rtlCol="0" anchor="ctr"/>
+          <a:lstStyle/>
+          <a:p>
+            <a:pPr algn="ctr"/>
+            <a:endParaRPr lang="en-US"/>
+          </a:p>
+        </p:txBody>
+      </p:sp>
+      <p:pic>
+        <p:nvPicPr>
+          <p:cNvPr id="9" name="Picture 8" descr="A screenshot of a phone&#10;&#10;Description automatically generated">
+            <a:extLst>
+              <a:ext uri="{FF2B5EF4-FFF2-40B4-BE49-F238E27FC236}">
+                <a16:creationId xmlns:a16="http://schemas.microsoft.com/office/drawing/2014/main" id="{E45B77D9-3D51-F9FC-12F8-9D67096E1AAC}"/>
+              </a:ext>
+            </a:extLst>
+          </p:cNvPr>
+          <p:cNvPicPr>
+            <a:picLocks noChangeAspect="1"/>
+          </p:cNvPicPr>
+          <p:nvPr/>
+        </p:nvPicPr>
+        <p:blipFill>
+          <a:blip r:embed="rId2"/>
+          <a:stretch>
+            <a:fillRect/>
+          </a:stretch>
+        </p:blipFill>
+        <p:spPr>
+          <a:xfrm>
+            <a:off x="9668600" y="1053424"/>
+            <a:ext cx="1833146" cy="5791961"/>
+          </a:xfrm>
+          <a:prstGeom prst="rect">
+            <a:avLst/>
+          </a:prstGeom>
+        </p:spPr>
+      </p:pic>
+      <p:pic>
+        <p:nvPicPr>
+          <p:cNvPr id="7" name="Picture 6" descr="A screenshot of a phone&#10;&#10;Description automatically generated">
+            <a:extLst>
+              <a:ext uri="{FF2B5EF4-FFF2-40B4-BE49-F238E27FC236}">
+                <a16:creationId xmlns:a16="http://schemas.microsoft.com/office/drawing/2014/main" id="{C6C438F6-B645-A0F5-546F-62D292BB2295}"/>
+              </a:ext>
+            </a:extLst>
+          </p:cNvPr>
+          <p:cNvPicPr>
+            <a:picLocks noChangeAspect="1"/>
+          </p:cNvPicPr>
+          <p:nvPr/>
+        </p:nvPicPr>
+        <p:blipFill>
+          <a:blip r:embed="rId3"/>
+          <a:stretch>
+            <a:fillRect/>
+          </a:stretch>
+        </p:blipFill>
+        <p:spPr>
+          <a:xfrm>
+            <a:off x="0" y="1066039"/>
+            <a:ext cx="2437833" cy="5779346"/>
+          </a:xfrm>
+          <a:prstGeom prst="rect">
+            <a:avLst/>
+          </a:prstGeom>
+        </p:spPr>
+      </p:pic>
+      <p:sp>
+        <p:nvSpPr>
+          <p:cNvPr id="2" name="TextBox 1">
+            <a:extLst>
+              <a:ext uri="{FF2B5EF4-FFF2-40B4-BE49-F238E27FC236}">
+                <a16:creationId xmlns:a16="http://schemas.microsoft.com/office/drawing/2014/main" id="{A1C46EF6-70AD-B6C8-380D-80E99817A174}"/>
+              </a:ext>
+            </a:extLst>
+          </p:cNvPr>
+          <p:cNvSpPr txBox="1"/>
+          <p:nvPr/>
+        </p:nvSpPr>
+        <p:spPr>
+          <a:xfrm>
+            <a:off x="1493874" y="481264"/>
+            <a:ext cx="9204251" cy="584775"/>
           </a:xfrm>
           <a:prstGeom prst="rect">
             <a:avLst/>
@@ -12565,16 +13323,132 @@
           <a:lstStyle/>
           <a:p>
             <a:r>
-              <a:rPr lang="en-US" sz="2800"/>
-              <a:t>✨</a:t>
+              <a:rPr lang="en-US" sz="3200">
+                <a:latin typeface="Chalkboard" panose="03050602040202020205" pitchFamily="66" charset="77"/>
+              </a:rPr>
+              <a:t>Links to view our Endurance and Accuracy video:</a:t>
             </a:r>
+          </a:p>
+        </p:txBody>
+      </p:sp>
+      <p:sp>
+        <p:nvSpPr>
+          <p:cNvPr id="3" name="TextBox 2">
+            <a:extLst>
+              <a:ext uri="{FF2B5EF4-FFF2-40B4-BE49-F238E27FC236}">
+                <a16:creationId xmlns:a16="http://schemas.microsoft.com/office/drawing/2014/main" id="{F96FF5EB-A203-CABE-7B81-8A2EA5D5F1F2}"/>
+              </a:ext>
+            </a:extLst>
+          </p:cNvPr>
+          <p:cNvSpPr txBox="1"/>
+          <p:nvPr/>
+        </p:nvSpPr>
+        <p:spPr>
+          <a:xfrm>
+            <a:off x="2540609" y="1891436"/>
+            <a:ext cx="5439310" cy="523220"/>
+          </a:xfrm>
+          <a:prstGeom prst="rect">
+            <a:avLst/>
+          </a:prstGeom>
+          <a:noFill/>
+        </p:spPr>
+        <p:txBody>
+          <a:bodyPr wrap="none" rtlCol="0">
+            <a:spAutoFit/>
+          </a:bodyPr>
+          <a:lstStyle/>
+          <a:p>
+            <a:r>
+              <a:rPr lang="en-US" sz="2800">
+                <a:solidFill>
+                  <a:schemeClr val="accent6"/>
+                </a:solidFill>
+                <a:latin typeface="Roboto" panose="02000000000000000000" pitchFamily="2" charset="0"/>
+                <a:ea typeface="Roboto" panose="02000000000000000000" pitchFamily="2" charset="0"/>
+                <a:cs typeface="Roboto" panose="02000000000000000000" pitchFamily="2" charset="0"/>
+                <a:hlinkClick r:id="rId4">
+                  <a:extLst>
+                    <a:ext uri="{A12FA001-AC4F-418D-AE19-62706E023703}">
+                      <ahyp:hlinkClr xmlns:ahyp="http://schemas.microsoft.com/office/drawing/2018/hyperlinkcolor" val="tx"/>
+                    </a:ext>
+                  </a:extLst>
+                </a:hlinkClick>
+              </a:rPr>
+              <a:t>CS104 Sprint 1–Endurance video</a:t>
+            </a:r>
+            <a:endParaRPr lang="en-US" sz="2800">
+              <a:solidFill>
+                <a:schemeClr val="accent6"/>
+              </a:solidFill>
+              <a:latin typeface="Roboto" panose="02000000000000000000" pitchFamily="2" charset="0"/>
+              <a:ea typeface="Roboto" panose="02000000000000000000" pitchFamily="2" charset="0"/>
+              <a:cs typeface="Roboto" panose="02000000000000000000" pitchFamily="2" charset="0"/>
+            </a:endParaRPr>
+          </a:p>
+        </p:txBody>
+      </p:sp>
+      <p:sp>
+        <p:nvSpPr>
+          <p:cNvPr id="4" name="TextBox 3">
+            <a:extLst>
+              <a:ext uri="{FF2B5EF4-FFF2-40B4-BE49-F238E27FC236}">
+                <a16:creationId xmlns:a16="http://schemas.microsoft.com/office/drawing/2014/main" id="{756DEB57-7CF7-1784-41BE-5B392D98A0C0}"/>
+              </a:ext>
+            </a:extLst>
+          </p:cNvPr>
+          <p:cNvSpPr txBox="1"/>
+          <p:nvPr/>
+        </p:nvSpPr>
+        <p:spPr>
+          <a:xfrm>
+            <a:off x="3951723" y="3708920"/>
+            <a:ext cx="5224507" cy="523220"/>
+          </a:xfrm>
+          <a:prstGeom prst="rect">
+            <a:avLst/>
+          </a:prstGeom>
+          <a:noFill/>
+        </p:spPr>
+        <p:txBody>
+          <a:bodyPr wrap="none" rtlCol="0">
+            <a:spAutoFit/>
+          </a:bodyPr>
+          <a:lstStyle/>
+          <a:p>
+            <a:r>
+              <a:rPr lang="en-US" sz="2800">
+                <a:solidFill>
+                  <a:schemeClr val="accent6"/>
+                </a:solidFill>
+                <a:latin typeface="Roboto" panose="02000000000000000000" pitchFamily="2" charset="0"/>
+                <a:ea typeface="Roboto" panose="02000000000000000000" pitchFamily="2" charset="0"/>
+                <a:cs typeface="Roboto" panose="02000000000000000000" pitchFamily="2" charset="0"/>
+                <a:hlinkClick r:id="rId5">
+                  <a:extLst>
+                    <a:ext uri="{A12FA001-AC4F-418D-AE19-62706E023703}">
+                      <ahyp:hlinkClr xmlns:ahyp="http://schemas.microsoft.com/office/drawing/2018/hyperlinkcolor" val="tx"/>
+                    </a:ext>
+                  </a:extLst>
+                </a:hlinkClick>
+              </a:rPr>
+              <a:t>CS104 Sprint 2–Accuracy video</a:t>
+            </a:r>
+            <a:endParaRPr lang="en-US" sz="2800">
+              <a:solidFill>
+                <a:schemeClr val="accent6"/>
+              </a:solidFill>
+              <a:latin typeface="Roboto" panose="02000000000000000000" pitchFamily="2" charset="0"/>
+              <a:ea typeface="Roboto" panose="02000000000000000000" pitchFamily="2" charset="0"/>
+              <a:cs typeface="Roboto" panose="02000000000000000000" pitchFamily="2" charset="0"/>
+            </a:endParaRPr>
           </a:p>
         </p:txBody>
       </p:sp>
     </p:spTree>
     <p:extLst>
       <p:ext uri="{BB962C8B-B14F-4D97-AF65-F5344CB8AC3E}">
-        <p14:creationId xmlns:p14="http://schemas.microsoft.com/office/powerpoint/2010/main" val="1130445123"/>
+        <p14:creationId xmlns:p14="http://schemas.microsoft.com/office/powerpoint/2010/main" val="813357974"/>
       </p:ext>
     </p:extLst>
   </p:cSld>
